--- a/基础PPT/第1章：Java编程基础.pptx
+++ b/基础PPT/第1章：Java编程基础.pptx
@@ -20,10 +20,10 @@
     <p:sldId id="700" r:id="rId12"/>
     <p:sldId id="702" r:id="rId13"/>
     <p:sldId id="703" r:id="rId14"/>
-    <p:sldId id="737" r:id="rId15"/>
-    <p:sldId id="738" r:id="rId16"/>
-    <p:sldId id="739" r:id="rId17"/>
-    <p:sldId id="740" r:id="rId18"/>
+    <p:sldId id="837" r:id="rId15"/>
+    <p:sldId id="737" r:id="rId16"/>
+    <p:sldId id="738" r:id="rId17"/>
+    <p:sldId id="739" r:id="rId18"/>
     <p:sldId id="704" r:id="rId19"/>
     <p:sldId id="741" r:id="rId20"/>
     <p:sldId id="705" r:id="rId22"/>
@@ -6900,7 +6900,7 @@
       </p:sp>
       <p:pic>
         <p:nvPicPr>
-          <p:cNvPr id="6" name="图片 5"/>
+          <p:cNvPr id="2" name="图片 1"/>
           <p:cNvPicPr>
             <a:picLocks noChangeAspect="1"/>
           </p:cNvPicPr>
@@ -6914,8 +6914,8 @@
         </p:blipFill>
         <p:spPr>
           <a:xfrm>
-            <a:off x="789305" y="2178050"/>
-            <a:ext cx="5852160" cy="3192780"/>
+            <a:off x="918845" y="2170430"/>
+            <a:ext cx="4853940" cy="3992880"/>
           </a:xfrm>
           <a:prstGeom prst="rect">
             <a:avLst/>
@@ -6962,8 +6962,8 @@
         </p:nvSpPr>
         <p:spPr>
           <a:xfrm>
-            <a:off x="4297680" y="527685"/>
-            <a:ext cx="5186045" cy="583565"/>
+            <a:off x="4543425" y="773430"/>
+            <a:ext cx="4967605" cy="583565"/>
           </a:xfrm>
           <a:prstGeom prst="rect">
             <a:avLst/>
@@ -6981,7 +6981,7 @@
             </a:r>
             <a:r>
               <a:rPr lang="zh-CN" altLang="en-US" sz="3200"/>
-              <a:t>标识符</a:t>
+              <a:t>变量</a:t>
             </a:r>
             <a:endParaRPr lang="zh-CN" altLang="en-US" sz="3200"/>
           </a:p>
@@ -6995,8 +6995,8 @@
         </p:nvSpPr>
         <p:spPr>
           <a:xfrm>
-            <a:off x="414020" y="1046480"/>
-            <a:ext cx="11164570" cy="5507990"/>
+            <a:off x="303530" y="1647825"/>
+            <a:ext cx="11576050" cy="4338320"/>
           </a:xfrm>
           <a:prstGeom prst="rect">
             <a:avLst/>
@@ -7008,31 +7008,368 @@
             <a:spAutoFit/>
           </a:bodyPr>
           <a:p>
-            <a:r>
-              <a:rPr lang="zh-CN" altLang="en-US" sz="1600">
-                <a:latin typeface="宋体" panose="02010600030101010101" pitchFamily="2" charset="-122"/>
-                <a:ea typeface="宋体" panose="02010600030101010101" pitchFamily="2" charset="-122"/>
-                <a:cs typeface="宋体" panose="02010600030101010101" pitchFamily="2" charset="-122"/>
-              </a:rPr>
-              <a:t>Java 中标识符是为方法、变量或其他用户定义项所定义的名称。标识符可以有一个或多个字符。在 Java 语言中，标识符的构成规则如下。</a:t>
-            </a:r>
-            <a:endParaRPr lang="zh-CN" altLang="en-US" sz="1600">
-              <a:latin typeface="宋体" panose="02010600030101010101" pitchFamily="2" charset="-122"/>
-              <a:ea typeface="宋体" panose="02010600030101010101" pitchFamily="2" charset="-122"/>
-              <a:cs typeface="宋体" panose="02010600030101010101" pitchFamily="2" charset="-122"/>
-            </a:endParaRPr>
-          </a:p>
-          <a:p>
-            <a:r>
-              <a:rPr lang="zh-CN" altLang="en-US" sz="1600">
-                <a:latin typeface="宋体" panose="02010600030101010101" pitchFamily="2" charset="-122"/>
-                <a:ea typeface="宋体" panose="02010600030101010101" pitchFamily="2" charset="-122"/>
-                <a:cs typeface="宋体" panose="02010600030101010101" pitchFamily="2" charset="-122"/>
-              </a:rPr>
-              <a:t>标识符由</a:t>
-            </a:r>
-            <a:r>
-              <a:rPr lang="zh-CN" altLang="en-US" sz="1600">
+            <a:pPr indent="0">
+              <a:buFont typeface="Wingdings" panose="05000000000000000000" pitchFamily="2" charset="2"/>
+              <a:buNone/>
+            </a:pPr>
+            <a:r>
+              <a:rPr lang="zh-CN" altLang="en-US" sz="1600" dirty="0" smtClean="0">
+                <a:solidFill>
+                  <a:schemeClr val="tx1"/>
+                </a:solidFill>
+                <a:latin typeface="宋体" panose="02010600030101010101" pitchFamily="2" charset="-122"/>
+                <a:ea typeface="宋体" panose="02010600030101010101" pitchFamily="2" charset="-122"/>
+                <a:cs typeface="宋体" panose="02010600030101010101" pitchFamily="2" charset="-122"/>
+                <a:sym typeface="+mn-ea"/>
+              </a:rPr>
+              <a:t>变量的概念：</a:t>
+            </a:r>
+            <a:endParaRPr lang="en-US" altLang="zh-CN" sz="1600" dirty="0" smtClean="0">
+              <a:solidFill>
+                <a:schemeClr val="tx1"/>
+              </a:solidFill>
+              <a:latin typeface="宋体" panose="02010600030101010101" pitchFamily="2" charset="-122"/>
+              <a:ea typeface="宋体" panose="02010600030101010101" pitchFamily="2" charset="-122"/>
+              <a:cs typeface="宋体" panose="02010600030101010101" pitchFamily="2" charset="-122"/>
+            </a:endParaRPr>
+          </a:p>
+          <a:p>
+            <a:pPr lvl="1" indent="0">
+              <a:buFont typeface="Wingdings" panose="05000000000000000000" pitchFamily="2" charset="2"/>
+              <a:buNone/>
+            </a:pPr>
+            <a:r>
+              <a:rPr lang="zh-CN" altLang="en-US" sz="1600" dirty="0" smtClean="0">
+                <a:solidFill>
+                  <a:schemeClr val="tx1"/>
+                </a:solidFill>
+                <a:latin typeface="宋体" panose="02010600030101010101" pitchFamily="2" charset="-122"/>
+                <a:ea typeface="宋体" panose="02010600030101010101" pitchFamily="2" charset="-122"/>
+                <a:cs typeface="宋体" panose="02010600030101010101" pitchFamily="2" charset="-122"/>
+                <a:sym typeface="+mn-ea"/>
+              </a:rPr>
+              <a:t>内存中的一个存储区域</a:t>
+            </a:r>
+            <a:endParaRPr lang="en-US" altLang="zh-CN" sz="1600" dirty="0" smtClean="0">
+              <a:solidFill>
+                <a:schemeClr val="tx1"/>
+              </a:solidFill>
+              <a:latin typeface="宋体" panose="02010600030101010101" pitchFamily="2" charset="-122"/>
+              <a:ea typeface="宋体" panose="02010600030101010101" pitchFamily="2" charset="-122"/>
+              <a:cs typeface="宋体" panose="02010600030101010101" pitchFamily="2" charset="-122"/>
+            </a:endParaRPr>
+          </a:p>
+          <a:p>
+            <a:pPr lvl="1" indent="0">
+              <a:buFont typeface="Wingdings" panose="05000000000000000000" pitchFamily="2" charset="2"/>
+              <a:buNone/>
+            </a:pPr>
+            <a:r>
+              <a:rPr lang="zh-CN" altLang="en-US" sz="1600" dirty="0" smtClean="0">
+                <a:solidFill>
+                  <a:schemeClr val="tx1"/>
+                </a:solidFill>
+                <a:latin typeface="宋体" panose="02010600030101010101" pitchFamily="2" charset="-122"/>
+                <a:ea typeface="宋体" panose="02010600030101010101" pitchFamily="2" charset="-122"/>
+                <a:cs typeface="宋体" panose="02010600030101010101" pitchFamily="2" charset="-122"/>
+                <a:sym typeface="+mn-ea"/>
+              </a:rPr>
+              <a:t>该区域有自己的名称（变量名）和类型（数据类型）</a:t>
+            </a:r>
+            <a:endParaRPr lang="en-US" altLang="zh-CN" sz="1600" dirty="0" smtClean="0">
+              <a:solidFill>
+                <a:schemeClr val="tx1"/>
+              </a:solidFill>
+              <a:latin typeface="宋体" panose="02010600030101010101" pitchFamily="2" charset="-122"/>
+              <a:ea typeface="宋体" panose="02010600030101010101" pitchFamily="2" charset="-122"/>
+              <a:cs typeface="宋体" panose="02010600030101010101" pitchFamily="2" charset="-122"/>
+            </a:endParaRPr>
+          </a:p>
+          <a:p>
+            <a:pPr lvl="1" indent="0">
+              <a:buFont typeface="Wingdings" panose="05000000000000000000" pitchFamily="2" charset="2"/>
+              <a:buNone/>
+            </a:pPr>
+            <a:r>
+              <a:rPr lang="en-US" altLang="zh-CN" sz="1600" dirty="0" smtClean="0">
+                <a:solidFill>
+                  <a:schemeClr val="tx1"/>
+                </a:solidFill>
+                <a:latin typeface="宋体" panose="02010600030101010101" pitchFamily="2" charset="-122"/>
+                <a:ea typeface="宋体" panose="02010600030101010101" pitchFamily="2" charset="-122"/>
+                <a:cs typeface="宋体" panose="02010600030101010101" pitchFamily="2" charset="-122"/>
+                <a:sym typeface="+mn-ea"/>
+              </a:rPr>
+              <a:t>Java</a:t>
+            </a:r>
+            <a:r>
+              <a:rPr lang="zh-CN" altLang="en-US" sz="1600" dirty="0" smtClean="0">
+                <a:solidFill>
+                  <a:schemeClr val="tx1"/>
+                </a:solidFill>
+                <a:latin typeface="宋体" panose="02010600030101010101" pitchFamily="2" charset="-122"/>
+                <a:ea typeface="宋体" panose="02010600030101010101" pitchFamily="2" charset="-122"/>
+                <a:cs typeface="宋体" panose="02010600030101010101" pitchFamily="2" charset="-122"/>
+                <a:sym typeface="+mn-ea"/>
+              </a:rPr>
+              <a:t>中每个变量必须先声明，后使用</a:t>
+            </a:r>
+            <a:endParaRPr lang="en-US" altLang="zh-CN" sz="1600" dirty="0" smtClean="0">
+              <a:solidFill>
+                <a:schemeClr val="tx1"/>
+              </a:solidFill>
+              <a:latin typeface="宋体" panose="02010600030101010101" pitchFamily="2" charset="-122"/>
+              <a:ea typeface="宋体" panose="02010600030101010101" pitchFamily="2" charset="-122"/>
+              <a:cs typeface="宋体" panose="02010600030101010101" pitchFamily="2" charset="-122"/>
+            </a:endParaRPr>
+          </a:p>
+          <a:p>
+            <a:pPr lvl="1" indent="0">
+              <a:buFont typeface="Wingdings" panose="05000000000000000000" pitchFamily="2" charset="2"/>
+              <a:buNone/>
+            </a:pPr>
+            <a:r>
+              <a:rPr lang="zh-CN" altLang="en-US" sz="1600" dirty="0" smtClean="0">
+                <a:solidFill>
+                  <a:schemeClr val="tx1"/>
+                </a:solidFill>
+                <a:latin typeface="宋体" panose="02010600030101010101" pitchFamily="2" charset="-122"/>
+                <a:ea typeface="宋体" panose="02010600030101010101" pitchFamily="2" charset="-122"/>
+                <a:cs typeface="宋体" panose="02010600030101010101" pitchFamily="2" charset="-122"/>
+                <a:sym typeface="+mn-ea"/>
+              </a:rPr>
+              <a:t>该区域的数据可以在同一类型范围内不断变化</a:t>
+            </a:r>
+            <a:endParaRPr lang="zh-CN" altLang="en-US" sz="1600" dirty="0" smtClean="0">
+              <a:solidFill>
+                <a:schemeClr val="tx1"/>
+              </a:solidFill>
+              <a:latin typeface="宋体" panose="02010600030101010101" pitchFamily="2" charset="-122"/>
+              <a:ea typeface="宋体" panose="02010600030101010101" pitchFamily="2" charset="-122"/>
+              <a:cs typeface="宋体" panose="02010600030101010101" pitchFamily="2" charset="-122"/>
+            </a:endParaRPr>
+          </a:p>
+          <a:p>
+            <a:pPr indent="0">
+              <a:buFont typeface="Wingdings" panose="05000000000000000000" pitchFamily="2" charset="2"/>
+              <a:buNone/>
+            </a:pPr>
+            <a:r>
+              <a:rPr lang="zh-CN" altLang="en-US" sz="1600" dirty="0" smtClean="0">
+                <a:solidFill>
+                  <a:schemeClr val="tx1"/>
+                </a:solidFill>
+                <a:latin typeface="宋体" panose="02010600030101010101" pitchFamily="2" charset="-122"/>
+                <a:ea typeface="宋体" panose="02010600030101010101" pitchFamily="2" charset="-122"/>
+                <a:cs typeface="宋体" panose="02010600030101010101" pitchFamily="2" charset="-122"/>
+                <a:sym typeface="+mn-ea"/>
+              </a:rPr>
+              <a:t>使用变量注意：</a:t>
+            </a:r>
+            <a:endParaRPr lang="en-US" altLang="zh-CN" sz="1600" dirty="0" smtClean="0">
+              <a:solidFill>
+                <a:schemeClr val="tx1"/>
+              </a:solidFill>
+              <a:latin typeface="宋体" panose="02010600030101010101" pitchFamily="2" charset="-122"/>
+              <a:ea typeface="宋体" panose="02010600030101010101" pitchFamily="2" charset="-122"/>
+              <a:cs typeface="宋体" panose="02010600030101010101" pitchFamily="2" charset="-122"/>
+            </a:endParaRPr>
+          </a:p>
+          <a:p>
+            <a:pPr lvl="1" indent="0">
+              <a:buFont typeface="Wingdings" panose="05000000000000000000" pitchFamily="2" charset="2"/>
+              <a:buNone/>
+            </a:pPr>
+            <a:r>
+              <a:rPr lang="zh-CN" altLang="en-US" sz="1600" dirty="0" smtClean="0">
+                <a:solidFill>
+                  <a:schemeClr val="tx1"/>
+                </a:solidFill>
+                <a:latin typeface="宋体" panose="02010600030101010101" pitchFamily="2" charset="-122"/>
+                <a:ea typeface="宋体" panose="02010600030101010101" pitchFamily="2" charset="-122"/>
+                <a:cs typeface="宋体" panose="02010600030101010101" pitchFamily="2" charset="-122"/>
+                <a:sym typeface="+mn-ea"/>
+              </a:rPr>
+              <a:t>变量的作用域：一对</a:t>
+            </a:r>
+            <a:r>
+              <a:rPr lang="en-US" altLang="zh-CN" sz="1600" dirty="0" smtClean="0">
+                <a:solidFill>
+                  <a:schemeClr val="tx1"/>
+                </a:solidFill>
+                <a:latin typeface="宋体" panose="02010600030101010101" pitchFamily="2" charset="-122"/>
+                <a:ea typeface="宋体" panose="02010600030101010101" pitchFamily="2" charset="-122"/>
+                <a:cs typeface="宋体" panose="02010600030101010101" pitchFamily="2" charset="-122"/>
+                <a:sym typeface="+mn-ea"/>
+              </a:rPr>
+              <a:t>{ }</a:t>
+            </a:r>
+            <a:r>
+              <a:rPr lang="zh-CN" altLang="en-US" sz="1600" dirty="0" smtClean="0">
+                <a:solidFill>
+                  <a:schemeClr val="tx1"/>
+                </a:solidFill>
+                <a:latin typeface="宋体" panose="02010600030101010101" pitchFamily="2" charset="-122"/>
+                <a:ea typeface="宋体" panose="02010600030101010101" pitchFamily="2" charset="-122"/>
+                <a:cs typeface="宋体" panose="02010600030101010101" pitchFamily="2" charset="-122"/>
+                <a:sym typeface="+mn-ea"/>
+              </a:rPr>
+              <a:t>之间有效	</a:t>
+            </a:r>
+            <a:endParaRPr lang="en-US" altLang="zh-CN" sz="1600" dirty="0" smtClean="0">
+              <a:solidFill>
+                <a:schemeClr val="tx1"/>
+              </a:solidFill>
+              <a:latin typeface="宋体" panose="02010600030101010101" pitchFamily="2" charset="-122"/>
+              <a:ea typeface="宋体" panose="02010600030101010101" pitchFamily="2" charset="-122"/>
+              <a:cs typeface="宋体" panose="02010600030101010101" pitchFamily="2" charset="-122"/>
+            </a:endParaRPr>
+          </a:p>
+          <a:p>
+            <a:pPr lvl="1" indent="0">
+              <a:buFont typeface="Wingdings" panose="05000000000000000000" pitchFamily="2" charset="2"/>
+              <a:buNone/>
+            </a:pPr>
+            <a:r>
+              <a:rPr lang="zh-CN" altLang="en-US" sz="1600" dirty="0" smtClean="0">
+                <a:solidFill>
+                  <a:schemeClr val="tx1"/>
+                </a:solidFill>
+                <a:latin typeface="宋体" panose="02010600030101010101" pitchFamily="2" charset="-122"/>
+                <a:ea typeface="宋体" panose="02010600030101010101" pitchFamily="2" charset="-122"/>
+                <a:cs typeface="宋体" panose="02010600030101010101" pitchFamily="2" charset="-122"/>
+                <a:sym typeface="+mn-ea"/>
+              </a:rPr>
+              <a:t>初始化值</a:t>
+            </a:r>
+            <a:endParaRPr lang="en-US" altLang="zh-CN" sz="1600" dirty="0" smtClean="0">
+              <a:solidFill>
+                <a:schemeClr val="tx1"/>
+              </a:solidFill>
+              <a:latin typeface="宋体" panose="02010600030101010101" pitchFamily="2" charset="-122"/>
+              <a:ea typeface="宋体" panose="02010600030101010101" pitchFamily="2" charset="-122"/>
+              <a:cs typeface="宋体" panose="02010600030101010101" pitchFamily="2" charset="-122"/>
+            </a:endParaRPr>
+          </a:p>
+          <a:p>
+            <a:pPr indent="0">
+              <a:buFont typeface="Wingdings" panose="05000000000000000000" pitchFamily="2" charset="2"/>
+              <a:buNone/>
+            </a:pPr>
+            <a:r>
+              <a:rPr lang="zh-CN" altLang="en-US" sz="1600" dirty="0" smtClean="0">
+                <a:solidFill>
+                  <a:schemeClr val="tx1"/>
+                </a:solidFill>
+                <a:latin typeface="宋体" panose="02010600030101010101" pitchFamily="2" charset="-122"/>
+                <a:ea typeface="宋体" panose="02010600030101010101" pitchFamily="2" charset="-122"/>
+                <a:cs typeface="宋体" panose="02010600030101010101" pitchFamily="2" charset="-122"/>
+                <a:sym typeface="+mn-ea"/>
+              </a:rPr>
+              <a:t>定义变量的格式：数据类型    变量名  </a:t>
+            </a:r>
+            <a:r>
+              <a:rPr lang="en-US" altLang="zh-CN" sz="1600" dirty="0" smtClean="0">
+                <a:solidFill>
+                  <a:schemeClr val="tx1"/>
+                </a:solidFill>
+                <a:latin typeface="宋体" panose="02010600030101010101" pitchFamily="2" charset="-122"/>
+                <a:ea typeface="宋体" panose="02010600030101010101" pitchFamily="2" charset="-122"/>
+                <a:cs typeface="宋体" panose="02010600030101010101" pitchFamily="2" charset="-122"/>
+                <a:sym typeface="+mn-ea"/>
+              </a:rPr>
+              <a:t>=  </a:t>
+            </a:r>
+            <a:r>
+              <a:rPr lang="zh-CN" altLang="en-US" sz="1600" dirty="0" smtClean="0">
+                <a:solidFill>
+                  <a:schemeClr val="tx1"/>
+                </a:solidFill>
+                <a:latin typeface="宋体" panose="02010600030101010101" pitchFamily="2" charset="-122"/>
+                <a:ea typeface="宋体" panose="02010600030101010101" pitchFamily="2" charset="-122"/>
+                <a:cs typeface="宋体" panose="02010600030101010101" pitchFamily="2" charset="-122"/>
+                <a:sym typeface="+mn-ea"/>
+              </a:rPr>
+              <a:t>初始化值</a:t>
+            </a:r>
+            <a:endParaRPr lang="en-US" altLang="zh-CN" sz="1600" dirty="0" smtClean="0">
+              <a:solidFill>
+                <a:schemeClr val="tx1"/>
+              </a:solidFill>
+              <a:latin typeface="宋体" panose="02010600030101010101" pitchFamily="2" charset="-122"/>
+              <a:ea typeface="宋体" panose="02010600030101010101" pitchFamily="2" charset="-122"/>
+              <a:cs typeface="宋体" panose="02010600030101010101" pitchFamily="2" charset="-122"/>
+            </a:endParaRPr>
+          </a:p>
+          <a:p>
+            <a:pPr indent="0">
+              <a:lnSpc>
+                <a:spcPct val="150000"/>
+              </a:lnSpc>
+              <a:buFont typeface="Wingdings" panose="05000000000000000000" pitchFamily="2" charset="2"/>
+              <a:buNone/>
+            </a:pPr>
+            <a:r>
+              <a:rPr lang="zh-CN" altLang="en-US" sz="1600" dirty="0" smtClean="0">
+                <a:solidFill>
+                  <a:schemeClr val="tx1"/>
+                </a:solidFill>
+                <a:latin typeface="宋体" panose="02010600030101010101" pitchFamily="2" charset="-122"/>
+                <a:ea typeface="宋体" panose="02010600030101010101" pitchFamily="2" charset="-122"/>
+                <a:cs typeface="宋体" panose="02010600030101010101" pitchFamily="2" charset="-122"/>
+                <a:sym typeface="+mn-ea"/>
+              </a:rPr>
+              <a:t>变量是通过使用变量名来访问这块区域的</a:t>
+            </a:r>
+            <a:endParaRPr lang="en-US" altLang="zh-CN" sz="1600" dirty="0" smtClean="0">
+              <a:solidFill>
+                <a:schemeClr val="tx1"/>
+              </a:solidFill>
+              <a:latin typeface="宋体" panose="02010600030101010101" pitchFamily="2" charset="-122"/>
+              <a:ea typeface="宋体" panose="02010600030101010101" pitchFamily="2" charset="-122"/>
+              <a:cs typeface="宋体" panose="02010600030101010101" pitchFamily="2" charset="-122"/>
+            </a:endParaRPr>
+          </a:p>
+          <a:p>
+            <a:endParaRPr lang="zh-CN" altLang="en-US">
+              <a:latin typeface="宋体" panose="02010600030101010101" pitchFamily="2" charset="-122"/>
+              <a:ea typeface="宋体" panose="02010600030101010101" pitchFamily="2" charset="-122"/>
+              <a:cs typeface="宋体" panose="02010600030101010101" pitchFamily="2" charset="-122"/>
+            </a:endParaRPr>
+          </a:p>
+          <a:p>
+            <a:r>
+              <a:rPr lang="zh-CN" altLang="en-US">
+                <a:latin typeface="宋体" panose="02010600030101010101" pitchFamily="2" charset="-122"/>
+                <a:ea typeface="宋体" panose="02010600030101010101" pitchFamily="2" charset="-122"/>
+                <a:cs typeface="宋体" panose="02010600030101010101" pitchFamily="2" charset="-122"/>
+              </a:rPr>
+              <a:t>Java语言支持的变量类型有：</a:t>
+            </a:r>
+            <a:endParaRPr lang="zh-CN" altLang="en-US">
+              <a:latin typeface="宋体" panose="02010600030101010101" pitchFamily="2" charset="-122"/>
+              <a:ea typeface="宋体" panose="02010600030101010101" pitchFamily="2" charset="-122"/>
+              <a:cs typeface="宋体" panose="02010600030101010101" pitchFamily="2" charset="-122"/>
+            </a:endParaRPr>
+          </a:p>
+          <a:p>
+            <a:endParaRPr lang="zh-CN" altLang="en-US">
+              <a:latin typeface="宋体" panose="02010600030101010101" pitchFamily="2" charset="-122"/>
+              <a:ea typeface="宋体" panose="02010600030101010101" pitchFamily="2" charset="-122"/>
+              <a:cs typeface="宋体" panose="02010600030101010101" pitchFamily="2" charset="-122"/>
+            </a:endParaRPr>
+          </a:p>
+          <a:p>
+            <a:r>
+              <a:rPr lang="zh-CN" altLang="en-US">
+                <a:latin typeface="宋体" panose="02010600030101010101" pitchFamily="2" charset="-122"/>
+                <a:ea typeface="宋体" panose="02010600030101010101" pitchFamily="2" charset="-122"/>
+                <a:cs typeface="宋体" panose="02010600030101010101" pitchFamily="2" charset="-122"/>
+              </a:rPr>
+              <a:t>类变量：独立于方法之外的变量，用 static 修饰</a:t>
+            </a:r>
+            <a:r>
+              <a:rPr lang="zh-CN" altLang="en-US">
                 <a:solidFill>
                   <a:srgbClr val="FF0000"/>
                 </a:solidFill>
@@ -7040,77 +7377,33 @@
                 <a:ea typeface="宋体" panose="02010600030101010101" pitchFamily="2" charset="-122"/>
                 <a:cs typeface="宋体" panose="02010600030101010101" pitchFamily="2" charset="-122"/>
               </a:rPr>
-              <a:t>数字（0~9）和字母（A~Z 和 a~z）、美元符号（$）、下划线（_）组合</a:t>
-            </a:r>
-            <a:r>
-              <a:rPr lang="zh-CN" altLang="en-US" sz="1600">
-                <a:latin typeface="宋体" panose="02010600030101010101" pitchFamily="2" charset="-122"/>
-                <a:ea typeface="宋体" panose="02010600030101010101" pitchFamily="2" charset="-122"/>
-                <a:cs typeface="宋体" panose="02010600030101010101" pitchFamily="2" charset="-122"/>
-              </a:rPr>
-              <a:t>构成（各符号之间没有空格）。</a:t>
-            </a:r>
-            <a:endParaRPr lang="zh-CN" altLang="en-US" sz="1600">
-              <a:latin typeface="宋体" panose="02010600030101010101" pitchFamily="2" charset="-122"/>
-              <a:ea typeface="宋体" panose="02010600030101010101" pitchFamily="2" charset="-122"/>
-              <a:cs typeface="宋体" panose="02010600030101010101" pitchFamily="2" charset="-122"/>
-            </a:endParaRPr>
-          </a:p>
-          <a:p>
-            <a:r>
-              <a:rPr lang="zh-CN" altLang="en-US" sz="1600">
-                <a:latin typeface="宋体" panose="02010600030101010101" pitchFamily="2" charset="-122"/>
-                <a:ea typeface="宋体" panose="02010600030101010101" pitchFamily="2" charset="-122"/>
-                <a:cs typeface="宋体" panose="02010600030101010101" pitchFamily="2" charset="-122"/>
-              </a:rPr>
-              <a:t>标识符的第一个符号为字母、下划线和美元符号，后面可以是任何字母、数字、美元符号或下划线。</a:t>
-            </a:r>
-            <a:endParaRPr lang="zh-CN" altLang="en-US" sz="1600">
-              <a:latin typeface="宋体" panose="02010600030101010101" pitchFamily="2" charset="-122"/>
-              <a:ea typeface="宋体" panose="02010600030101010101" pitchFamily="2" charset="-122"/>
-              <a:cs typeface="宋体" panose="02010600030101010101" pitchFamily="2" charset="-122"/>
-            </a:endParaRPr>
-          </a:p>
-          <a:p>
-            <a:endParaRPr lang="zh-CN" altLang="en-US" sz="1600">
-              <a:latin typeface="宋体" panose="02010600030101010101" pitchFamily="2" charset="-122"/>
-              <a:ea typeface="宋体" panose="02010600030101010101" pitchFamily="2" charset="-122"/>
-              <a:cs typeface="宋体" panose="02010600030101010101" pitchFamily="2" charset="-122"/>
-            </a:endParaRPr>
-          </a:p>
-          <a:p>
-            <a:r>
-              <a:rPr lang="zh-CN" altLang="en-US" sz="1600">
-                <a:latin typeface="宋体" panose="02010600030101010101" pitchFamily="2" charset="-122"/>
-                <a:ea typeface="宋体" panose="02010600030101010101" pitchFamily="2" charset="-122"/>
-                <a:cs typeface="宋体" panose="02010600030101010101" pitchFamily="2" charset="-122"/>
-              </a:rPr>
-              <a:t>另外，Java 区分大小写，因此 myvar 和 MyVar 是两个不同的标识符。</a:t>
-            </a:r>
-            <a:endParaRPr lang="zh-CN" altLang="en-US" sz="1600">
-              <a:latin typeface="宋体" panose="02010600030101010101" pitchFamily="2" charset="-122"/>
-              <a:ea typeface="宋体" panose="02010600030101010101" pitchFamily="2" charset="-122"/>
-              <a:cs typeface="宋体" panose="02010600030101010101" pitchFamily="2" charset="-122"/>
-            </a:endParaRPr>
-          </a:p>
-          <a:p>
-            <a:endParaRPr lang="zh-CN" altLang="en-US" sz="1600">
-              <a:latin typeface="宋体" panose="02010600030101010101" pitchFamily="2" charset="-122"/>
-              <a:ea typeface="宋体" panose="02010600030101010101" pitchFamily="2" charset="-122"/>
-              <a:cs typeface="宋体" panose="02010600030101010101" pitchFamily="2" charset="-122"/>
-            </a:endParaRPr>
-          </a:p>
-          <a:p>
-            <a:r>
-              <a:rPr lang="zh-CN" altLang="en-US" sz="1600">
-                <a:latin typeface="宋体" panose="02010600030101010101" pitchFamily="2" charset="-122"/>
-                <a:ea typeface="宋体" panose="02010600030101010101" pitchFamily="2" charset="-122"/>
-                <a:cs typeface="宋体" panose="02010600030101010101" pitchFamily="2" charset="-122"/>
-              </a:rPr>
-              <a:t>提示：标识符命名时，切记</a:t>
-            </a:r>
-            <a:r>
-              <a:rPr lang="zh-CN" altLang="en-US" sz="1600">
+              <a:t>（后面讲解）</a:t>
+            </a:r>
+            <a:r>
+              <a:rPr lang="zh-CN" altLang="en-US">
+                <a:latin typeface="宋体" panose="02010600030101010101" pitchFamily="2" charset="-122"/>
+                <a:ea typeface="宋体" panose="02010600030101010101" pitchFamily="2" charset="-122"/>
+                <a:cs typeface="宋体" panose="02010600030101010101" pitchFamily="2" charset="-122"/>
+              </a:rPr>
+              <a:t>。</a:t>
+            </a:r>
+            <a:endParaRPr lang="zh-CN" altLang="en-US">
+              <a:latin typeface="宋体" panose="02010600030101010101" pitchFamily="2" charset="-122"/>
+              <a:ea typeface="宋体" panose="02010600030101010101" pitchFamily="2" charset="-122"/>
+              <a:cs typeface="宋体" panose="02010600030101010101" pitchFamily="2" charset="-122"/>
+            </a:endParaRPr>
+          </a:p>
+          <a:p>
+            <a:r>
+              <a:rPr lang="zh-CN" altLang="en-US">
+                <a:latin typeface="宋体" panose="02010600030101010101" pitchFamily="2" charset="-122"/>
+                <a:ea typeface="宋体" panose="02010600030101010101" pitchFamily="2" charset="-122"/>
+                <a:cs typeface="宋体" panose="02010600030101010101" pitchFamily="2" charset="-122"/>
+              </a:rPr>
+              <a:t>实例变量：独立于方法之外的变量，不过没有 static 修饰</a:t>
+            </a:r>
+            <a:r>
+              <a:rPr lang="en-US" altLang="zh-CN">
                 <a:solidFill>
                   <a:srgbClr val="FF0000"/>
                 </a:solidFill>
@@ -7118,215 +7411,55 @@
                 <a:ea typeface="宋体" panose="02010600030101010101" pitchFamily="2" charset="-122"/>
                 <a:cs typeface="宋体" panose="02010600030101010101" pitchFamily="2" charset="-122"/>
               </a:rPr>
-              <a:t>不能以数字开头</a:t>
-            </a:r>
-            <a:r>
-              <a:rPr lang="zh-CN" altLang="en-US" sz="1600">
-                <a:latin typeface="宋体" panose="02010600030101010101" pitchFamily="2" charset="-122"/>
-                <a:ea typeface="宋体" panose="02010600030101010101" pitchFamily="2" charset="-122"/>
-                <a:cs typeface="宋体" panose="02010600030101010101" pitchFamily="2" charset="-122"/>
-              </a:rPr>
-              <a:t>，也不能使用任何 Java 关键字作为标识符，而且不能赋予标识符任何标准的方法名。</a:t>
-            </a:r>
-            <a:endParaRPr lang="zh-CN" altLang="en-US" sz="1600">
-              <a:latin typeface="宋体" panose="02010600030101010101" pitchFamily="2" charset="-122"/>
-              <a:ea typeface="宋体" panose="02010600030101010101" pitchFamily="2" charset="-122"/>
-              <a:cs typeface="宋体" panose="02010600030101010101" pitchFamily="2" charset="-122"/>
-            </a:endParaRPr>
-          </a:p>
-          <a:p>
-            <a:endParaRPr lang="zh-CN" altLang="en-US" sz="1600">
-              <a:latin typeface="宋体" panose="02010600030101010101" pitchFamily="2" charset="-122"/>
-              <a:ea typeface="宋体" panose="02010600030101010101" pitchFamily="2" charset="-122"/>
-              <a:cs typeface="宋体" panose="02010600030101010101" pitchFamily="2" charset="-122"/>
-            </a:endParaRPr>
-          </a:p>
-          <a:p>
-            <a:r>
-              <a:rPr lang="zh-CN" altLang="en-US" sz="1600">
-                <a:latin typeface="宋体" panose="02010600030101010101" pitchFamily="2" charset="-122"/>
-                <a:ea typeface="宋体" panose="02010600030101010101" pitchFamily="2" charset="-122"/>
-                <a:cs typeface="宋体" panose="02010600030101010101" pitchFamily="2" charset="-122"/>
-              </a:rPr>
-              <a:t>标识符分为两类，分别为</a:t>
-            </a:r>
-            <a:r>
-              <a:rPr lang="zh-CN" altLang="en-US" sz="1600">
+              <a:t>(</a:t>
+            </a:r>
+            <a:r>
+              <a:rPr lang="zh-CN" altLang="en-US">
                 <a:solidFill>
                   <a:srgbClr val="FF0000"/>
                 </a:solidFill>
                 <a:latin typeface="宋体" panose="02010600030101010101" pitchFamily="2" charset="-122"/>
                 <a:ea typeface="宋体" panose="02010600030101010101" pitchFamily="2" charset="-122"/>
                 <a:cs typeface="宋体" panose="02010600030101010101" pitchFamily="2" charset="-122"/>
-              </a:rPr>
-              <a:t>关键字和用户自定义标识符</a:t>
-            </a:r>
-            <a:r>
-              <a:rPr lang="zh-CN" altLang="en-US" sz="1600">
+                <a:sym typeface="+mn-ea"/>
+              </a:rPr>
+              <a:t>后面讲解</a:t>
+            </a:r>
+            <a:r>
+              <a:rPr lang="en-US" altLang="zh-CN">
+                <a:solidFill>
+                  <a:srgbClr val="FF0000"/>
+                </a:solidFill>
+                <a:latin typeface="宋体" panose="02010600030101010101" pitchFamily="2" charset="-122"/>
+                <a:ea typeface="宋体" panose="02010600030101010101" pitchFamily="2" charset="-122"/>
+                <a:cs typeface="宋体" panose="02010600030101010101" pitchFamily="2" charset="-122"/>
+              </a:rPr>
+              <a:t>)</a:t>
+            </a:r>
+            <a:r>
+              <a:rPr lang="zh-CN" altLang="en-US">
                 <a:latin typeface="宋体" panose="02010600030101010101" pitchFamily="2" charset="-122"/>
                 <a:ea typeface="宋体" panose="02010600030101010101" pitchFamily="2" charset="-122"/>
                 <a:cs typeface="宋体" panose="02010600030101010101" pitchFamily="2" charset="-122"/>
               </a:rPr>
               <a:t>。</a:t>
             </a:r>
-            <a:endParaRPr lang="zh-CN" altLang="en-US" sz="1600">
-              <a:latin typeface="宋体" panose="02010600030101010101" pitchFamily="2" charset="-122"/>
-              <a:ea typeface="宋体" panose="02010600030101010101" pitchFamily="2" charset="-122"/>
-              <a:cs typeface="宋体" panose="02010600030101010101" pitchFamily="2" charset="-122"/>
-            </a:endParaRPr>
-          </a:p>
-          <a:p>
-            <a:r>
-              <a:rPr lang="zh-CN" altLang="en-US" sz="1600">
-                <a:latin typeface="宋体" panose="02010600030101010101" pitchFamily="2" charset="-122"/>
-                <a:ea typeface="宋体" panose="02010600030101010101" pitchFamily="2" charset="-122"/>
-                <a:cs typeface="宋体" panose="02010600030101010101" pitchFamily="2" charset="-122"/>
-              </a:rPr>
-              <a:t>关键字是有特殊含义的标识符，如 true、false 表示逻辑的真假。</a:t>
-            </a:r>
-            <a:endParaRPr lang="zh-CN" altLang="en-US" sz="1600">
-              <a:latin typeface="宋体" panose="02010600030101010101" pitchFamily="2" charset="-122"/>
-              <a:ea typeface="宋体" panose="02010600030101010101" pitchFamily="2" charset="-122"/>
-              <a:cs typeface="宋体" panose="02010600030101010101" pitchFamily="2" charset="-122"/>
-            </a:endParaRPr>
-          </a:p>
-          <a:p>
-            <a:r>
-              <a:rPr lang="zh-CN" altLang="en-US" sz="1600">
-                <a:latin typeface="宋体" panose="02010600030101010101" pitchFamily="2" charset="-122"/>
-                <a:ea typeface="宋体" panose="02010600030101010101" pitchFamily="2" charset="-122"/>
-                <a:cs typeface="宋体" panose="02010600030101010101" pitchFamily="2" charset="-122"/>
-              </a:rPr>
-              <a:t>用户自定义标识符是由用户按标识符构成规则生成的非保留字的标识符，如 abc 就是一个标识符。</a:t>
-            </a:r>
-            <a:endParaRPr lang="zh-CN" altLang="en-US" sz="1600">
-              <a:latin typeface="宋体" panose="02010600030101010101" pitchFamily="2" charset="-122"/>
-              <a:ea typeface="宋体" panose="02010600030101010101" pitchFamily="2" charset="-122"/>
-              <a:cs typeface="宋体" panose="02010600030101010101" pitchFamily="2" charset="-122"/>
-            </a:endParaRPr>
-          </a:p>
-          <a:p>
-            <a:r>
-              <a:rPr lang="zh-CN" altLang="en-US" sz="1600">
-                <a:latin typeface="宋体" panose="02010600030101010101" pitchFamily="2" charset="-122"/>
-                <a:ea typeface="宋体" panose="02010600030101010101" pitchFamily="2" charset="-122"/>
-                <a:cs typeface="宋体" panose="02010600030101010101" pitchFamily="2" charset="-122"/>
-              </a:rPr>
-              <a:t>提示：使用标识符时一定要注意，或者使用关键字，或者使用自定义的非关键字标识符。此外，标识符可以包含关键字，但不能与关键字重名。</a:t>
-            </a:r>
-            <a:endParaRPr lang="zh-CN" altLang="en-US" sz="1600">
-              <a:latin typeface="宋体" panose="02010600030101010101" pitchFamily="2" charset="-122"/>
-              <a:ea typeface="宋体" panose="02010600030101010101" pitchFamily="2" charset="-122"/>
-              <a:cs typeface="宋体" panose="02010600030101010101" pitchFamily="2" charset="-122"/>
-            </a:endParaRPr>
-          </a:p>
-          <a:p>
-            <a:endParaRPr lang="zh-CN" altLang="en-US" sz="1600">
-              <a:latin typeface="宋体" panose="02010600030101010101" pitchFamily="2" charset="-122"/>
-              <a:ea typeface="宋体" panose="02010600030101010101" pitchFamily="2" charset="-122"/>
-              <a:cs typeface="宋体" panose="02010600030101010101" pitchFamily="2" charset="-122"/>
-            </a:endParaRPr>
-          </a:p>
-          <a:p>
-            <a:r>
-              <a:rPr lang="zh-CN" altLang="en-US" sz="1600">
-                <a:latin typeface="宋体" panose="02010600030101010101" pitchFamily="2" charset="-122"/>
-                <a:ea typeface="宋体" panose="02010600030101010101" pitchFamily="2" charset="-122"/>
-                <a:cs typeface="宋体" panose="02010600030101010101" pitchFamily="2" charset="-122"/>
-              </a:rPr>
-              <a:t>例如以下合法与不合法标识符。</a:t>
-            </a:r>
-            <a:endParaRPr lang="zh-CN" altLang="en-US" sz="1600">
-              <a:latin typeface="宋体" panose="02010600030101010101" pitchFamily="2" charset="-122"/>
-              <a:ea typeface="宋体" panose="02010600030101010101" pitchFamily="2" charset="-122"/>
-              <a:cs typeface="宋体" panose="02010600030101010101" pitchFamily="2" charset="-122"/>
-            </a:endParaRPr>
-          </a:p>
-          <a:p>
-            <a:r>
-              <a:rPr lang="zh-CN" altLang="en-US" sz="1600">
-                <a:latin typeface="宋体" panose="02010600030101010101" pitchFamily="2" charset="-122"/>
-                <a:ea typeface="宋体" panose="02010600030101010101" pitchFamily="2" charset="-122"/>
-                <a:cs typeface="宋体" panose="02010600030101010101" pitchFamily="2" charset="-122"/>
-              </a:rPr>
-              <a:t>合法标识符：</a:t>
-            </a:r>
-            <a:r>
-              <a:rPr lang="zh-CN" altLang="en-US" sz="1600">
-                <a:solidFill>
-                  <a:srgbClr val="FF0000"/>
-                </a:solidFill>
-                <a:latin typeface="宋体" panose="02010600030101010101" pitchFamily="2" charset="-122"/>
-                <a:ea typeface="宋体" panose="02010600030101010101" pitchFamily="2" charset="-122"/>
-                <a:cs typeface="宋体" panose="02010600030101010101" pitchFamily="2" charset="-122"/>
-              </a:rPr>
-              <a:t>date、$2011、_date、D_$date</a:t>
-            </a:r>
-            <a:r>
-              <a:rPr lang="zh-CN" altLang="en-US" sz="1600">
-                <a:latin typeface="宋体" panose="02010600030101010101" pitchFamily="2" charset="-122"/>
-                <a:ea typeface="宋体" panose="02010600030101010101" pitchFamily="2" charset="-122"/>
-                <a:cs typeface="宋体" panose="02010600030101010101" pitchFamily="2" charset="-122"/>
-              </a:rPr>
-              <a:t> 等。</a:t>
-            </a:r>
-            <a:endParaRPr lang="zh-CN" altLang="en-US" sz="1600">
-              <a:latin typeface="宋体" panose="02010600030101010101" pitchFamily="2" charset="-122"/>
-              <a:ea typeface="宋体" panose="02010600030101010101" pitchFamily="2" charset="-122"/>
-              <a:cs typeface="宋体" panose="02010600030101010101" pitchFamily="2" charset="-122"/>
-            </a:endParaRPr>
-          </a:p>
-          <a:p>
-            <a:r>
-              <a:rPr lang="zh-CN" altLang="en-US" sz="1600">
-                <a:latin typeface="宋体" panose="02010600030101010101" pitchFamily="2" charset="-122"/>
-                <a:ea typeface="宋体" panose="02010600030101010101" pitchFamily="2" charset="-122"/>
-                <a:cs typeface="宋体" panose="02010600030101010101" pitchFamily="2" charset="-122"/>
-              </a:rPr>
-              <a:t>不合法的标识符：</a:t>
-            </a:r>
-            <a:r>
-              <a:rPr lang="zh-CN" altLang="en-US" sz="1600">
-                <a:solidFill>
-                  <a:srgbClr val="FF0000"/>
-                </a:solidFill>
-                <a:latin typeface="宋体" panose="02010600030101010101" pitchFamily="2" charset="-122"/>
-                <a:ea typeface="宋体" panose="02010600030101010101" pitchFamily="2" charset="-122"/>
-                <a:cs typeface="宋体" panose="02010600030101010101" pitchFamily="2" charset="-122"/>
-              </a:rPr>
-              <a:t>123.com、2com、for、if</a:t>
-            </a:r>
-            <a:r>
-              <a:rPr lang="zh-CN" altLang="en-US" sz="1600">
-                <a:latin typeface="宋体" panose="02010600030101010101" pitchFamily="2" charset="-122"/>
-                <a:ea typeface="宋体" panose="02010600030101010101" pitchFamily="2" charset="-122"/>
-                <a:cs typeface="宋体" panose="02010600030101010101" pitchFamily="2" charset="-122"/>
-              </a:rPr>
-              <a:t> 等。</a:t>
-            </a:r>
-            <a:endParaRPr lang="zh-CN" altLang="en-US" sz="1600">
-              <a:latin typeface="宋体" panose="02010600030101010101" pitchFamily="2" charset="-122"/>
-              <a:ea typeface="宋体" panose="02010600030101010101" pitchFamily="2" charset="-122"/>
-              <a:cs typeface="宋体" panose="02010600030101010101" pitchFamily="2" charset="-122"/>
-            </a:endParaRPr>
-          </a:p>
-          <a:p>
-            <a:endParaRPr lang="zh-CN" altLang="en-US" sz="1600">
-              <a:latin typeface="宋体" panose="02010600030101010101" pitchFamily="2" charset="-122"/>
-              <a:ea typeface="宋体" panose="02010600030101010101" pitchFamily="2" charset="-122"/>
-              <a:cs typeface="宋体" panose="02010600030101010101" pitchFamily="2" charset="-122"/>
-            </a:endParaRPr>
-          </a:p>
-          <a:p>
-            <a:r>
-              <a:rPr lang="zh-CN" altLang="en-US" sz="1600">
-                <a:latin typeface="宋体" panose="02010600030101010101" pitchFamily="2" charset="-122"/>
-                <a:ea typeface="宋体" panose="02010600030101010101" pitchFamily="2" charset="-122"/>
-                <a:cs typeface="宋体" panose="02010600030101010101" pitchFamily="2" charset="-122"/>
-              </a:rPr>
-              <a:t>标识符用来命名常量、变量、类和类的对象等。因此，一个良好的编程习惯要求命名标识符时，应赋予它一个有意义或有用途的名字。</a:t>
-            </a:r>
-            <a:endParaRPr lang="zh-CN" altLang="en-US" sz="1600">
+            <a:endParaRPr lang="zh-CN" altLang="en-US">
+              <a:latin typeface="宋体" panose="02010600030101010101" pitchFamily="2" charset="-122"/>
+              <a:ea typeface="宋体" panose="02010600030101010101" pitchFamily="2" charset="-122"/>
+              <a:cs typeface="宋体" panose="02010600030101010101" pitchFamily="2" charset="-122"/>
+            </a:endParaRPr>
+          </a:p>
+          <a:p>
+            <a:r>
+              <a:rPr lang="zh-CN" altLang="en-US">
+                <a:latin typeface="宋体" panose="02010600030101010101" pitchFamily="2" charset="-122"/>
+                <a:ea typeface="宋体" panose="02010600030101010101" pitchFamily="2" charset="-122"/>
+                <a:cs typeface="宋体" panose="02010600030101010101" pitchFamily="2" charset="-122"/>
+              </a:rPr>
+              <a:t>局部变量：类的方法中的变量。</a:t>
+            </a:r>
+            <a:endParaRPr lang="zh-CN" altLang="en-US">
               <a:latin typeface="宋体" panose="02010600030101010101" pitchFamily="2" charset="-122"/>
               <a:ea typeface="宋体" panose="02010600030101010101" pitchFamily="2" charset="-122"/>
               <a:cs typeface="宋体" panose="02010600030101010101" pitchFamily="2" charset="-122"/>
@@ -7334,9 +7467,33 @@
           </a:p>
         </p:txBody>
       </p:sp>
+      <p:pic>
+        <p:nvPicPr>
+          <p:cNvPr id="4" name="图片 3"/>
+          <p:cNvPicPr>
+            <a:picLocks noChangeAspect="1"/>
+          </p:cNvPicPr>
+          <p:nvPr/>
+        </p:nvPicPr>
+        <p:blipFill>
+          <a:blip r:embed="rId2"/>
+          <a:stretch>
+            <a:fillRect/>
+          </a:stretch>
+        </p:blipFill>
+        <p:spPr>
+          <a:xfrm>
+            <a:off x="7107555" y="773430"/>
+            <a:ext cx="4954270" cy="4301490"/>
+          </a:xfrm>
+          <a:prstGeom prst="rect">
+            <a:avLst/>
+          </a:prstGeom>
+        </p:spPr>
+      </p:pic>
     </p:spTree>
     <p:custDataLst>
-      <p:tags r:id="rId2"/>
+      <p:tags r:id="rId3"/>
     </p:custDataLst>
   </p:cSld>
   <p:clrMapOvr>
@@ -7368,14 +7525,47 @@
       <p:grpSpPr/>
       <p:sp>
         <p:nvSpPr>
+          <p:cNvPr id="3" name="文本框 2"/>
+          <p:cNvSpPr txBox="1"/>
+          <p:nvPr/>
+        </p:nvSpPr>
+        <p:spPr>
+          <a:xfrm>
+            <a:off x="4297680" y="527685"/>
+            <a:ext cx="5186045" cy="583565"/>
+          </a:xfrm>
+          <a:prstGeom prst="rect">
+            <a:avLst/>
+          </a:prstGeom>
+          <a:noFill/>
+        </p:spPr>
+        <p:txBody>
+          <a:bodyPr wrap="square" rtlCol="0">
+            <a:spAutoFit/>
+          </a:bodyPr>
+          <a:p>
+            <a:r>
+              <a:rPr lang="en-US" altLang="zh-CN" sz="3200"/>
+              <a:t>Java </a:t>
+            </a:r>
+            <a:r>
+              <a:rPr lang="zh-CN" altLang="en-US" sz="3200"/>
+              <a:t>标识符</a:t>
+            </a:r>
+            <a:endParaRPr lang="zh-CN" altLang="en-US" sz="3200"/>
+          </a:p>
+        </p:txBody>
+      </p:sp>
+      <p:sp>
+        <p:nvSpPr>
           <p:cNvPr id="2" name="文本框 1"/>
           <p:cNvSpPr txBox="1"/>
           <p:nvPr/>
         </p:nvSpPr>
         <p:spPr>
           <a:xfrm>
-            <a:off x="584835" y="835025"/>
-            <a:ext cx="10965180" cy="1814830"/>
+            <a:off x="414020" y="1046480"/>
+            <a:ext cx="11164570" cy="5507990"/>
           </a:xfrm>
           <a:prstGeom prst="rect">
             <a:avLst/>
@@ -7393,7 +7583,7 @@
                 <a:ea typeface="宋体" panose="02010600030101010101" pitchFamily="2" charset="-122"/>
                 <a:cs typeface="宋体" panose="02010600030101010101" pitchFamily="2" charset="-122"/>
               </a:rPr>
-              <a:t>1、关键字</a:t>
+              <a:t>Java 中标识符是为方法、变量或其他用户定义项所定义的名称。标识符可以有一个或多个字符。在 Java 语言中，标识符的构成规则如下。</a:t>
             </a:r>
             <a:endParaRPr lang="zh-CN" altLang="en-US" sz="1600">
               <a:latin typeface="宋体" panose="02010600030101010101" pitchFamily="2" charset="-122"/>
@@ -7408,7 +7598,26 @@
                 <a:ea typeface="宋体" panose="02010600030101010101" pitchFamily="2" charset="-122"/>
                 <a:cs typeface="宋体" panose="02010600030101010101" pitchFamily="2" charset="-122"/>
               </a:rPr>
-              <a:t>Java的关键字对java的编译器有特殊的意义，他们用来表示一种数据类型，或者表示程序的结构等，关键字不能用作变量名、方法名、类名、包名。</a:t>
+              <a:t>标识符由</a:t>
+            </a:r>
+            <a:r>
+              <a:rPr lang="zh-CN" altLang="en-US" sz="1600">
+                <a:solidFill>
+                  <a:srgbClr val="FF0000"/>
+                </a:solidFill>
+                <a:latin typeface="宋体" panose="02010600030101010101" pitchFamily="2" charset="-122"/>
+                <a:ea typeface="宋体" panose="02010600030101010101" pitchFamily="2" charset="-122"/>
+                <a:cs typeface="宋体" panose="02010600030101010101" pitchFamily="2" charset="-122"/>
+              </a:rPr>
+              <a:t>数字（0~9）和字母（A~Z 和 a~z）、美元符号（$）、下划线（_）组合</a:t>
+            </a:r>
+            <a:r>
+              <a:rPr lang="zh-CN" altLang="en-US" sz="1600">
+                <a:latin typeface="宋体" panose="02010600030101010101" pitchFamily="2" charset="-122"/>
+                <a:ea typeface="宋体" panose="02010600030101010101" pitchFamily="2" charset="-122"/>
+                <a:cs typeface="宋体" panose="02010600030101010101" pitchFamily="2" charset="-122"/>
+              </a:rPr>
+              <a:t>构成（各符号之间没有空格）。</a:t>
             </a:r>
             <a:endParaRPr lang="zh-CN" altLang="en-US" sz="1600">
               <a:latin typeface="宋体" panose="02010600030101010101" pitchFamily="2" charset="-122"/>
@@ -7423,7 +7632,7 @@
                 <a:ea typeface="宋体" panose="02010600030101010101" pitchFamily="2" charset="-122"/>
                 <a:cs typeface="宋体" panose="02010600030101010101" pitchFamily="2" charset="-122"/>
               </a:rPr>
-              <a:t>2、保留字</a:t>
+              <a:t>标识符的第一个符号为字母、下划线和美元符号，后面可以是任何字母、数字、美元符号或下划线。</a:t>
             </a:r>
             <a:endParaRPr lang="zh-CN" altLang="en-US" sz="1600">
               <a:latin typeface="宋体" panose="02010600030101010101" pitchFamily="2" charset="-122"/>
@@ -7432,13 +7641,20 @@
             </a:endParaRPr>
           </a:p>
           <a:p>
+            <a:endParaRPr lang="zh-CN" altLang="en-US" sz="1600">
+              <a:latin typeface="宋体" panose="02010600030101010101" pitchFamily="2" charset="-122"/>
+              <a:ea typeface="宋体" panose="02010600030101010101" pitchFamily="2" charset="-122"/>
+              <a:cs typeface="宋体" panose="02010600030101010101" pitchFamily="2" charset="-122"/>
+            </a:endParaRPr>
+          </a:p>
+          <a:p>
             <a:r>
               <a:rPr lang="zh-CN" altLang="en-US" sz="1600">
                 <a:latin typeface="宋体" panose="02010600030101010101" pitchFamily="2" charset="-122"/>
                 <a:ea typeface="宋体" panose="02010600030101010101" pitchFamily="2" charset="-122"/>
                 <a:cs typeface="宋体" panose="02010600030101010101" pitchFamily="2" charset="-122"/>
               </a:rPr>
-              <a:t>保留字是为java预留的关键字，他们虽然现在没有作为关键字，但在以后的升级版本中有可能作为关键字。const和goto是java的保留字。</a:t>
+              <a:t>另外，Java 区分大小写，因此 myvar 和 MyVar 是两个不同的标识符。</a:t>
             </a:r>
             <a:endParaRPr lang="zh-CN" altLang="en-US" sz="1600">
               <a:latin typeface="宋体" panose="02010600030101010101" pitchFamily="2" charset="-122"/>
@@ -7447,6 +7663,238 @@
             </a:endParaRPr>
           </a:p>
           <a:p>
+            <a:endParaRPr lang="zh-CN" altLang="en-US" sz="1600">
+              <a:latin typeface="宋体" panose="02010600030101010101" pitchFamily="2" charset="-122"/>
+              <a:ea typeface="宋体" panose="02010600030101010101" pitchFamily="2" charset="-122"/>
+              <a:cs typeface="宋体" panose="02010600030101010101" pitchFamily="2" charset="-122"/>
+            </a:endParaRPr>
+          </a:p>
+          <a:p>
+            <a:r>
+              <a:rPr lang="zh-CN" altLang="en-US" sz="1600">
+                <a:latin typeface="宋体" panose="02010600030101010101" pitchFamily="2" charset="-122"/>
+                <a:ea typeface="宋体" panose="02010600030101010101" pitchFamily="2" charset="-122"/>
+                <a:cs typeface="宋体" panose="02010600030101010101" pitchFamily="2" charset="-122"/>
+              </a:rPr>
+              <a:t>提示：标识符命名时，切记</a:t>
+            </a:r>
+            <a:r>
+              <a:rPr lang="zh-CN" altLang="en-US" sz="1600">
+                <a:solidFill>
+                  <a:srgbClr val="FF0000"/>
+                </a:solidFill>
+                <a:latin typeface="宋体" panose="02010600030101010101" pitchFamily="2" charset="-122"/>
+                <a:ea typeface="宋体" panose="02010600030101010101" pitchFamily="2" charset="-122"/>
+                <a:cs typeface="宋体" panose="02010600030101010101" pitchFamily="2" charset="-122"/>
+              </a:rPr>
+              <a:t>不能以数字开头</a:t>
+            </a:r>
+            <a:r>
+              <a:rPr lang="zh-CN" altLang="en-US" sz="1600">
+                <a:latin typeface="宋体" panose="02010600030101010101" pitchFamily="2" charset="-122"/>
+                <a:ea typeface="宋体" panose="02010600030101010101" pitchFamily="2" charset="-122"/>
+                <a:cs typeface="宋体" panose="02010600030101010101" pitchFamily="2" charset="-122"/>
+              </a:rPr>
+              <a:t>，也不能使用任何 Java 关键字作为标识符，而且不能赋予标识符任何标准的方法名。</a:t>
+            </a:r>
+            <a:endParaRPr lang="zh-CN" altLang="en-US" sz="1600">
+              <a:latin typeface="宋体" panose="02010600030101010101" pitchFamily="2" charset="-122"/>
+              <a:ea typeface="宋体" panose="02010600030101010101" pitchFamily="2" charset="-122"/>
+              <a:cs typeface="宋体" panose="02010600030101010101" pitchFamily="2" charset="-122"/>
+            </a:endParaRPr>
+          </a:p>
+          <a:p>
+            <a:endParaRPr lang="zh-CN" altLang="en-US" sz="1600">
+              <a:latin typeface="宋体" panose="02010600030101010101" pitchFamily="2" charset="-122"/>
+              <a:ea typeface="宋体" panose="02010600030101010101" pitchFamily="2" charset="-122"/>
+              <a:cs typeface="宋体" panose="02010600030101010101" pitchFamily="2" charset="-122"/>
+            </a:endParaRPr>
+          </a:p>
+          <a:p>
+            <a:r>
+              <a:rPr lang="zh-CN" altLang="en-US" sz="1600">
+                <a:latin typeface="宋体" panose="02010600030101010101" pitchFamily="2" charset="-122"/>
+                <a:ea typeface="宋体" panose="02010600030101010101" pitchFamily="2" charset="-122"/>
+                <a:cs typeface="宋体" panose="02010600030101010101" pitchFamily="2" charset="-122"/>
+              </a:rPr>
+              <a:t>标识符分为两类，分别为</a:t>
+            </a:r>
+            <a:r>
+              <a:rPr lang="zh-CN" altLang="en-US" sz="1600">
+                <a:solidFill>
+                  <a:srgbClr val="FF0000"/>
+                </a:solidFill>
+                <a:latin typeface="宋体" panose="02010600030101010101" pitchFamily="2" charset="-122"/>
+                <a:ea typeface="宋体" panose="02010600030101010101" pitchFamily="2" charset="-122"/>
+                <a:cs typeface="宋体" panose="02010600030101010101" pitchFamily="2" charset="-122"/>
+              </a:rPr>
+              <a:t>关键字和用户自定义标识符</a:t>
+            </a:r>
+            <a:r>
+              <a:rPr lang="zh-CN" altLang="en-US" sz="1600">
+                <a:latin typeface="宋体" panose="02010600030101010101" pitchFamily="2" charset="-122"/>
+                <a:ea typeface="宋体" panose="02010600030101010101" pitchFamily="2" charset="-122"/>
+                <a:cs typeface="宋体" panose="02010600030101010101" pitchFamily="2" charset="-122"/>
+              </a:rPr>
+              <a:t>。</a:t>
+            </a:r>
+            <a:endParaRPr lang="zh-CN" altLang="en-US" sz="1600">
+              <a:latin typeface="宋体" panose="02010600030101010101" pitchFamily="2" charset="-122"/>
+              <a:ea typeface="宋体" panose="02010600030101010101" pitchFamily="2" charset="-122"/>
+              <a:cs typeface="宋体" panose="02010600030101010101" pitchFamily="2" charset="-122"/>
+            </a:endParaRPr>
+          </a:p>
+          <a:p>
+            <a:r>
+              <a:rPr lang="zh-CN" altLang="en-US" sz="1600">
+                <a:latin typeface="宋体" panose="02010600030101010101" pitchFamily="2" charset="-122"/>
+                <a:ea typeface="宋体" panose="02010600030101010101" pitchFamily="2" charset="-122"/>
+                <a:cs typeface="宋体" panose="02010600030101010101" pitchFamily="2" charset="-122"/>
+              </a:rPr>
+              <a:t>关键字是有特殊含义的标识符，如 true、false 表示逻辑的真假。</a:t>
+            </a:r>
+            <a:endParaRPr lang="zh-CN" altLang="en-US" sz="1600">
+              <a:latin typeface="宋体" panose="02010600030101010101" pitchFamily="2" charset="-122"/>
+              <a:ea typeface="宋体" panose="02010600030101010101" pitchFamily="2" charset="-122"/>
+              <a:cs typeface="宋体" panose="02010600030101010101" pitchFamily="2" charset="-122"/>
+            </a:endParaRPr>
+          </a:p>
+          <a:p>
+            <a:r>
+              <a:rPr lang="zh-CN" altLang="en-US" sz="1600">
+                <a:latin typeface="宋体" panose="02010600030101010101" pitchFamily="2" charset="-122"/>
+                <a:ea typeface="宋体" panose="02010600030101010101" pitchFamily="2" charset="-122"/>
+                <a:cs typeface="宋体" panose="02010600030101010101" pitchFamily="2" charset="-122"/>
+              </a:rPr>
+              <a:t>用户自定义标识符是由用户按标识符构成规则生成的非保留字的标识符，如 abc 就是一个标识符。</a:t>
+            </a:r>
+            <a:endParaRPr lang="zh-CN" altLang="en-US" sz="1600">
+              <a:latin typeface="宋体" panose="02010600030101010101" pitchFamily="2" charset="-122"/>
+              <a:ea typeface="宋体" panose="02010600030101010101" pitchFamily="2" charset="-122"/>
+              <a:cs typeface="宋体" panose="02010600030101010101" pitchFamily="2" charset="-122"/>
+            </a:endParaRPr>
+          </a:p>
+          <a:p>
+            <a:r>
+              <a:rPr lang="zh-CN" altLang="en-US" sz="1600">
+                <a:latin typeface="宋体" panose="02010600030101010101" pitchFamily="2" charset="-122"/>
+                <a:ea typeface="宋体" panose="02010600030101010101" pitchFamily="2" charset="-122"/>
+                <a:cs typeface="宋体" panose="02010600030101010101" pitchFamily="2" charset="-122"/>
+              </a:rPr>
+              <a:t>提示：使用标识符时一定要注意，或者使用关键字，或者使用自定义的非关键字标识符。此外，标识符可以包含关键字，但不能与关键字重名。</a:t>
+            </a:r>
+            <a:endParaRPr lang="zh-CN" altLang="en-US" sz="1600">
+              <a:latin typeface="宋体" panose="02010600030101010101" pitchFamily="2" charset="-122"/>
+              <a:ea typeface="宋体" panose="02010600030101010101" pitchFamily="2" charset="-122"/>
+              <a:cs typeface="宋体" panose="02010600030101010101" pitchFamily="2" charset="-122"/>
+            </a:endParaRPr>
+          </a:p>
+          <a:p>
+            <a:endParaRPr lang="zh-CN" altLang="en-US" sz="1600">
+              <a:latin typeface="宋体" panose="02010600030101010101" pitchFamily="2" charset="-122"/>
+              <a:ea typeface="宋体" panose="02010600030101010101" pitchFamily="2" charset="-122"/>
+              <a:cs typeface="宋体" panose="02010600030101010101" pitchFamily="2" charset="-122"/>
+            </a:endParaRPr>
+          </a:p>
+          <a:p>
+            <a:r>
+              <a:rPr lang="zh-CN" altLang="en-US" sz="1600">
+                <a:latin typeface="宋体" panose="02010600030101010101" pitchFamily="2" charset="-122"/>
+                <a:ea typeface="宋体" panose="02010600030101010101" pitchFamily="2" charset="-122"/>
+                <a:cs typeface="宋体" panose="02010600030101010101" pitchFamily="2" charset="-122"/>
+              </a:rPr>
+              <a:t>例如以下合法与不合法标识符。</a:t>
+            </a:r>
+            <a:endParaRPr lang="zh-CN" altLang="en-US" sz="1600">
+              <a:latin typeface="宋体" panose="02010600030101010101" pitchFamily="2" charset="-122"/>
+              <a:ea typeface="宋体" panose="02010600030101010101" pitchFamily="2" charset="-122"/>
+              <a:cs typeface="宋体" panose="02010600030101010101" pitchFamily="2" charset="-122"/>
+            </a:endParaRPr>
+          </a:p>
+          <a:p>
+            <a:r>
+              <a:rPr lang="zh-CN" altLang="en-US" sz="1600">
+                <a:latin typeface="宋体" panose="02010600030101010101" pitchFamily="2" charset="-122"/>
+                <a:ea typeface="宋体" panose="02010600030101010101" pitchFamily="2" charset="-122"/>
+                <a:cs typeface="宋体" panose="02010600030101010101" pitchFamily="2" charset="-122"/>
+              </a:rPr>
+              <a:t>合法标识符：</a:t>
+            </a:r>
+            <a:r>
+              <a:rPr lang="zh-CN" altLang="en-US" sz="1600">
+                <a:solidFill>
+                  <a:srgbClr val="FF0000"/>
+                </a:solidFill>
+                <a:latin typeface="宋体" panose="02010600030101010101" pitchFamily="2" charset="-122"/>
+                <a:ea typeface="宋体" panose="02010600030101010101" pitchFamily="2" charset="-122"/>
+                <a:cs typeface="宋体" panose="02010600030101010101" pitchFamily="2" charset="-122"/>
+              </a:rPr>
+              <a:t>date、$2011、_date、D_$date</a:t>
+            </a:r>
+            <a:r>
+              <a:rPr lang="zh-CN" altLang="en-US" sz="1600">
+                <a:latin typeface="宋体" panose="02010600030101010101" pitchFamily="2" charset="-122"/>
+                <a:ea typeface="宋体" panose="02010600030101010101" pitchFamily="2" charset="-122"/>
+                <a:cs typeface="宋体" panose="02010600030101010101" pitchFamily="2" charset="-122"/>
+              </a:rPr>
+              <a:t> 等。</a:t>
+            </a:r>
+            <a:endParaRPr lang="zh-CN" altLang="en-US" sz="1600">
+              <a:latin typeface="宋体" panose="02010600030101010101" pitchFamily="2" charset="-122"/>
+              <a:ea typeface="宋体" panose="02010600030101010101" pitchFamily="2" charset="-122"/>
+              <a:cs typeface="宋体" panose="02010600030101010101" pitchFamily="2" charset="-122"/>
+            </a:endParaRPr>
+          </a:p>
+          <a:p>
+            <a:r>
+              <a:rPr lang="zh-CN" altLang="en-US" sz="1600">
+                <a:latin typeface="宋体" panose="02010600030101010101" pitchFamily="2" charset="-122"/>
+                <a:ea typeface="宋体" panose="02010600030101010101" pitchFamily="2" charset="-122"/>
+                <a:cs typeface="宋体" panose="02010600030101010101" pitchFamily="2" charset="-122"/>
+              </a:rPr>
+              <a:t>不合法的标识符：</a:t>
+            </a:r>
+            <a:r>
+              <a:rPr lang="zh-CN" altLang="en-US" sz="1600">
+                <a:solidFill>
+                  <a:srgbClr val="FF0000"/>
+                </a:solidFill>
+                <a:latin typeface="宋体" panose="02010600030101010101" pitchFamily="2" charset="-122"/>
+                <a:ea typeface="宋体" panose="02010600030101010101" pitchFamily="2" charset="-122"/>
+                <a:cs typeface="宋体" panose="02010600030101010101" pitchFamily="2" charset="-122"/>
+              </a:rPr>
+              <a:t>123.com、2com、for、if</a:t>
+            </a:r>
+            <a:r>
+              <a:rPr lang="zh-CN" altLang="en-US" sz="1600">
+                <a:latin typeface="宋体" panose="02010600030101010101" pitchFamily="2" charset="-122"/>
+                <a:ea typeface="宋体" panose="02010600030101010101" pitchFamily="2" charset="-122"/>
+                <a:cs typeface="宋体" panose="02010600030101010101" pitchFamily="2" charset="-122"/>
+              </a:rPr>
+              <a:t> 等。</a:t>
+            </a:r>
+            <a:endParaRPr lang="zh-CN" altLang="en-US" sz="1600">
+              <a:latin typeface="宋体" panose="02010600030101010101" pitchFamily="2" charset="-122"/>
+              <a:ea typeface="宋体" panose="02010600030101010101" pitchFamily="2" charset="-122"/>
+              <a:cs typeface="宋体" panose="02010600030101010101" pitchFamily="2" charset="-122"/>
+            </a:endParaRPr>
+          </a:p>
+          <a:p>
+            <a:endParaRPr lang="zh-CN" altLang="en-US" sz="1600">
+              <a:latin typeface="宋体" panose="02010600030101010101" pitchFamily="2" charset="-122"/>
+              <a:ea typeface="宋体" panose="02010600030101010101" pitchFamily="2" charset="-122"/>
+              <a:cs typeface="宋体" panose="02010600030101010101" pitchFamily="2" charset="-122"/>
+            </a:endParaRPr>
+          </a:p>
+          <a:p>
+            <a:r>
+              <a:rPr lang="zh-CN" altLang="en-US" sz="1600">
+                <a:latin typeface="宋体" panose="02010600030101010101" pitchFamily="2" charset="-122"/>
+                <a:ea typeface="宋体" panose="02010600030101010101" pitchFamily="2" charset="-122"/>
+                <a:cs typeface="宋体" panose="02010600030101010101" pitchFamily="2" charset="-122"/>
+              </a:rPr>
+              <a:t>标识符用来命名常量、变量、类和类的对象等。因此，一个良好的编程习惯要求命名标识符时，应赋予它一个有意义或有用途的名字。</a:t>
+            </a:r>
             <a:endParaRPr lang="zh-CN" altLang="en-US" sz="1600">
               <a:latin typeface="宋体" panose="02010600030101010101" pitchFamily="2" charset="-122"/>
               <a:ea typeface="宋体" panose="02010600030101010101" pitchFamily="2" charset="-122"/>
@@ -7455,33 +7903,9 @@
           </a:p>
         </p:txBody>
       </p:sp>
-      <p:pic>
-        <p:nvPicPr>
-          <p:cNvPr id="6" name="图片 5"/>
-          <p:cNvPicPr>
-            <a:picLocks noChangeAspect="1"/>
-          </p:cNvPicPr>
-          <p:nvPr/>
-        </p:nvPicPr>
-        <p:blipFill>
-          <a:blip r:embed="rId2"/>
-          <a:stretch>
-            <a:fillRect/>
-          </a:stretch>
-        </p:blipFill>
-        <p:spPr>
-          <a:xfrm>
-            <a:off x="2371725" y="2543810"/>
-            <a:ext cx="9342120" cy="3825240"/>
-          </a:xfrm>
-          <a:prstGeom prst="rect">
-            <a:avLst/>
-          </a:prstGeom>
-        </p:spPr>
-      </p:pic>
     </p:spTree>
     <p:custDataLst>
-      <p:tags r:id="rId3"/>
+      <p:tags r:id="rId2"/>
     </p:custDataLst>
   </p:cSld>
   <p:clrMapOvr>
@@ -7519,8 +7943,8 @@
         </p:nvSpPr>
         <p:spPr>
           <a:xfrm>
-            <a:off x="613410" y="1217295"/>
-            <a:ext cx="10965180" cy="2061210"/>
+            <a:off x="584835" y="835025"/>
+            <a:ext cx="10965180" cy="1814830"/>
           </a:xfrm>
           <a:prstGeom prst="rect">
             <a:avLst/>
@@ -7538,7 +7962,7 @@
                 <a:ea typeface="宋体" panose="02010600030101010101" pitchFamily="2" charset="-122"/>
                 <a:cs typeface="宋体" panose="02010600030101010101" pitchFamily="2" charset="-122"/>
               </a:rPr>
-              <a:t>　　包名：多单词组成时所有字母都小写：xxxyyyzzz</a:t>
+              <a:t>1、关键字</a:t>
             </a:r>
             <a:endParaRPr lang="zh-CN" altLang="en-US" sz="1600">
               <a:latin typeface="宋体" panose="02010600030101010101" pitchFamily="2" charset="-122"/>
@@ -7553,7 +7977,7 @@
                 <a:ea typeface="宋体" panose="02010600030101010101" pitchFamily="2" charset="-122"/>
                 <a:cs typeface="宋体" panose="02010600030101010101" pitchFamily="2" charset="-122"/>
               </a:rPr>
-              <a:t>　　类名、接口名：多单词组成时，所有单词的首字母大写：XxxYyyZzz</a:t>
+              <a:t>Java的关键字对java的编译器有特殊的意义，他们用来表示一种数据类型，或者表示程序的结构等，关键字不能用作变量名、方法名、类名、包名。</a:t>
             </a:r>
             <a:endParaRPr lang="zh-CN" altLang="en-US" sz="1600">
               <a:latin typeface="宋体" panose="02010600030101010101" pitchFamily="2" charset="-122"/>
@@ -7568,7 +7992,7 @@
                 <a:ea typeface="宋体" panose="02010600030101010101" pitchFamily="2" charset="-122"/>
                 <a:cs typeface="宋体" panose="02010600030101010101" pitchFamily="2" charset="-122"/>
               </a:rPr>
-              <a:t>　　变量名、方法名：多单词组成时，第一个单词首字母小写，第二个单词开始每个</a:t>
+              <a:t>2、保留字</a:t>
             </a:r>
             <a:endParaRPr lang="zh-CN" altLang="en-US" sz="1600">
               <a:latin typeface="宋体" panose="02010600030101010101" pitchFamily="2" charset="-122"/>
@@ -7583,7 +8007,7 @@
                 <a:ea typeface="宋体" panose="02010600030101010101" pitchFamily="2" charset="-122"/>
                 <a:cs typeface="宋体" panose="02010600030101010101" pitchFamily="2" charset="-122"/>
               </a:rPr>
-              <a:t>　　单词首字母大写：xxxYyyZzz</a:t>
+              <a:t>保留字是为java预留的关键字，他们虽然现在没有作为关键字，但在以后的升级版本中有可能作为关键字。const和goto是java的保留字。</a:t>
             </a:r>
             <a:endParaRPr lang="zh-CN" altLang="en-US" sz="1600">
               <a:latin typeface="宋体" panose="02010600030101010101" pitchFamily="2" charset="-122"/>
@@ -7592,59 +8016,6 @@
             </a:endParaRPr>
           </a:p>
           <a:p>
-            <a:r>
-              <a:rPr lang="zh-CN" altLang="en-US" sz="1600">
-                <a:latin typeface="宋体" panose="02010600030101010101" pitchFamily="2" charset="-122"/>
-                <a:ea typeface="宋体" panose="02010600030101010101" pitchFamily="2" charset="-122"/>
-                <a:cs typeface="宋体" panose="02010600030101010101" pitchFamily="2" charset="-122"/>
-              </a:rPr>
-              <a:t>　　常量名：所有字母都大写。多单词时每个单词用下划线连接：XXX_YYY_ZZZ</a:t>
-            </a:r>
-            <a:endParaRPr lang="zh-CN" altLang="en-US" sz="1600">
-              <a:latin typeface="宋体" panose="02010600030101010101" pitchFamily="2" charset="-122"/>
-              <a:ea typeface="宋体" panose="02010600030101010101" pitchFamily="2" charset="-122"/>
-              <a:cs typeface="宋体" panose="02010600030101010101" pitchFamily="2" charset="-122"/>
-            </a:endParaRPr>
-          </a:p>
-          <a:p>
-            <a:r>
-              <a:rPr lang="zh-CN" altLang="en-US" sz="1600">
-                <a:latin typeface="宋体" panose="02010600030101010101" pitchFamily="2" charset="-122"/>
-                <a:ea typeface="宋体" panose="02010600030101010101" pitchFamily="2" charset="-122"/>
-                <a:cs typeface="宋体" panose="02010600030101010101" pitchFamily="2" charset="-122"/>
-              </a:rPr>
-              <a:t>注意</a:t>
-            </a:r>
-            <a:endParaRPr lang="zh-CN" altLang="en-US" sz="1600">
-              <a:latin typeface="宋体" panose="02010600030101010101" pitchFamily="2" charset="-122"/>
-              <a:ea typeface="宋体" panose="02010600030101010101" pitchFamily="2" charset="-122"/>
-              <a:cs typeface="宋体" panose="02010600030101010101" pitchFamily="2" charset="-122"/>
-            </a:endParaRPr>
-          </a:p>
-          <a:p>
-            <a:r>
-              <a:rPr lang="zh-CN" altLang="en-US" sz="1600">
-                <a:latin typeface="宋体" panose="02010600030101010101" pitchFamily="2" charset="-122"/>
-                <a:ea typeface="宋体" panose="02010600030101010101" pitchFamily="2" charset="-122"/>
-                <a:cs typeface="宋体" panose="02010600030101010101" pitchFamily="2" charset="-122"/>
-              </a:rPr>
-              <a:t>　　注意1：在起名字时，为了提高阅读性，要尽量有意义，“见名知意”。</a:t>
-            </a:r>
-            <a:endParaRPr lang="zh-CN" altLang="en-US" sz="1600">
-              <a:latin typeface="宋体" panose="02010600030101010101" pitchFamily="2" charset="-122"/>
-              <a:ea typeface="宋体" panose="02010600030101010101" pitchFamily="2" charset="-122"/>
-              <a:cs typeface="宋体" panose="02010600030101010101" pitchFamily="2" charset="-122"/>
-            </a:endParaRPr>
-          </a:p>
-          <a:p>
-            <a:r>
-              <a:rPr lang="zh-CN" altLang="en-US" sz="1600">
-                <a:latin typeface="宋体" panose="02010600030101010101" pitchFamily="2" charset="-122"/>
-                <a:ea typeface="宋体" panose="02010600030101010101" pitchFamily="2" charset="-122"/>
-                <a:cs typeface="宋体" panose="02010600030101010101" pitchFamily="2" charset="-122"/>
-              </a:rPr>
-              <a:t>　　注意2：java采用unicode字符集，因此标识符也可以使用汉字声明，但是不建议使用。</a:t>
-            </a:r>
             <a:endParaRPr lang="zh-CN" altLang="en-US" sz="1600">
               <a:latin typeface="宋体" panose="02010600030101010101" pitchFamily="2" charset="-122"/>
               <a:ea typeface="宋体" panose="02010600030101010101" pitchFamily="2" charset="-122"/>
@@ -7653,43 +8024,33 @@
           </a:p>
         </p:txBody>
       </p:sp>
-      <p:sp>
-        <p:nvSpPr>
-          <p:cNvPr id="3" name="文本框 2"/>
-          <p:cNvSpPr txBox="1"/>
+      <p:pic>
+        <p:nvPicPr>
+          <p:cNvPr id="6" name="图片 5"/>
+          <p:cNvPicPr>
+            <a:picLocks noChangeAspect="1"/>
+          </p:cNvPicPr>
           <p:nvPr/>
-        </p:nvSpPr>
-        <p:spPr>
-          <a:xfrm>
-            <a:off x="3905885" y="546100"/>
-            <a:ext cx="5186045" cy="583565"/>
+        </p:nvPicPr>
+        <p:blipFill>
+          <a:blip r:embed="rId2"/>
+          <a:stretch>
+            <a:fillRect/>
+          </a:stretch>
+        </p:blipFill>
+        <p:spPr>
+          <a:xfrm>
+            <a:off x="2371725" y="2543810"/>
+            <a:ext cx="9342120" cy="3825240"/>
           </a:xfrm>
           <a:prstGeom prst="rect">
             <a:avLst/>
           </a:prstGeom>
-          <a:noFill/>
-        </p:spPr>
-        <p:txBody>
-          <a:bodyPr wrap="square" rtlCol="0">
-            <a:spAutoFit/>
-          </a:bodyPr>
-          <a:p>
-            <a:r>
-              <a:rPr lang="zh-CN" altLang="en-US" sz="3200">
-                <a:latin typeface="宋体" panose="02010600030101010101" pitchFamily="2" charset="-122"/>
-                <a:ea typeface="宋体" panose="02010600030101010101" pitchFamily="2" charset="-122"/>
-                <a:cs typeface="宋体" panose="02010600030101010101" pitchFamily="2" charset="-122"/>
-                <a:sym typeface="+mn-ea"/>
-              </a:rPr>
-              <a:t>Java中的名称命名规范</a:t>
-            </a:r>
-            <a:endParaRPr lang="zh-CN" altLang="en-US" sz="3200"/>
-          </a:p>
-        </p:txBody>
-      </p:sp>
+        </p:spPr>
+      </p:pic>
     </p:spTree>
     <p:custDataLst>
-      <p:tags r:id="rId2"/>
+      <p:tags r:id="rId3"/>
     </p:custDataLst>
   </p:cSld>
   <p:clrMapOvr>
@@ -7721,14 +8082,156 @@
       <p:grpSpPr/>
       <p:sp>
         <p:nvSpPr>
+          <p:cNvPr id="2" name="文本框 1"/>
+          <p:cNvSpPr txBox="1"/>
+          <p:nvPr/>
+        </p:nvSpPr>
+        <p:spPr>
+          <a:xfrm>
+            <a:off x="613410" y="1217295"/>
+            <a:ext cx="10965180" cy="2061210"/>
+          </a:xfrm>
+          <a:prstGeom prst="rect">
+            <a:avLst/>
+          </a:prstGeom>
+          <a:noFill/>
+        </p:spPr>
+        <p:txBody>
+          <a:bodyPr wrap="square" rtlCol="0">
+            <a:spAutoFit/>
+          </a:bodyPr>
+          <a:p>
+            <a:r>
+              <a:rPr lang="zh-CN" altLang="en-US" sz="1600">
+                <a:latin typeface="宋体" panose="02010600030101010101" pitchFamily="2" charset="-122"/>
+                <a:ea typeface="宋体" panose="02010600030101010101" pitchFamily="2" charset="-122"/>
+                <a:cs typeface="宋体" panose="02010600030101010101" pitchFamily="2" charset="-122"/>
+              </a:rPr>
+              <a:t>　　包名：多单词组成时所有字母都小写：xxxyyyzzz</a:t>
+            </a:r>
+            <a:endParaRPr lang="zh-CN" altLang="en-US" sz="1600">
+              <a:latin typeface="宋体" panose="02010600030101010101" pitchFamily="2" charset="-122"/>
+              <a:ea typeface="宋体" panose="02010600030101010101" pitchFamily="2" charset="-122"/>
+              <a:cs typeface="宋体" panose="02010600030101010101" pitchFamily="2" charset="-122"/>
+            </a:endParaRPr>
+          </a:p>
+          <a:p>
+            <a:r>
+              <a:rPr lang="zh-CN" altLang="en-US" sz="1600">
+                <a:latin typeface="宋体" panose="02010600030101010101" pitchFamily="2" charset="-122"/>
+                <a:ea typeface="宋体" panose="02010600030101010101" pitchFamily="2" charset="-122"/>
+                <a:cs typeface="宋体" panose="02010600030101010101" pitchFamily="2" charset="-122"/>
+              </a:rPr>
+              <a:t>　　类名、接口名：多单词组成时，所有单词的首字母大写：XxxYyyZzz</a:t>
+            </a:r>
+            <a:endParaRPr lang="zh-CN" altLang="en-US" sz="1600">
+              <a:latin typeface="宋体" panose="02010600030101010101" pitchFamily="2" charset="-122"/>
+              <a:ea typeface="宋体" panose="02010600030101010101" pitchFamily="2" charset="-122"/>
+              <a:cs typeface="宋体" panose="02010600030101010101" pitchFamily="2" charset="-122"/>
+            </a:endParaRPr>
+          </a:p>
+          <a:p>
+            <a:r>
+              <a:rPr lang="zh-CN" altLang="en-US" sz="1600">
+                <a:latin typeface="宋体" panose="02010600030101010101" pitchFamily="2" charset="-122"/>
+                <a:ea typeface="宋体" panose="02010600030101010101" pitchFamily="2" charset="-122"/>
+                <a:cs typeface="宋体" panose="02010600030101010101" pitchFamily="2" charset="-122"/>
+              </a:rPr>
+              <a:t>　　变量名、方法名：多单词组成时，第一个单词首字母小写，第二个单词开始每个</a:t>
+            </a:r>
+            <a:endParaRPr lang="zh-CN" altLang="en-US" sz="1600">
+              <a:latin typeface="宋体" panose="02010600030101010101" pitchFamily="2" charset="-122"/>
+              <a:ea typeface="宋体" panose="02010600030101010101" pitchFamily="2" charset="-122"/>
+              <a:cs typeface="宋体" panose="02010600030101010101" pitchFamily="2" charset="-122"/>
+            </a:endParaRPr>
+          </a:p>
+          <a:p>
+            <a:r>
+              <a:rPr lang="zh-CN" altLang="en-US" sz="1600">
+                <a:latin typeface="宋体" panose="02010600030101010101" pitchFamily="2" charset="-122"/>
+                <a:ea typeface="宋体" panose="02010600030101010101" pitchFamily="2" charset="-122"/>
+                <a:cs typeface="宋体" panose="02010600030101010101" pitchFamily="2" charset="-122"/>
+              </a:rPr>
+              <a:t>　　单词首字母大写：xxxYyyZzz</a:t>
+            </a:r>
+            <a:endParaRPr lang="zh-CN" altLang="en-US" sz="1600">
+              <a:latin typeface="宋体" panose="02010600030101010101" pitchFamily="2" charset="-122"/>
+              <a:ea typeface="宋体" panose="02010600030101010101" pitchFamily="2" charset="-122"/>
+              <a:cs typeface="宋体" panose="02010600030101010101" pitchFamily="2" charset="-122"/>
+            </a:endParaRPr>
+          </a:p>
+          <a:p>
+            <a:r>
+              <a:rPr lang="zh-CN" altLang="en-US" sz="1600">
+                <a:latin typeface="宋体" panose="02010600030101010101" pitchFamily="2" charset="-122"/>
+                <a:ea typeface="宋体" panose="02010600030101010101" pitchFamily="2" charset="-122"/>
+                <a:cs typeface="宋体" panose="02010600030101010101" pitchFamily="2" charset="-122"/>
+              </a:rPr>
+              <a:t>　　常量名：所有字母都大写。多单词时每个单词用下划线连接：XXX_YYY_ZZZ</a:t>
+            </a:r>
+            <a:endParaRPr lang="zh-CN" altLang="en-US" sz="1600">
+              <a:latin typeface="宋体" panose="02010600030101010101" pitchFamily="2" charset="-122"/>
+              <a:ea typeface="宋体" panose="02010600030101010101" pitchFamily="2" charset="-122"/>
+              <a:cs typeface="宋体" panose="02010600030101010101" pitchFamily="2" charset="-122"/>
+            </a:endParaRPr>
+          </a:p>
+          <a:p>
+            <a:r>
+              <a:rPr lang="zh-CN" altLang="en-US" sz="1600">
+                <a:latin typeface="宋体" panose="02010600030101010101" pitchFamily="2" charset="-122"/>
+                <a:ea typeface="宋体" panose="02010600030101010101" pitchFamily="2" charset="-122"/>
+                <a:cs typeface="宋体" panose="02010600030101010101" pitchFamily="2" charset="-122"/>
+              </a:rPr>
+              <a:t>注意</a:t>
+            </a:r>
+            <a:endParaRPr lang="zh-CN" altLang="en-US" sz="1600">
+              <a:latin typeface="宋体" panose="02010600030101010101" pitchFamily="2" charset="-122"/>
+              <a:ea typeface="宋体" panose="02010600030101010101" pitchFamily="2" charset="-122"/>
+              <a:cs typeface="宋体" panose="02010600030101010101" pitchFamily="2" charset="-122"/>
+            </a:endParaRPr>
+          </a:p>
+          <a:p>
+            <a:r>
+              <a:rPr lang="zh-CN" altLang="en-US" sz="1600">
+                <a:latin typeface="宋体" panose="02010600030101010101" pitchFamily="2" charset="-122"/>
+                <a:ea typeface="宋体" panose="02010600030101010101" pitchFamily="2" charset="-122"/>
+                <a:cs typeface="宋体" panose="02010600030101010101" pitchFamily="2" charset="-122"/>
+              </a:rPr>
+              <a:t>　　注意1：在起名字时，为了提高阅读性，要尽量有意义，“见名知意”。</a:t>
+            </a:r>
+            <a:endParaRPr lang="zh-CN" altLang="en-US" sz="1600">
+              <a:latin typeface="宋体" panose="02010600030101010101" pitchFamily="2" charset="-122"/>
+              <a:ea typeface="宋体" panose="02010600030101010101" pitchFamily="2" charset="-122"/>
+              <a:cs typeface="宋体" panose="02010600030101010101" pitchFamily="2" charset="-122"/>
+            </a:endParaRPr>
+          </a:p>
+          <a:p>
+            <a:r>
+              <a:rPr lang="zh-CN" altLang="en-US" sz="1600">
+                <a:latin typeface="宋体" panose="02010600030101010101" pitchFamily="2" charset="-122"/>
+                <a:ea typeface="宋体" panose="02010600030101010101" pitchFamily="2" charset="-122"/>
+                <a:cs typeface="宋体" panose="02010600030101010101" pitchFamily="2" charset="-122"/>
+              </a:rPr>
+              <a:t>　　注意2：java采用unicode字符集，因此标识符也可以使用汉字声明，但是不建议使用。</a:t>
+            </a:r>
+            <a:endParaRPr lang="zh-CN" altLang="en-US" sz="1600">
+              <a:latin typeface="宋体" panose="02010600030101010101" pitchFamily="2" charset="-122"/>
+              <a:ea typeface="宋体" panose="02010600030101010101" pitchFamily="2" charset="-122"/>
+              <a:cs typeface="宋体" panose="02010600030101010101" pitchFamily="2" charset="-122"/>
+            </a:endParaRPr>
+          </a:p>
+        </p:txBody>
+      </p:sp>
+      <p:sp>
+        <p:nvSpPr>
           <p:cNvPr id="3" name="文本框 2"/>
           <p:cNvSpPr txBox="1"/>
           <p:nvPr/>
         </p:nvSpPr>
         <p:spPr>
           <a:xfrm>
-            <a:off x="4543425" y="773430"/>
-            <a:ext cx="4967605" cy="583565"/>
+            <a:off x="3905885" y="546100"/>
+            <a:ext cx="5186045" cy="583565"/>
           </a:xfrm>
           <a:prstGeom prst="rect">
             <a:avLst/>
@@ -7741,524 +8244,21 @@
           </a:bodyPr>
           <a:p>
             <a:r>
-              <a:rPr lang="en-US" altLang="zh-CN" sz="3200"/>
-              <a:t>Java </a:t>
-            </a:r>
-            <a:r>
-              <a:rPr lang="zh-CN" altLang="en-US" sz="3200"/>
-              <a:t>变量</a:t>
+              <a:rPr lang="zh-CN" altLang="en-US" sz="3200">
+                <a:latin typeface="宋体" panose="02010600030101010101" pitchFamily="2" charset="-122"/>
+                <a:ea typeface="宋体" panose="02010600030101010101" pitchFamily="2" charset="-122"/>
+                <a:cs typeface="宋体" panose="02010600030101010101" pitchFamily="2" charset="-122"/>
+                <a:sym typeface="+mn-ea"/>
+              </a:rPr>
+              <a:t>Java中的名称命名规范</a:t>
             </a:r>
             <a:endParaRPr lang="zh-CN" altLang="en-US" sz="3200"/>
           </a:p>
         </p:txBody>
       </p:sp>
-      <p:sp>
-        <p:nvSpPr>
-          <p:cNvPr id="2" name="文本框 1"/>
-          <p:cNvSpPr txBox="1"/>
-          <p:nvPr/>
-        </p:nvSpPr>
-        <p:spPr>
-          <a:xfrm>
-            <a:off x="303530" y="1647825"/>
-            <a:ext cx="11576050" cy="4338320"/>
-          </a:xfrm>
-          <a:prstGeom prst="rect">
-            <a:avLst/>
-          </a:prstGeom>
-          <a:noFill/>
-        </p:spPr>
-        <p:txBody>
-          <a:bodyPr wrap="square" rtlCol="0">
-            <a:spAutoFit/>
-          </a:bodyPr>
-          <a:p>
-            <a:pPr indent="0">
-              <a:buFont typeface="Wingdings" panose="05000000000000000000" pitchFamily="2" charset="2"/>
-              <a:buNone/>
-            </a:pPr>
-            <a:r>
-              <a:rPr lang="zh-CN" altLang="en-US" sz="1600" dirty="0" smtClean="0">
-                <a:solidFill>
-                  <a:schemeClr val="tx1"/>
-                </a:solidFill>
-                <a:latin typeface="宋体" panose="02010600030101010101" pitchFamily="2" charset="-122"/>
-                <a:ea typeface="宋体" panose="02010600030101010101" pitchFamily="2" charset="-122"/>
-                <a:cs typeface="宋体" panose="02010600030101010101" pitchFamily="2" charset="-122"/>
-                <a:sym typeface="+mn-ea"/>
-              </a:rPr>
-              <a:t>变量的概念：</a:t>
-            </a:r>
-            <a:endParaRPr lang="en-US" altLang="zh-CN" sz="1600" dirty="0" smtClean="0">
-              <a:solidFill>
-                <a:schemeClr val="tx1"/>
-              </a:solidFill>
-              <a:latin typeface="宋体" panose="02010600030101010101" pitchFamily="2" charset="-122"/>
-              <a:ea typeface="宋体" panose="02010600030101010101" pitchFamily="2" charset="-122"/>
-              <a:cs typeface="宋体" panose="02010600030101010101" pitchFamily="2" charset="-122"/>
-            </a:endParaRPr>
-          </a:p>
-          <a:p>
-            <a:pPr lvl="1" indent="0">
-              <a:buFont typeface="Wingdings" panose="05000000000000000000" pitchFamily="2" charset="2"/>
-              <a:buNone/>
-            </a:pPr>
-            <a:r>
-              <a:rPr lang="zh-CN" altLang="en-US" sz="1600" dirty="0" smtClean="0">
-                <a:solidFill>
-                  <a:schemeClr val="tx1"/>
-                </a:solidFill>
-                <a:latin typeface="宋体" panose="02010600030101010101" pitchFamily="2" charset="-122"/>
-                <a:ea typeface="宋体" panose="02010600030101010101" pitchFamily="2" charset="-122"/>
-                <a:cs typeface="宋体" panose="02010600030101010101" pitchFamily="2" charset="-122"/>
-                <a:sym typeface="+mn-ea"/>
-              </a:rPr>
-              <a:t>内存中的一个存储区域</a:t>
-            </a:r>
-            <a:endParaRPr lang="en-US" altLang="zh-CN" sz="1600" dirty="0" smtClean="0">
-              <a:solidFill>
-                <a:schemeClr val="tx1"/>
-              </a:solidFill>
-              <a:latin typeface="宋体" panose="02010600030101010101" pitchFamily="2" charset="-122"/>
-              <a:ea typeface="宋体" panose="02010600030101010101" pitchFamily="2" charset="-122"/>
-              <a:cs typeface="宋体" panose="02010600030101010101" pitchFamily="2" charset="-122"/>
-            </a:endParaRPr>
-          </a:p>
-          <a:p>
-            <a:pPr lvl="1" indent="0">
-              <a:buFont typeface="Wingdings" panose="05000000000000000000" pitchFamily="2" charset="2"/>
-              <a:buNone/>
-            </a:pPr>
-            <a:r>
-              <a:rPr lang="zh-CN" altLang="en-US" sz="1600" dirty="0" smtClean="0">
-                <a:solidFill>
-                  <a:schemeClr val="tx1"/>
-                </a:solidFill>
-                <a:latin typeface="宋体" panose="02010600030101010101" pitchFamily="2" charset="-122"/>
-                <a:ea typeface="宋体" panose="02010600030101010101" pitchFamily="2" charset="-122"/>
-                <a:cs typeface="宋体" panose="02010600030101010101" pitchFamily="2" charset="-122"/>
-                <a:sym typeface="+mn-ea"/>
-              </a:rPr>
-              <a:t>该区域有自己的名称（变量名）和类型（数据类型）</a:t>
-            </a:r>
-            <a:endParaRPr lang="en-US" altLang="zh-CN" sz="1600" dirty="0" smtClean="0">
-              <a:solidFill>
-                <a:schemeClr val="tx1"/>
-              </a:solidFill>
-              <a:latin typeface="宋体" panose="02010600030101010101" pitchFamily="2" charset="-122"/>
-              <a:ea typeface="宋体" panose="02010600030101010101" pitchFamily="2" charset="-122"/>
-              <a:cs typeface="宋体" panose="02010600030101010101" pitchFamily="2" charset="-122"/>
-            </a:endParaRPr>
-          </a:p>
-          <a:p>
-            <a:pPr lvl="1" indent="0">
-              <a:buFont typeface="Wingdings" panose="05000000000000000000" pitchFamily="2" charset="2"/>
-              <a:buNone/>
-            </a:pPr>
-            <a:r>
-              <a:rPr lang="en-US" altLang="zh-CN" sz="1600" dirty="0" smtClean="0">
-                <a:solidFill>
-                  <a:schemeClr val="tx1"/>
-                </a:solidFill>
-                <a:latin typeface="宋体" panose="02010600030101010101" pitchFamily="2" charset="-122"/>
-                <a:ea typeface="宋体" panose="02010600030101010101" pitchFamily="2" charset="-122"/>
-                <a:cs typeface="宋体" panose="02010600030101010101" pitchFamily="2" charset="-122"/>
-                <a:sym typeface="+mn-ea"/>
-              </a:rPr>
-              <a:t>Java</a:t>
-            </a:r>
-            <a:r>
-              <a:rPr lang="zh-CN" altLang="en-US" sz="1600" dirty="0" smtClean="0">
-                <a:solidFill>
-                  <a:schemeClr val="tx1"/>
-                </a:solidFill>
-                <a:latin typeface="宋体" panose="02010600030101010101" pitchFamily="2" charset="-122"/>
-                <a:ea typeface="宋体" panose="02010600030101010101" pitchFamily="2" charset="-122"/>
-                <a:cs typeface="宋体" panose="02010600030101010101" pitchFamily="2" charset="-122"/>
-                <a:sym typeface="+mn-ea"/>
-              </a:rPr>
-              <a:t>中每个变量必须先声明，后使用</a:t>
-            </a:r>
-            <a:endParaRPr lang="en-US" altLang="zh-CN" sz="1600" dirty="0" smtClean="0">
-              <a:solidFill>
-                <a:schemeClr val="tx1"/>
-              </a:solidFill>
-              <a:latin typeface="宋体" panose="02010600030101010101" pitchFamily="2" charset="-122"/>
-              <a:ea typeface="宋体" panose="02010600030101010101" pitchFamily="2" charset="-122"/>
-              <a:cs typeface="宋体" panose="02010600030101010101" pitchFamily="2" charset="-122"/>
-            </a:endParaRPr>
-          </a:p>
-          <a:p>
-            <a:pPr lvl="1" indent="0">
-              <a:buFont typeface="Wingdings" panose="05000000000000000000" pitchFamily="2" charset="2"/>
-              <a:buNone/>
-            </a:pPr>
-            <a:r>
-              <a:rPr lang="zh-CN" altLang="en-US" sz="1600" dirty="0" smtClean="0">
-                <a:solidFill>
-                  <a:schemeClr val="tx1"/>
-                </a:solidFill>
-                <a:latin typeface="宋体" panose="02010600030101010101" pitchFamily="2" charset="-122"/>
-                <a:ea typeface="宋体" panose="02010600030101010101" pitchFamily="2" charset="-122"/>
-                <a:cs typeface="宋体" panose="02010600030101010101" pitchFamily="2" charset="-122"/>
-                <a:sym typeface="+mn-ea"/>
-              </a:rPr>
-              <a:t>该区域的数据可以在同一类型范围内不断变化</a:t>
-            </a:r>
-            <a:endParaRPr lang="zh-CN" altLang="en-US" sz="1600" dirty="0" smtClean="0">
-              <a:solidFill>
-                <a:schemeClr val="tx1"/>
-              </a:solidFill>
-              <a:latin typeface="宋体" panose="02010600030101010101" pitchFamily="2" charset="-122"/>
-              <a:ea typeface="宋体" panose="02010600030101010101" pitchFamily="2" charset="-122"/>
-              <a:cs typeface="宋体" panose="02010600030101010101" pitchFamily="2" charset="-122"/>
-            </a:endParaRPr>
-          </a:p>
-          <a:p>
-            <a:pPr indent="0">
-              <a:buFont typeface="Wingdings" panose="05000000000000000000" pitchFamily="2" charset="2"/>
-              <a:buNone/>
-            </a:pPr>
-            <a:r>
-              <a:rPr lang="zh-CN" altLang="en-US" sz="1600" dirty="0" smtClean="0">
-                <a:solidFill>
-                  <a:schemeClr val="tx1"/>
-                </a:solidFill>
-                <a:latin typeface="宋体" panose="02010600030101010101" pitchFamily="2" charset="-122"/>
-                <a:ea typeface="宋体" panose="02010600030101010101" pitchFamily="2" charset="-122"/>
-                <a:cs typeface="宋体" panose="02010600030101010101" pitchFamily="2" charset="-122"/>
-                <a:sym typeface="+mn-ea"/>
-              </a:rPr>
-              <a:t>使用变量注意：</a:t>
-            </a:r>
-            <a:endParaRPr lang="en-US" altLang="zh-CN" sz="1600" dirty="0" smtClean="0">
-              <a:solidFill>
-                <a:schemeClr val="tx1"/>
-              </a:solidFill>
-              <a:latin typeface="宋体" panose="02010600030101010101" pitchFamily="2" charset="-122"/>
-              <a:ea typeface="宋体" panose="02010600030101010101" pitchFamily="2" charset="-122"/>
-              <a:cs typeface="宋体" panose="02010600030101010101" pitchFamily="2" charset="-122"/>
-            </a:endParaRPr>
-          </a:p>
-          <a:p>
-            <a:pPr lvl="1" indent="0">
-              <a:buFont typeface="Wingdings" panose="05000000000000000000" pitchFamily="2" charset="2"/>
-              <a:buNone/>
-            </a:pPr>
-            <a:r>
-              <a:rPr lang="zh-CN" altLang="en-US" sz="1600" dirty="0" smtClean="0">
-                <a:solidFill>
-                  <a:schemeClr val="tx1"/>
-                </a:solidFill>
-                <a:latin typeface="宋体" panose="02010600030101010101" pitchFamily="2" charset="-122"/>
-                <a:ea typeface="宋体" panose="02010600030101010101" pitchFamily="2" charset="-122"/>
-                <a:cs typeface="宋体" panose="02010600030101010101" pitchFamily="2" charset="-122"/>
-                <a:sym typeface="+mn-ea"/>
-              </a:rPr>
-              <a:t>变量的作用域：一对</a:t>
-            </a:r>
-            <a:r>
-              <a:rPr lang="en-US" altLang="zh-CN" sz="1600" dirty="0" smtClean="0">
-                <a:solidFill>
-                  <a:schemeClr val="tx1"/>
-                </a:solidFill>
-                <a:latin typeface="宋体" panose="02010600030101010101" pitchFamily="2" charset="-122"/>
-                <a:ea typeface="宋体" panose="02010600030101010101" pitchFamily="2" charset="-122"/>
-                <a:cs typeface="宋体" panose="02010600030101010101" pitchFamily="2" charset="-122"/>
-                <a:sym typeface="+mn-ea"/>
-              </a:rPr>
-              <a:t>{ }</a:t>
-            </a:r>
-            <a:r>
-              <a:rPr lang="zh-CN" altLang="en-US" sz="1600" dirty="0" smtClean="0">
-                <a:solidFill>
-                  <a:schemeClr val="tx1"/>
-                </a:solidFill>
-                <a:latin typeface="宋体" panose="02010600030101010101" pitchFamily="2" charset="-122"/>
-                <a:ea typeface="宋体" panose="02010600030101010101" pitchFamily="2" charset="-122"/>
-                <a:cs typeface="宋体" panose="02010600030101010101" pitchFamily="2" charset="-122"/>
-                <a:sym typeface="+mn-ea"/>
-              </a:rPr>
-              <a:t>之间有效	</a:t>
-            </a:r>
-            <a:endParaRPr lang="en-US" altLang="zh-CN" sz="1600" dirty="0" smtClean="0">
-              <a:solidFill>
-                <a:schemeClr val="tx1"/>
-              </a:solidFill>
-              <a:latin typeface="宋体" panose="02010600030101010101" pitchFamily="2" charset="-122"/>
-              <a:ea typeface="宋体" panose="02010600030101010101" pitchFamily="2" charset="-122"/>
-              <a:cs typeface="宋体" panose="02010600030101010101" pitchFamily="2" charset="-122"/>
-            </a:endParaRPr>
-          </a:p>
-          <a:p>
-            <a:pPr lvl="1" indent="0">
-              <a:buFont typeface="Wingdings" panose="05000000000000000000" pitchFamily="2" charset="2"/>
-              <a:buNone/>
-            </a:pPr>
-            <a:r>
-              <a:rPr lang="zh-CN" altLang="en-US" sz="1600" dirty="0" smtClean="0">
-                <a:solidFill>
-                  <a:schemeClr val="tx1"/>
-                </a:solidFill>
-                <a:latin typeface="宋体" panose="02010600030101010101" pitchFamily="2" charset="-122"/>
-                <a:ea typeface="宋体" panose="02010600030101010101" pitchFamily="2" charset="-122"/>
-                <a:cs typeface="宋体" panose="02010600030101010101" pitchFamily="2" charset="-122"/>
-                <a:sym typeface="+mn-ea"/>
-              </a:rPr>
-              <a:t>初始化值</a:t>
-            </a:r>
-            <a:endParaRPr lang="en-US" altLang="zh-CN" sz="1600" dirty="0" smtClean="0">
-              <a:solidFill>
-                <a:schemeClr val="tx1"/>
-              </a:solidFill>
-              <a:latin typeface="宋体" panose="02010600030101010101" pitchFamily="2" charset="-122"/>
-              <a:ea typeface="宋体" panose="02010600030101010101" pitchFamily="2" charset="-122"/>
-              <a:cs typeface="宋体" panose="02010600030101010101" pitchFamily="2" charset="-122"/>
-            </a:endParaRPr>
-          </a:p>
-          <a:p>
-            <a:pPr indent="0">
-              <a:buFont typeface="Wingdings" panose="05000000000000000000" pitchFamily="2" charset="2"/>
-              <a:buNone/>
-            </a:pPr>
-            <a:r>
-              <a:rPr lang="zh-CN" altLang="en-US" sz="1600" dirty="0" smtClean="0">
-                <a:solidFill>
-                  <a:schemeClr val="tx1"/>
-                </a:solidFill>
-                <a:latin typeface="宋体" panose="02010600030101010101" pitchFamily="2" charset="-122"/>
-                <a:ea typeface="宋体" panose="02010600030101010101" pitchFamily="2" charset="-122"/>
-                <a:cs typeface="宋体" panose="02010600030101010101" pitchFamily="2" charset="-122"/>
-                <a:sym typeface="+mn-ea"/>
-              </a:rPr>
-              <a:t>定义变量的格式：数据类型    变量名  </a:t>
-            </a:r>
-            <a:r>
-              <a:rPr lang="en-US" altLang="zh-CN" sz="1600" dirty="0" smtClean="0">
-                <a:solidFill>
-                  <a:schemeClr val="tx1"/>
-                </a:solidFill>
-                <a:latin typeface="宋体" panose="02010600030101010101" pitchFamily="2" charset="-122"/>
-                <a:ea typeface="宋体" panose="02010600030101010101" pitchFamily="2" charset="-122"/>
-                <a:cs typeface="宋体" panose="02010600030101010101" pitchFamily="2" charset="-122"/>
-                <a:sym typeface="+mn-ea"/>
-              </a:rPr>
-              <a:t>=  </a:t>
-            </a:r>
-            <a:r>
-              <a:rPr lang="zh-CN" altLang="en-US" sz="1600" dirty="0" smtClean="0">
-                <a:solidFill>
-                  <a:schemeClr val="tx1"/>
-                </a:solidFill>
-                <a:latin typeface="宋体" panose="02010600030101010101" pitchFamily="2" charset="-122"/>
-                <a:ea typeface="宋体" panose="02010600030101010101" pitchFamily="2" charset="-122"/>
-                <a:cs typeface="宋体" panose="02010600030101010101" pitchFamily="2" charset="-122"/>
-                <a:sym typeface="+mn-ea"/>
-              </a:rPr>
-              <a:t>初始化值</a:t>
-            </a:r>
-            <a:endParaRPr lang="en-US" altLang="zh-CN" sz="1600" dirty="0" smtClean="0">
-              <a:solidFill>
-                <a:schemeClr val="tx1"/>
-              </a:solidFill>
-              <a:latin typeface="宋体" panose="02010600030101010101" pitchFamily="2" charset="-122"/>
-              <a:ea typeface="宋体" panose="02010600030101010101" pitchFamily="2" charset="-122"/>
-              <a:cs typeface="宋体" panose="02010600030101010101" pitchFamily="2" charset="-122"/>
-            </a:endParaRPr>
-          </a:p>
-          <a:p>
-            <a:pPr indent="0">
-              <a:lnSpc>
-                <a:spcPct val="150000"/>
-              </a:lnSpc>
-              <a:buFont typeface="Wingdings" panose="05000000000000000000" pitchFamily="2" charset="2"/>
-              <a:buNone/>
-            </a:pPr>
-            <a:r>
-              <a:rPr lang="zh-CN" altLang="en-US" sz="1600" dirty="0" smtClean="0">
-                <a:solidFill>
-                  <a:schemeClr val="tx1"/>
-                </a:solidFill>
-                <a:latin typeface="宋体" panose="02010600030101010101" pitchFamily="2" charset="-122"/>
-                <a:ea typeface="宋体" panose="02010600030101010101" pitchFamily="2" charset="-122"/>
-                <a:cs typeface="宋体" panose="02010600030101010101" pitchFamily="2" charset="-122"/>
-                <a:sym typeface="+mn-ea"/>
-              </a:rPr>
-              <a:t>变量是通过使用变量名来访问这块区域的</a:t>
-            </a:r>
-            <a:endParaRPr lang="en-US" altLang="zh-CN" sz="1600" dirty="0" smtClean="0">
-              <a:solidFill>
-                <a:schemeClr val="tx1"/>
-              </a:solidFill>
-              <a:latin typeface="宋体" panose="02010600030101010101" pitchFamily="2" charset="-122"/>
-              <a:ea typeface="宋体" panose="02010600030101010101" pitchFamily="2" charset="-122"/>
-              <a:cs typeface="宋体" panose="02010600030101010101" pitchFamily="2" charset="-122"/>
-            </a:endParaRPr>
-          </a:p>
-          <a:p>
-            <a:endParaRPr lang="zh-CN" altLang="en-US">
-              <a:latin typeface="宋体" panose="02010600030101010101" pitchFamily="2" charset="-122"/>
-              <a:ea typeface="宋体" panose="02010600030101010101" pitchFamily="2" charset="-122"/>
-              <a:cs typeface="宋体" panose="02010600030101010101" pitchFamily="2" charset="-122"/>
-            </a:endParaRPr>
-          </a:p>
-          <a:p>
-            <a:r>
-              <a:rPr lang="zh-CN" altLang="en-US">
-                <a:latin typeface="宋体" panose="02010600030101010101" pitchFamily="2" charset="-122"/>
-                <a:ea typeface="宋体" panose="02010600030101010101" pitchFamily="2" charset="-122"/>
-                <a:cs typeface="宋体" panose="02010600030101010101" pitchFamily="2" charset="-122"/>
-              </a:rPr>
-              <a:t>Java语言支持的变量类型有：</a:t>
-            </a:r>
-            <a:endParaRPr lang="zh-CN" altLang="en-US">
-              <a:latin typeface="宋体" panose="02010600030101010101" pitchFamily="2" charset="-122"/>
-              <a:ea typeface="宋体" panose="02010600030101010101" pitchFamily="2" charset="-122"/>
-              <a:cs typeface="宋体" panose="02010600030101010101" pitchFamily="2" charset="-122"/>
-            </a:endParaRPr>
-          </a:p>
-          <a:p>
-            <a:endParaRPr lang="zh-CN" altLang="en-US">
-              <a:latin typeface="宋体" panose="02010600030101010101" pitchFamily="2" charset="-122"/>
-              <a:ea typeface="宋体" panose="02010600030101010101" pitchFamily="2" charset="-122"/>
-              <a:cs typeface="宋体" panose="02010600030101010101" pitchFamily="2" charset="-122"/>
-            </a:endParaRPr>
-          </a:p>
-          <a:p>
-            <a:r>
-              <a:rPr lang="zh-CN" altLang="en-US">
-                <a:latin typeface="宋体" panose="02010600030101010101" pitchFamily="2" charset="-122"/>
-                <a:ea typeface="宋体" panose="02010600030101010101" pitchFamily="2" charset="-122"/>
-                <a:cs typeface="宋体" panose="02010600030101010101" pitchFamily="2" charset="-122"/>
-              </a:rPr>
-              <a:t>类变量：独立于方法之外的变量，用 static 修饰</a:t>
-            </a:r>
-            <a:r>
-              <a:rPr lang="zh-CN" altLang="en-US">
-                <a:solidFill>
-                  <a:srgbClr val="FF0000"/>
-                </a:solidFill>
-                <a:latin typeface="宋体" panose="02010600030101010101" pitchFamily="2" charset="-122"/>
-                <a:ea typeface="宋体" panose="02010600030101010101" pitchFamily="2" charset="-122"/>
-                <a:cs typeface="宋体" panose="02010600030101010101" pitchFamily="2" charset="-122"/>
-              </a:rPr>
-              <a:t>（后面讲解）</a:t>
-            </a:r>
-            <a:r>
-              <a:rPr lang="zh-CN" altLang="en-US">
-                <a:latin typeface="宋体" panose="02010600030101010101" pitchFamily="2" charset="-122"/>
-                <a:ea typeface="宋体" panose="02010600030101010101" pitchFamily="2" charset="-122"/>
-                <a:cs typeface="宋体" panose="02010600030101010101" pitchFamily="2" charset="-122"/>
-              </a:rPr>
-              <a:t>。</a:t>
-            </a:r>
-            <a:endParaRPr lang="zh-CN" altLang="en-US">
-              <a:latin typeface="宋体" panose="02010600030101010101" pitchFamily="2" charset="-122"/>
-              <a:ea typeface="宋体" panose="02010600030101010101" pitchFamily="2" charset="-122"/>
-              <a:cs typeface="宋体" panose="02010600030101010101" pitchFamily="2" charset="-122"/>
-            </a:endParaRPr>
-          </a:p>
-          <a:p>
-            <a:r>
-              <a:rPr lang="zh-CN" altLang="en-US">
-                <a:latin typeface="宋体" panose="02010600030101010101" pitchFamily="2" charset="-122"/>
-                <a:ea typeface="宋体" panose="02010600030101010101" pitchFamily="2" charset="-122"/>
-                <a:cs typeface="宋体" panose="02010600030101010101" pitchFamily="2" charset="-122"/>
-              </a:rPr>
-              <a:t>实例变量：独立于方法之外的变量，不过没有 static 修饰</a:t>
-            </a:r>
-            <a:r>
-              <a:rPr lang="en-US" altLang="zh-CN">
-                <a:solidFill>
-                  <a:srgbClr val="FF0000"/>
-                </a:solidFill>
-                <a:latin typeface="宋体" panose="02010600030101010101" pitchFamily="2" charset="-122"/>
-                <a:ea typeface="宋体" panose="02010600030101010101" pitchFamily="2" charset="-122"/>
-                <a:cs typeface="宋体" panose="02010600030101010101" pitchFamily="2" charset="-122"/>
-              </a:rPr>
-              <a:t>(</a:t>
-            </a:r>
-            <a:r>
-              <a:rPr lang="zh-CN" altLang="en-US">
-                <a:solidFill>
-                  <a:srgbClr val="FF0000"/>
-                </a:solidFill>
-                <a:latin typeface="宋体" panose="02010600030101010101" pitchFamily="2" charset="-122"/>
-                <a:ea typeface="宋体" panose="02010600030101010101" pitchFamily="2" charset="-122"/>
-                <a:cs typeface="宋体" panose="02010600030101010101" pitchFamily="2" charset="-122"/>
-                <a:sym typeface="+mn-ea"/>
-              </a:rPr>
-              <a:t>后面讲解</a:t>
-            </a:r>
-            <a:r>
-              <a:rPr lang="en-US" altLang="zh-CN">
-                <a:solidFill>
-                  <a:srgbClr val="FF0000"/>
-                </a:solidFill>
-                <a:latin typeface="宋体" panose="02010600030101010101" pitchFamily="2" charset="-122"/>
-                <a:ea typeface="宋体" panose="02010600030101010101" pitchFamily="2" charset="-122"/>
-                <a:cs typeface="宋体" panose="02010600030101010101" pitchFamily="2" charset="-122"/>
-              </a:rPr>
-              <a:t>)</a:t>
-            </a:r>
-            <a:r>
-              <a:rPr lang="zh-CN" altLang="en-US">
-                <a:latin typeface="宋体" panose="02010600030101010101" pitchFamily="2" charset="-122"/>
-                <a:ea typeface="宋体" panose="02010600030101010101" pitchFamily="2" charset="-122"/>
-                <a:cs typeface="宋体" panose="02010600030101010101" pitchFamily="2" charset="-122"/>
-              </a:rPr>
-              <a:t>。</a:t>
-            </a:r>
-            <a:endParaRPr lang="zh-CN" altLang="en-US">
-              <a:latin typeface="宋体" panose="02010600030101010101" pitchFamily="2" charset="-122"/>
-              <a:ea typeface="宋体" panose="02010600030101010101" pitchFamily="2" charset="-122"/>
-              <a:cs typeface="宋体" panose="02010600030101010101" pitchFamily="2" charset="-122"/>
-            </a:endParaRPr>
-          </a:p>
-          <a:p>
-            <a:r>
-              <a:rPr lang="zh-CN" altLang="en-US">
-                <a:latin typeface="宋体" panose="02010600030101010101" pitchFamily="2" charset="-122"/>
-                <a:ea typeface="宋体" panose="02010600030101010101" pitchFamily="2" charset="-122"/>
-                <a:cs typeface="宋体" panose="02010600030101010101" pitchFamily="2" charset="-122"/>
-              </a:rPr>
-              <a:t>局部变量：类的方法中的变量。</a:t>
-            </a:r>
-            <a:endParaRPr lang="zh-CN" altLang="en-US">
-              <a:latin typeface="宋体" panose="02010600030101010101" pitchFamily="2" charset="-122"/>
-              <a:ea typeface="宋体" panose="02010600030101010101" pitchFamily="2" charset="-122"/>
-              <a:cs typeface="宋体" panose="02010600030101010101" pitchFamily="2" charset="-122"/>
-            </a:endParaRPr>
-          </a:p>
-        </p:txBody>
-      </p:sp>
-      <p:pic>
-        <p:nvPicPr>
-          <p:cNvPr id="5" name="图片 4"/>
-          <p:cNvPicPr>
-            <a:picLocks noChangeAspect="1"/>
-          </p:cNvPicPr>
-          <p:nvPr/>
-        </p:nvPicPr>
-        <p:blipFill>
-          <a:blip r:embed="rId2"/>
-          <a:stretch>
-            <a:fillRect/>
-          </a:stretch>
-        </p:blipFill>
-        <p:spPr>
-          <a:xfrm>
-            <a:off x="6805930" y="2388870"/>
-            <a:ext cx="5204460" cy="2080260"/>
-          </a:xfrm>
-          <a:prstGeom prst="rect">
-            <a:avLst/>
-          </a:prstGeom>
-        </p:spPr>
-      </p:pic>
     </p:spTree>
     <p:custDataLst>
-      <p:tags r:id="rId3"/>
+      <p:tags r:id="rId2"/>
     </p:custDataLst>
   </p:cSld>
   <p:clrMapOvr>

--- a/基础PPT/第1章：Java编程基础.pptx
+++ b/基础PPT/第1章：Java编程基础.pptx
@@ -16557,7 +16557,7 @@
         </p:nvSpPr>
         <p:spPr>
           <a:xfrm>
-            <a:off x="9429115" y="2075815"/>
+            <a:off x="9392920" y="2842260"/>
             <a:ext cx="2112645" cy="368300"/>
           </a:xfrm>
           <a:prstGeom prst="rect">
@@ -16890,8 +16890,8 @@
         </p:nvSpPr>
         <p:spPr>
           <a:xfrm>
-            <a:off x="376555" y="2513330"/>
-            <a:ext cx="11365865" cy="2030095"/>
+            <a:off x="185420" y="2513330"/>
+            <a:ext cx="11696700" cy="2030095"/>
           </a:xfrm>
           <a:prstGeom prst="rect">
             <a:avLst/>

--- a/基础PPT/第1章：Java编程基础.pptx
+++ b/基础PPT/第1章：Java编程基础.pptx
@@ -8775,7 +8775,7 @@
         <p:spPr>
           <a:xfrm>
             <a:off x="357505" y="885190"/>
-            <a:ext cx="11645265" cy="2861310"/>
+            <a:ext cx="11645265" cy="3415030"/>
           </a:xfrm>
           <a:prstGeom prst="rect">
             <a:avLst/>
@@ -8913,6 +8913,28 @@
                 <a:cs typeface="宋体" panose="02010600030101010101" pitchFamily="2" charset="-122"/>
               </a:rPr>
               <a:t>byte:    		意为字节"是计算机文件大小的基本计算单位；</a:t>
+            </a:r>
+            <a:endParaRPr lang="zh-CN" altLang="en-US">
+              <a:latin typeface="宋体" panose="02010600030101010101" pitchFamily="2" charset="-122"/>
+              <a:ea typeface="宋体" panose="02010600030101010101" pitchFamily="2" charset="-122"/>
+              <a:cs typeface="宋体" panose="02010600030101010101" pitchFamily="2" charset="-122"/>
+            </a:endParaRPr>
+          </a:p>
+          <a:p>
+            <a:endParaRPr lang="zh-CN" altLang="en-US">
+              <a:latin typeface="宋体" panose="02010600030101010101" pitchFamily="2" charset="-122"/>
+              <a:ea typeface="宋体" panose="02010600030101010101" pitchFamily="2" charset="-122"/>
+              <a:cs typeface="宋体" panose="02010600030101010101" pitchFamily="2" charset="-122"/>
+            </a:endParaRPr>
+          </a:p>
+          <a:p>
+            <a:r>
+              <a:rPr lang="zh-CN" altLang="en-US">
+                <a:latin typeface="宋体" panose="02010600030101010101" pitchFamily="2" charset="-122"/>
+                <a:ea typeface="宋体" panose="02010600030101010101" pitchFamily="2" charset="-122"/>
+                <a:cs typeface="宋体" panose="02010600030101010101" pitchFamily="2" charset="-122"/>
+              </a:rPr>
+              <a:t>10位2进制数 = 2的10方 对应10进制的1024</a:t>
             </a:r>
             <a:endParaRPr lang="zh-CN" altLang="en-US">
               <a:latin typeface="宋体" panose="02010600030101010101" pitchFamily="2" charset="-122"/>

--- a/基础PPT/第1章：Java编程基础.pptx
+++ b/基础PPT/第1章：Java编程基础.pptx
@@ -308,39 +308,39 @@
           <a:p>
             <a:pPr lvl="0"/>
             <a:r>
-              <a:rPr lang="zh-CN" altLang="en-US" smtClean="0"/>
+              <a:rPr lang="zh-CN" altLang="en-US"/>
               <a:t>单击此处编辑母版文本样式</a:t>
             </a:r>
-            <a:endParaRPr lang="zh-CN" altLang="en-US" smtClean="0"/>
+            <a:endParaRPr lang="zh-CN" altLang="en-US"/>
           </a:p>
           <a:p>
             <a:pPr lvl="1"/>
             <a:r>
-              <a:rPr lang="zh-CN" altLang="en-US" smtClean="0"/>
+              <a:rPr lang="zh-CN" altLang="en-US"/>
               <a:t>第二级</a:t>
             </a:r>
-            <a:endParaRPr lang="zh-CN" altLang="en-US" smtClean="0"/>
+            <a:endParaRPr lang="zh-CN" altLang="en-US"/>
           </a:p>
           <a:p>
             <a:pPr lvl="2"/>
             <a:r>
-              <a:rPr lang="zh-CN" altLang="en-US" smtClean="0"/>
+              <a:rPr lang="zh-CN" altLang="en-US"/>
               <a:t>第三级</a:t>
             </a:r>
-            <a:endParaRPr lang="zh-CN" altLang="en-US" smtClean="0"/>
+            <a:endParaRPr lang="zh-CN" altLang="en-US"/>
           </a:p>
           <a:p>
             <a:pPr lvl="3"/>
             <a:r>
-              <a:rPr lang="zh-CN" altLang="en-US" smtClean="0"/>
+              <a:rPr lang="zh-CN" altLang="en-US"/>
               <a:t>第四级</a:t>
             </a:r>
-            <a:endParaRPr lang="zh-CN" altLang="en-US" smtClean="0"/>
+            <a:endParaRPr lang="zh-CN" altLang="en-US"/>
           </a:p>
           <a:p>
             <a:pPr lvl="4"/>
             <a:r>
-              <a:rPr lang="zh-CN" altLang="en-US" smtClean="0"/>
+              <a:rPr lang="zh-CN" altLang="en-US"/>
               <a:t>第五级</a:t>
             </a:r>
             <a:endParaRPr lang="zh-CN" altLang="en-US"/>
@@ -511,6 +511,62 @@
 </file>
 
 <file path=ppt/notesSlides/notesSlide1.xml><?xml version="1.0" encoding="utf-8"?>
+<p:notes xmlns:a="http://schemas.openxmlformats.org/drawingml/2006/main" xmlns:r="http://schemas.openxmlformats.org/officeDocument/2006/relationships" xmlns:p="http://schemas.openxmlformats.org/presentationml/2006/main">
+  <p:cSld>
+    <p:spTree>
+      <p:nvGrpSpPr>
+        <p:cNvPr id="1" name=""/>
+        <p:cNvGrpSpPr/>
+        <p:nvPr/>
+      </p:nvGrpSpPr>
+      <p:grpSpPr>
+        <a:xfrm>
+          <a:off x="0" y="0"/>
+          <a:ext cx="0" cy="0"/>
+          <a:chOff x="0" y="0"/>
+          <a:chExt cx="0" cy="0"/>
+        </a:xfrm>
+      </p:grpSpPr>
+      <p:sp>
+        <p:nvSpPr>
+          <p:cNvPr id="2" name="幻灯片图像占位符 1"/>
+          <p:cNvSpPr>
+            <a:spLocks noGrp="1" noRot="1" noChangeAspect="1"/>
+          </p:cNvSpPr>
+          <p:nvPr>
+            <p:ph type="sldImg" idx="2"/>
+          </p:nvPr>
+        </p:nvSpPr>
+        <p:spPr/>
+      </p:sp>
+      <p:sp>
+        <p:nvSpPr>
+          <p:cNvPr id="3" name="文本占位符 2"/>
+          <p:cNvSpPr>
+            <a:spLocks noGrp="1"/>
+          </p:cNvSpPr>
+          <p:nvPr>
+            <p:ph type="body" idx="3"/>
+          </p:nvPr>
+        </p:nvSpPr>
+        <p:spPr/>
+        <p:txBody>
+          <a:bodyPr/>
+          <a:lstStyle/>
+          <a:p>
+            <a:endParaRPr lang="zh-CN" altLang="en-US"/>
+          </a:p>
+        </p:txBody>
+      </p:sp>
+    </p:spTree>
+  </p:cSld>
+  <p:clrMapOvr>
+    <a:masterClrMapping/>
+  </p:clrMapOvr>
+</p:notes>
+</file>
+
+<file path=ppt/notesSlides/notesSlide2.xml><?xml version="1.0" encoding="utf-8"?>
 <p:notes xmlns:a="http://schemas.openxmlformats.org/drawingml/2006/main" xmlns:r="http://schemas.openxmlformats.org/officeDocument/2006/relationships" xmlns:p="http://schemas.openxmlformats.org/presentationml/2006/main">
   <p:cSld>
     <p:spTree>
@@ -1997,7 +2053,7 @@
           <a:lstStyle/>
           <a:p>
             <a:r>
-              <a:rPr lang="zh-CN" altLang="en-US" smtClean="0"/>
+              <a:rPr lang="zh-CN" altLang="en-US"/>
               <a:t>单击此处编辑母版标题样式</a:t>
             </a:r>
             <a:endParaRPr lang="zh-CN" altLang="en-US"/>
@@ -6267,11 +6323,20 @@
         <p:cNvGrpSpPr/>
         <p:nvPr/>
       </p:nvGrpSpPr>
-      <p:grpSpPr/>
+      <p:grpSpPr>
+        <a:xfrm>
+          <a:off x="0" y="0"/>
+          <a:ext cx="0" cy="0"/>
+          <a:chOff x="0" y="0"/>
+          <a:chExt cx="0" cy="0"/>
+        </a:xfrm>
+      </p:grpSpPr>
       <p:sp>
         <p:nvSpPr>
           <p:cNvPr id="3" name="标题 2"/>
-          <p:cNvSpPr/>
+          <p:cNvSpPr>
+            <a:spLocks noGrp="1"/>
+          </p:cNvSpPr>
           <p:nvPr>
             <p:ph type="ctrTitle"/>
           </p:nvPr>
@@ -6286,6 +6351,7 @@
           <a:bodyPr>
             <a:normAutofit fontScale="90000"/>
           </a:bodyPr>
+          <a:lstStyle/>
           <a:p>
             <a:pPr algn="ctr"/>
             <a:r>
@@ -6332,6 +6398,7 @@
           <a:bodyPr wrap="square" rtlCol="0">
             <a:spAutoFit/>
           </a:bodyPr>
+          <a:lstStyle/>
           <a:p>
             <a:r>
               <a:rPr lang="en-US" altLang="zh-CN" b="1">
@@ -6449,7 +6516,14 @@
         <p:cNvGrpSpPr/>
         <p:nvPr/>
       </p:nvGrpSpPr>
-      <p:grpSpPr/>
+      <p:grpSpPr>
+        <a:xfrm>
+          <a:off x="0" y="0"/>
+          <a:ext cx="0" cy="0"/>
+          <a:chOff x="0" y="0"/>
+          <a:chExt cx="0" cy="0"/>
+        </a:xfrm>
+      </p:grpSpPr>
       <p:sp>
         <p:nvSpPr>
           <p:cNvPr id="3" name="文本框 2"/>
@@ -6470,14 +6544,11 @@
           <a:bodyPr wrap="square" rtlCol="0">
             <a:spAutoFit/>
           </a:bodyPr>
+          <a:lstStyle/>
           <a:p>
             <a:r>
               <a:rPr lang="zh-CN" altLang="en-US" sz="3200"/>
-              <a:t>练习</a:t>
-            </a:r>
-            <a:r>
-              <a:rPr lang="zh-CN" altLang="en-US" sz="3200"/>
-              <a:t>：实现 </a:t>
+              <a:t>练习：实现 </a:t>
             </a:r>
             <a:r>
               <a:rPr lang="en-US" altLang="zh-CN" sz="3200"/>
@@ -6511,6 +6582,7 @@
           <a:bodyPr wrap="square" rtlCol="0">
             <a:spAutoFit/>
           </a:bodyPr>
+          <a:lstStyle/>
           <a:p>
             <a:r>
               <a:rPr lang="zh-CN" altLang="en-US" sz="1600">
@@ -6690,7 +6762,14 @@
         <p:cNvGrpSpPr/>
         <p:nvPr/>
       </p:nvGrpSpPr>
-      <p:grpSpPr/>
+      <p:grpSpPr>
+        <a:xfrm>
+          <a:off x="0" y="0"/>
+          <a:ext cx="0" cy="0"/>
+          <a:chOff x="0" y="0"/>
+          <a:chExt cx="0" cy="0"/>
+        </a:xfrm>
+      </p:grpSpPr>
       <p:pic>
         <p:nvPicPr>
           <p:cNvPr id="4" name="图片 3"/>
@@ -6783,6 +6862,7 @@
           <a:bodyPr wrap="square" rtlCol="0">
             <a:spAutoFit/>
           </a:bodyPr>
+          <a:lstStyle/>
           <a:p>
             <a:r>
               <a:rPr lang="zh-CN" altLang="en-US"/>
@@ -6833,7 +6913,14 @@
         <p:cNvGrpSpPr/>
         <p:nvPr/>
       </p:nvGrpSpPr>
-      <p:grpSpPr/>
+      <p:grpSpPr>
+        <a:xfrm>
+          <a:off x="0" y="0"/>
+          <a:ext cx="0" cy="0"/>
+          <a:chOff x="0" y="0"/>
+          <a:chExt cx="0" cy="0"/>
+        </a:xfrm>
+      </p:grpSpPr>
       <p:sp>
         <p:nvSpPr>
           <p:cNvPr id="3" name="文本框 2"/>
@@ -6854,6 +6941,7 @@
           <a:bodyPr wrap="square" rtlCol="0">
             <a:spAutoFit/>
           </a:bodyPr>
+          <a:lstStyle/>
           <a:p>
             <a:r>
               <a:rPr sz="3200"/>
@@ -6883,6 +6971,7 @@
           <a:bodyPr wrap="square" rtlCol="0">
             <a:spAutoFit/>
           </a:bodyPr>
+          <a:lstStyle/>
           <a:p>
             <a:r>
               <a:rPr lang="zh-CN" altLang="en-US" sz="1600">
@@ -6955,7 +7044,14 @@
         <p:cNvGrpSpPr/>
         <p:nvPr/>
       </p:nvGrpSpPr>
-      <p:grpSpPr/>
+      <p:grpSpPr>
+        <a:xfrm>
+          <a:off x="0" y="0"/>
+          <a:ext cx="0" cy="0"/>
+          <a:chOff x="0" y="0"/>
+          <a:chExt cx="0" cy="0"/>
+        </a:xfrm>
+      </p:grpSpPr>
       <p:sp>
         <p:nvSpPr>
           <p:cNvPr id="3" name="文本框 2"/>
@@ -6976,6 +7072,7 @@
           <a:bodyPr wrap="square" rtlCol="0">
             <a:spAutoFit/>
           </a:bodyPr>
+          <a:lstStyle/>
           <a:p>
             <a:r>
               <a:rPr lang="en-US" altLang="zh-CN" sz="3200"/>
@@ -7009,13 +7106,14 @@
           <a:bodyPr wrap="square" rtlCol="0">
             <a:spAutoFit/>
           </a:bodyPr>
+          <a:lstStyle/>
           <a:p>
             <a:pPr indent="0">
               <a:buFont typeface="Wingdings" panose="05000000000000000000" pitchFamily="2" charset="2"/>
               <a:buNone/>
             </a:pPr>
             <a:r>
-              <a:rPr lang="zh-CN" altLang="en-US" sz="1600" dirty="0" smtClean="0">
+              <a:rPr lang="zh-CN" altLang="en-US" sz="1600" dirty="0">
                 <a:solidFill>
                   <a:schemeClr val="tx1"/>
                 </a:solidFill>
@@ -7026,7 +7124,7 @@
               </a:rPr>
               <a:t>变量的概念：</a:t>
             </a:r>
-            <a:endParaRPr lang="en-US" altLang="zh-CN" sz="1600" dirty="0" smtClean="0">
+            <a:endParaRPr lang="en-US" altLang="zh-CN" sz="1600" dirty="0">
               <a:solidFill>
                 <a:schemeClr val="tx1"/>
               </a:solidFill>
@@ -7041,7 +7139,7 @@
               <a:buNone/>
             </a:pPr>
             <a:r>
-              <a:rPr lang="zh-CN" altLang="en-US" sz="1600" dirty="0" smtClean="0">
+              <a:rPr lang="zh-CN" altLang="en-US" sz="1600" dirty="0">
                 <a:solidFill>
                   <a:schemeClr val="tx1"/>
                 </a:solidFill>
@@ -7052,7 +7150,7 @@
               </a:rPr>
               <a:t>内存中的一个存储区域</a:t>
             </a:r>
-            <a:endParaRPr lang="en-US" altLang="zh-CN" sz="1600" dirty="0" smtClean="0">
+            <a:endParaRPr lang="en-US" altLang="zh-CN" sz="1600" dirty="0">
               <a:solidFill>
                 <a:schemeClr val="tx1"/>
               </a:solidFill>
@@ -7067,7 +7165,7 @@
               <a:buNone/>
             </a:pPr>
             <a:r>
-              <a:rPr lang="zh-CN" altLang="en-US" sz="1600" dirty="0" smtClean="0">
+              <a:rPr lang="zh-CN" altLang="en-US" sz="1600" dirty="0">
                 <a:solidFill>
                   <a:schemeClr val="tx1"/>
                 </a:solidFill>
@@ -7078,7 +7176,7 @@
               </a:rPr>
               <a:t>该区域有自己的名称（变量名）和类型（数据类型）</a:t>
             </a:r>
-            <a:endParaRPr lang="en-US" altLang="zh-CN" sz="1600" dirty="0" smtClean="0">
+            <a:endParaRPr lang="en-US" altLang="zh-CN" sz="1600" dirty="0">
               <a:solidFill>
                 <a:schemeClr val="tx1"/>
               </a:solidFill>
@@ -7093,7 +7191,7 @@
               <a:buNone/>
             </a:pPr>
             <a:r>
-              <a:rPr lang="en-US" altLang="zh-CN" sz="1600" dirty="0" smtClean="0">
+              <a:rPr lang="en-US" altLang="zh-CN" sz="1600" dirty="0">
                 <a:solidFill>
                   <a:schemeClr val="tx1"/>
                 </a:solidFill>
@@ -7105,7 +7203,7 @@
               <a:t>Java</a:t>
             </a:r>
             <a:r>
-              <a:rPr lang="zh-CN" altLang="en-US" sz="1600" dirty="0" smtClean="0">
+              <a:rPr lang="zh-CN" altLang="en-US" sz="1600" dirty="0">
                 <a:solidFill>
                   <a:schemeClr val="tx1"/>
                 </a:solidFill>
@@ -7116,7 +7214,7 @@
               </a:rPr>
               <a:t>中每个变量必须先声明，后使用</a:t>
             </a:r>
-            <a:endParaRPr lang="en-US" altLang="zh-CN" sz="1600" dirty="0" smtClean="0">
+            <a:endParaRPr lang="en-US" altLang="zh-CN" sz="1600" dirty="0">
               <a:solidFill>
                 <a:schemeClr val="tx1"/>
               </a:solidFill>
@@ -7131,7 +7229,7 @@
               <a:buNone/>
             </a:pPr>
             <a:r>
-              <a:rPr lang="zh-CN" altLang="en-US" sz="1600" dirty="0" smtClean="0">
+              <a:rPr lang="zh-CN" altLang="en-US" sz="1600" dirty="0">
                 <a:solidFill>
                   <a:schemeClr val="tx1"/>
                 </a:solidFill>
@@ -7142,7 +7240,7 @@
               </a:rPr>
               <a:t>该区域的数据可以在同一类型范围内不断变化</a:t>
             </a:r>
-            <a:endParaRPr lang="zh-CN" altLang="en-US" sz="1600" dirty="0" smtClean="0">
+            <a:endParaRPr lang="zh-CN" altLang="en-US" sz="1600" dirty="0">
               <a:solidFill>
                 <a:schemeClr val="tx1"/>
               </a:solidFill>
@@ -7157,7 +7255,7 @@
               <a:buNone/>
             </a:pPr>
             <a:r>
-              <a:rPr lang="zh-CN" altLang="en-US" sz="1600" dirty="0" smtClean="0">
+              <a:rPr lang="zh-CN" altLang="en-US" sz="1600" dirty="0">
                 <a:solidFill>
                   <a:schemeClr val="tx1"/>
                 </a:solidFill>
@@ -7168,7 +7266,7 @@
               </a:rPr>
               <a:t>使用变量注意：</a:t>
             </a:r>
-            <a:endParaRPr lang="en-US" altLang="zh-CN" sz="1600" dirty="0" smtClean="0">
+            <a:endParaRPr lang="en-US" altLang="zh-CN" sz="1600" dirty="0">
               <a:solidFill>
                 <a:schemeClr val="tx1"/>
               </a:solidFill>
@@ -7183,7 +7281,7 @@
               <a:buNone/>
             </a:pPr>
             <a:r>
-              <a:rPr lang="zh-CN" altLang="en-US" sz="1600" dirty="0" smtClean="0">
+              <a:rPr lang="zh-CN" altLang="en-US" sz="1600" dirty="0">
                 <a:solidFill>
                   <a:schemeClr val="tx1"/>
                 </a:solidFill>
@@ -7195,7 +7293,7 @@
               <a:t>变量的作用域：一对</a:t>
             </a:r>
             <a:r>
-              <a:rPr lang="en-US" altLang="zh-CN" sz="1600" dirty="0" smtClean="0">
+              <a:rPr lang="en-US" altLang="zh-CN" sz="1600" dirty="0">
                 <a:solidFill>
                   <a:schemeClr val="tx1"/>
                 </a:solidFill>
@@ -7207,7 +7305,7 @@
               <a:t>{ }</a:t>
             </a:r>
             <a:r>
-              <a:rPr lang="zh-CN" altLang="en-US" sz="1600" dirty="0" smtClean="0">
+              <a:rPr lang="zh-CN" altLang="en-US" sz="1600" dirty="0">
                 <a:solidFill>
                   <a:schemeClr val="tx1"/>
                 </a:solidFill>
@@ -7218,7 +7316,7 @@
               </a:rPr>
               <a:t>之间有效	</a:t>
             </a:r>
-            <a:endParaRPr lang="en-US" altLang="zh-CN" sz="1600" dirty="0" smtClean="0">
+            <a:endParaRPr lang="en-US" altLang="zh-CN" sz="1600" dirty="0">
               <a:solidFill>
                 <a:schemeClr val="tx1"/>
               </a:solidFill>
@@ -7233,7 +7331,7 @@
               <a:buNone/>
             </a:pPr>
             <a:r>
-              <a:rPr lang="zh-CN" altLang="en-US" sz="1600" dirty="0" smtClean="0">
+              <a:rPr lang="zh-CN" altLang="en-US" sz="1600" dirty="0">
                 <a:solidFill>
                   <a:schemeClr val="tx1"/>
                 </a:solidFill>
@@ -7244,7 +7342,7 @@
               </a:rPr>
               <a:t>初始化值</a:t>
             </a:r>
-            <a:endParaRPr lang="en-US" altLang="zh-CN" sz="1600" dirty="0" smtClean="0">
+            <a:endParaRPr lang="en-US" altLang="zh-CN" sz="1600" dirty="0">
               <a:solidFill>
                 <a:schemeClr val="tx1"/>
               </a:solidFill>
@@ -7259,7 +7357,7 @@
               <a:buNone/>
             </a:pPr>
             <a:r>
-              <a:rPr lang="zh-CN" altLang="en-US" sz="1600" dirty="0" smtClean="0">
+              <a:rPr lang="zh-CN" altLang="en-US" sz="1600" dirty="0">
                 <a:solidFill>
                   <a:schemeClr val="tx1"/>
                 </a:solidFill>
@@ -7271,7 +7369,7 @@
               <a:t>定义变量的格式：数据类型    变量名  </a:t>
             </a:r>
             <a:r>
-              <a:rPr lang="en-US" altLang="zh-CN" sz="1600" dirty="0" smtClean="0">
+              <a:rPr lang="en-US" altLang="zh-CN" sz="1600" dirty="0">
                 <a:solidFill>
                   <a:schemeClr val="tx1"/>
                 </a:solidFill>
@@ -7283,7 +7381,7 @@
               <a:t>=  </a:t>
             </a:r>
             <a:r>
-              <a:rPr lang="zh-CN" altLang="en-US" sz="1600" dirty="0" smtClean="0">
+              <a:rPr lang="zh-CN" altLang="en-US" sz="1600" dirty="0">
                 <a:solidFill>
                   <a:schemeClr val="tx1"/>
                 </a:solidFill>
@@ -7294,7 +7392,7 @@
               </a:rPr>
               <a:t>初始化值</a:t>
             </a:r>
-            <a:endParaRPr lang="en-US" altLang="zh-CN" sz="1600" dirty="0" smtClean="0">
+            <a:endParaRPr lang="en-US" altLang="zh-CN" sz="1600" dirty="0">
               <a:solidFill>
                 <a:schemeClr val="tx1"/>
               </a:solidFill>
@@ -7312,7 +7410,7 @@
               <a:buNone/>
             </a:pPr>
             <a:r>
-              <a:rPr lang="zh-CN" altLang="en-US" sz="1600" dirty="0" smtClean="0">
+              <a:rPr lang="zh-CN" altLang="en-US" sz="1600" dirty="0">
                 <a:solidFill>
                   <a:schemeClr val="tx1"/>
                 </a:solidFill>
@@ -7323,7 +7421,7 @@
               </a:rPr>
               <a:t>变量是通过使用变量名来访问这块区域的</a:t>
             </a:r>
-            <a:endParaRPr lang="en-US" altLang="zh-CN" sz="1600" dirty="0" smtClean="0">
+            <a:endParaRPr lang="en-US" altLang="zh-CN" sz="1600" dirty="0">
               <a:solidFill>
                 <a:schemeClr val="tx1"/>
               </a:solidFill>
@@ -7524,7 +7622,14 @@
         <p:cNvGrpSpPr/>
         <p:nvPr/>
       </p:nvGrpSpPr>
-      <p:grpSpPr/>
+      <p:grpSpPr>
+        <a:xfrm>
+          <a:off x="0" y="0"/>
+          <a:ext cx="0" cy="0"/>
+          <a:chOff x="0" y="0"/>
+          <a:chExt cx="0" cy="0"/>
+        </a:xfrm>
+      </p:grpSpPr>
       <p:sp>
         <p:nvSpPr>
           <p:cNvPr id="3" name="文本框 2"/>
@@ -7545,6 +7650,7 @@
           <a:bodyPr wrap="square" rtlCol="0">
             <a:spAutoFit/>
           </a:bodyPr>
+          <a:lstStyle/>
           <a:p>
             <a:r>
               <a:rPr lang="en-US" altLang="zh-CN" sz="3200"/>
@@ -7578,6 +7684,7 @@
           <a:bodyPr wrap="square" rtlCol="0">
             <a:spAutoFit/>
           </a:bodyPr>
+          <a:lstStyle/>
           <a:p>
             <a:r>
               <a:rPr lang="zh-CN" altLang="en-US" sz="1600">
@@ -7585,7 +7692,7 @@
                 <a:ea typeface="宋体" panose="02010600030101010101" pitchFamily="2" charset="-122"/>
                 <a:cs typeface="宋体" panose="02010600030101010101" pitchFamily="2" charset="-122"/>
               </a:rPr>
-              <a:t>Java 中标识符是为方法、变量或其他用户定义项所定义的名称。标识符可以有一个或多个字符。在 Java 语言中，标识符的构成规则如下。</a:t>
+              <a:t>Java 中标识符是用于给变量、常量、函数、语句块等命名，以建立起名称与使用之间的关系。标识符可以有一个或多个字符。在 Java 语言中，标识符的构成规则如下。</a:t>
             </a:r>
             <a:endParaRPr lang="zh-CN" altLang="en-US" sz="1600">
               <a:latin typeface="宋体" panose="02010600030101010101" pitchFamily="2" charset="-122"/>
@@ -7936,7 +8043,14 @@
         <p:cNvGrpSpPr/>
         <p:nvPr/>
       </p:nvGrpSpPr>
-      <p:grpSpPr/>
+      <p:grpSpPr>
+        <a:xfrm>
+          <a:off x="0" y="0"/>
+          <a:ext cx="0" cy="0"/>
+          <a:chOff x="0" y="0"/>
+          <a:chExt cx="0" cy="0"/>
+        </a:xfrm>
+      </p:grpSpPr>
       <p:sp>
         <p:nvSpPr>
           <p:cNvPr id="2" name="文本框 1"/>
@@ -7957,6 +8071,7 @@
           <a:bodyPr wrap="square" rtlCol="0">
             <a:spAutoFit/>
           </a:bodyPr>
+          <a:lstStyle/>
           <a:p>
             <a:r>
               <a:rPr lang="zh-CN" altLang="en-US" sz="1600">
@@ -8050,6 +8165,51 @@
           </a:prstGeom>
         </p:spPr>
       </p:pic>
+      <p:sp>
+        <p:nvSpPr>
+          <p:cNvPr id="3" name="文本框 2"/>
+          <p:cNvSpPr txBox="1"/>
+          <p:nvPr/>
+        </p:nvSpPr>
+        <p:spPr>
+          <a:xfrm>
+            <a:off x="238125" y="4419600"/>
+            <a:ext cx="1794510" cy="368300"/>
+          </a:xfrm>
+          <a:prstGeom prst="rect">
+            <a:avLst/>
+          </a:prstGeom>
+          <a:noFill/>
+        </p:spPr>
+        <p:txBody>
+          <a:bodyPr wrap="none" rtlCol="0" anchor="t">
+            <a:spAutoFit/>
+          </a:bodyPr>
+          <a:p>
+            <a:r>
+              <a:rPr lang="zh-CN" altLang="en-US" b="1">
+                <a:solidFill>
+                  <a:srgbClr val="FF0000"/>
+                </a:solidFill>
+                <a:latin typeface="宋体" panose="02010600030101010101" pitchFamily="2" charset="-122"/>
+                <a:ea typeface="宋体" panose="02010600030101010101" pitchFamily="2" charset="-122"/>
+                <a:cs typeface="宋体" panose="02010600030101010101" pitchFamily="2" charset="-122"/>
+                <a:sym typeface="+mn-ea"/>
+              </a:rPr>
+              <a:t>共 50 个关键字</a:t>
+            </a:r>
+            <a:endParaRPr lang="zh-CN" altLang="en-US" b="1">
+              <a:solidFill>
+                <a:srgbClr val="FF0000"/>
+              </a:solidFill>
+              <a:latin typeface="宋体" panose="02010600030101010101" pitchFamily="2" charset="-122"/>
+              <a:ea typeface="宋体" panose="02010600030101010101" pitchFamily="2" charset="-122"/>
+              <a:cs typeface="宋体" panose="02010600030101010101" pitchFamily="2" charset="-122"/>
+              <a:sym typeface="+mn-ea"/>
+            </a:endParaRPr>
+          </a:p>
+        </p:txBody>
+      </p:sp>
     </p:spTree>
     <p:custDataLst>
       <p:tags r:id="rId3"/>
@@ -8081,7 +8241,14 @@
         <p:cNvGrpSpPr/>
         <p:nvPr/>
       </p:nvGrpSpPr>
-      <p:grpSpPr/>
+      <p:grpSpPr>
+        <a:xfrm>
+          <a:off x="0" y="0"/>
+          <a:ext cx="0" cy="0"/>
+          <a:chOff x="0" y="0"/>
+          <a:chExt cx="0" cy="0"/>
+        </a:xfrm>
+      </p:grpSpPr>
       <p:sp>
         <p:nvSpPr>
           <p:cNvPr id="2" name="文本框 1"/>
@@ -8091,7 +8258,7 @@
         <p:spPr>
           <a:xfrm>
             <a:off x="613410" y="1217295"/>
-            <a:ext cx="10965180" cy="2061210"/>
+            <a:ext cx="10965180" cy="3291840"/>
           </a:xfrm>
           <a:prstGeom prst="rect">
             <a:avLst/>
@@ -8102,6 +8269,7 @@
           <a:bodyPr wrap="square" rtlCol="0">
             <a:spAutoFit/>
           </a:bodyPr>
+          <a:lstStyle/>
           <a:p>
             <a:r>
               <a:rPr lang="zh-CN" altLang="en-US" sz="1600">
@@ -8215,6 +8383,65 @@
                 <a:cs typeface="宋体" panose="02010600030101010101" pitchFamily="2" charset="-122"/>
               </a:rPr>
               <a:t>　　注意2：java采用unicode字符集，因此标识符也可以使用汉字声明，但是不建议使用。</a:t>
+            </a:r>
+            <a:endParaRPr lang="zh-CN" altLang="en-US" sz="1600">
+              <a:latin typeface="宋体" panose="02010600030101010101" pitchFamily="2" charset="-122"/>
+              <a:ea typeface="宋体" panose="02010600030101010101" pitchFamily="2" charset="-122"/>
+              <a:cs typeface="宋体" panose="02010600030101010101" pitchFamily="2" charset="-122"/>
+            </a:endParaRPr>
+          </a:p>
+          <a:p>
+            <a:endParaRPr lang="zh-CN" altLang="en-US" sz="1600">
+              <a:latin typeface="宋体" panose="02010600030101010101" pitchFamily="2" charset="-122"/>
+              <a:ea typeface="宋体" panose="02010600030101010101" pitchFamily="2" charset="-122"/>
+              <a:cs typeface="宋体" panose="02010600030101010101" pitchFamily="2" charset="-122"/>
+            </a:endParaRPr>
+          </a:p>
+          <a:p>
+            <a:endParaRPr lang="zh-CN" altLang="en-US" sz="1600">
+              <a:latin typeface="宋体" panose="02010600030101010101" pitchFamily="2" charset="-122"/>
+              <a:ea typeface="宋体" panose="02010600030101010101" pitchFamily="2" charset="-122"/>
+              <a:cs typeface="宋体" panose="02010600030101010101" pitchFamily="2" charset="-122"/>
+            </a:endParaRPr>
+          </a:p>
+          <a:p>
+            <a:r>
+              <a:rPr lang="zh-CN" altLang="en-US" sz="1600">
+                <a:latin typeface="宋体" panose="02010600030101010101" pitchFamily="2" charset="-122"/>
+                <a:ea typeface="宋体" panose="02010600030101010101" pitchFamily="2" charset="-122"/>
+                <a:cs typeface="宋体" panose="02010600030101010101" pitchFamily="2" charset="-122"/>
+              </a:rPr>
+              <a:t>程序设计中的驼峰原则是程序中的变量和函数名的命名原则，比如变量username要写作userName或者UserName</a:t>
+            </a:r>
+            <a:endParaRPr lang="zh-CN" altLang="en-US" sz="1600">
+              <a:latin typeface="宋体" panose="02010600030101010101" pitchFamily="2" charset="-122"/>
+              <a:ea typeface="宋体" panose="02010600030101010101" pitchFamily="2" charset="-122"/>
+              <a:cs typeface="宋体" panose="02010600030101010101" pitchFamily="2" charset="-122"/>
+            </a:endParaRPr>
+          </a:p>
+          <a:p>
+            <a:r>
+              <a:rPr lang="zh-CN" altLang="en-US" sz="1600">
+                <a:latin typeface="宋体" panose="02010600030101010101" pitchFamily="2" charset="-122"/>
+                <a:ea typeface="宋体" panose="02010600030101010101" pitchFamily="2" charset="-122"/>
+                <a:cs typeface="宋体" panose="02010600030101010101" pitchFamily="2" charset="-122"/>
+              </a:rPr>
+              <a:t>规则：变量名或函数名的每一个单词的首字母要大写，第一个单词的字母可大写或者小写</a:t>
+            </a:r>
+            <a:endParaRPr lang="zh-CN" altLang="en-US" sz="1600">
+              <a:latin typeface="宋体" panose="02010600030101010101" pitchFamily="2" charset="-122"/>
+              <a:ea typeface="宋体" panose="02010600030101010101" pitchFamily="2" charset="-122"/>
+              <a:cs typeface="宋体" panose="02010600030101010101" pitchFamily="2" charset="-122"/>
+            </a:endParaRPr>
+          </a:p>
+          <a:p>
+            <a:r>
+              <a:rPr lang="zh-CN" altLang="en-US" sz="1600">
+                <a:latin typeface="宋体" panose="02010600030101010101" pitchFamily="2" charset="-122"/>
+                <a:ea typeface="宋体" panose="02010600030101010101" pitchFamily="2" charset="-122"/>
+                <a:cs typeface="宋体" panose="02010600030101010101" pitchFamily="2" charset="-122"/>
+              </a:rPr>
+              <a:t>效果：这样一个变量或者函数名看起来就像驼峰一样起起伏伏，可以提高代码的可读性。</a:t>
             </a:r>
             <a:endParaRPr lang="zh-CN" altLang="en-US" sz="1600">
               <a:latin typeface="宋体" panose="02010600030101010101" pitchFamily="2" charset="-122"/>
@@ -8244,6 +8471,7 @@
           <a:bodyPr wrap="square" rtlCol="0">
             <a:spAutoFit/>
           </a:bodyPr>
+          <a:lstStyle/>
           <a:p>
             <a:r>
               <a:rPr lang="zh-CN" altLang="en-US" sz="3200">
@@ -8289,7 +8517,14 @@
         <p:cNvGrpSpPr/>
         <p:nvPr/>
       </p:nvGrpSpPr>
-      <p:grpSpPr/>
+      <p:grpSpPr>
+        <a:xfrm>
+          <a:off x="0" y="0"/>
+          <a:ext cx="0" cy="0"/>
+          <a:chOff x="0" y="0"/>
+          <a:chExt cx="0" cy="0"/>
+        </a:xfrm>
+      </p:grpSpPr>
       <p:sp>
         <p:nvSpPr>
           <p:cNvPr id="3" name="文本框 2"/>
@@ -8310,6 +8545,7 @@
           <a:bodyPr wrap="square" rtlCol="0">
             <a:spAutoFit/>
           </a:bodyPr>
+          <a:lstStyle/>
           <a:p>
             <a:pPr algn="ctr"/>
             <a:r>
@@ -8384,7 +8620,14 @@
         <p:cNvGrpSpPr/>
         <p:nvPr/>
       </p:nvGrpSpPr>
-      <p:grpSpPr/>
+      <p:grpSpPr>
+        <a:xfrm>
+          <a:off x="0" y="0"/>
+          <a:ext cx="0" cy="0"/>
+          <a:chOff x="0" y="0"/>
+          <a:chExt cx="0" cy="0"/>
+        </a:xfrm>
+      </p:grpSpPr>
       <p:sp>
         <p:nvSpPr>
           <p:cNvPr id="6" name="文本框 5"/>
@@ -8394,7 +8637,7 @@
         <p:spPr>
           <a:xfrm>
             <a:off x="262255" y="758190"/>
-            <a:ext cx="11645265" cy="5939155"/>
+            <a:ext cx="11645265" cy="5354320"/>
           </a:xfrm>
           <a:prstGeom prst="rect">
             <a:avLst/>
@@ -8405,136 +8648,137 @@
           <a:bodyPr wrap="square" rtlCol="0">
             <a:spAutoFit/>
           </a:bodyPr>
-          <a:p>
-            <a:r>
-              <a:rPr lang="zh-CN" altLang="en-US" sz="2000" b="1">
+          <a:lstStyle/>
+          <a:p>
+            <a:r>
+              <a:rPr lang="zh-CN" altLang="en-US">
                 <a:latin typeface="宋体" panose="02010600030101010101" pitchFamily="2" charset="-122"/>
                 <a:ea typeface="宋体" panose="02010600030101010101" pitchFamily="2" charset="-122"/>
                 <a:cs typeface="宋体" panose="02010600030101010101" pitchFamily="2" charset="-122"/>
               </a:rPr>
               <a:t>英文字母：</a:t>
             </a:r>
-            <a:endParaRPr lang="zh-CN" altLang="en-US" sz="2000" b="1">
-              <a:latin typeface="宋体" panose="02010600030101010101" pitchFamily="2" charset="-122"/>
-              <a:ea typeface="宋体" panose="02010600030101010101" pitchFamily="2" charset="-122"/>
-              <a:cs typeface="宋体" panose="02010600030101010101" pitchFamily="2" charset="-122"/>
-            </a:endParaRPr>
-          </a:p>
-          <a:p>
-            <a:r>
-              <a:rPr lang="zh-CN" altLang="en-US" sz="2000" b="1">
+            <a:endParaRPr lang="zh-CN" altLang="en-US">
+              <a:latin typeface="宋体" panose="02010600030101010101" pitchFamily="2" charset="-122"/>
+              <a:ea typeface="宋体" panose="02010600030101010101" pitchFamily="2" charset="-122"/>
+              <a:cs typeface="宋体" panose="02010600030101010101" pitchFamily="2" charset="-122"/>
+            </a:endParaRPr>
+          </a:p>
+          <a:p>
+            <a:r>
+              <a:rPr lang="zh-CN" altLang="en-US">
                 <a:latin typeface="宋体" panose="02010600030101010101" pitchFamily="2" charset="-122"/>
                 <a:ea typeface="宋体" panose="02010600030101010101" pitchFamily="2" charset="-122"/>
                 <a:cs typeface="宋体" panose="02010600030101010101" pitchFamily="2" charset="-122"/>
               </a:rPr>
               <a:t>字节数 : 1;编码：GB2312</a:t>
             </a:r>
-            <a:endParaRPr lang="zh-CN" altLang="en-US" sz="2000" b="1">
-              <a:latin typeface="宋体" panose="02010600030101010101" pitchFamily="2" charset="-122"/>
-              <a:ea typeface="宋体" panose="02010600030101010101" pitchFamily="2" charset="-122"/>
-              <a:cs typeface="宋体" panose="02010600030101010101" pitchFamily="2" charset="-122"/>
-            </a:endParaRPr>
-          </a:p>
-          <a:p>
-            <a:r>
-              <a:rPr lang="zh-CN" altLang="en-US" sz="2000" b="1">
+            <a:endParaRPr lang="zh-CN" altLang="en-US">
+              <a:latin typeface="宋体" panose="02010600030101010101" pitchFamily="2" charset="-122"/>
+              <a:ea typeface="宋体" panose="02010600030101010101" pitchFamily="2" charset="-122"/>
+              <a:cs typeface="宋体" panose="02010600030101010101" pitchFamily="2" charset="-122"/>
+            </a:endParaRPr>
+          </a:p>
+          <a:p>
+            <a:r>
+              <a:rPr lang="zh-CN" altLang="en-US">
                 <a:latin typeface="宋体" panose="02010600030101010101" pitchFamily="2" charset="-122"/>
                 <a:ea typeface="宋体" panose="02010600030101010101" pitchFamily="2" charset="-122"/>
                 <a:cs typeface="宋体" panose="02010600030101010101" pitchFamily="2" charset="-122"/>
               </a:rPr>
               <a:t>字节数 : 1;编码：GBK</a:t>
             </a:r>
-            <a:endParaRPr lang="zh-CN" altLang="en-US" sz="2000" b="1">
-              <a:latin typeface="宋体" panose="02010600030101010101" pitchFamily="2" charset="-122"/>
-              <a:ea typeface="宋体" panose="02010600030101010101" pitchFamily="2" charset="-122"/>
-              <a:cs typeface="宋体" panose="02010600030101010101" pitchFamily="2" charset="-122"/>
-            </a:endParaRPr>
-          </a:p>
-          <a:p>
-            <a:r>
-              <a:rPr lang="zh-CN" altLang="en-US" sz="2000" b="1">
+            <a:endParaRPr lang="zh-CN" altLang="en-US">
+              <a:latin typeface="宋体" panose="02010600030101010101" pitchFamily="2" charset="-122"/>
+              <a:ea typeface="宋体" panose="02010600030101010101" pitchFamily="2" charset="-122"/>
+              <a:cs typeface="宋体" panose="02010600030101010101" pitchFamily="2" charset="-122"/>
+            </a:endParaRPr>
+          </a:p>
+          <a:p>
+            <a:r>
+              <a:rPr lang="zh-CN" altLang="en-US">
                 <a:latin typeface="宋体" panose="02010600030101010101" pitchFamily="2" charset="-122"/>
                 <a:ea typeface="宋体" panose="02010600030101010101" pitchFamily="2" charset="-122"/>
                 <a:cs typeface="宋体" panose="02010600030101010101" pitchFamily="2" charset="-122"/>
               </a:rPr>
               <a:t>字节数 : 1;编码：GB18030</a:t>
             </a:r>
-            <a:endParaRPr lang="zh-CN" altLang="en-US" sz="2000" b="1">
-              <a:latin typeface="宋体" panose="02010600030101010101" pitchFamily="2" charset="-122"/>
-              <a:ea typeface="宋体" panose="02010600030101010101" pitchFamily="2" charset="-122"/>
-              <a:cs typeface="宋体" panose="02010600030101010101" pitchFamily="2" charset="-122"/>
-            </a:endParaRPr>
-          </a:p>
-          <a:p>
-            <a:r>
-              <a:rPr lang="zh-CN" altLang="en-US" sz="2000" b="1">
+            <a:endParaRPr lang="zh-CN" altLang="en-US">
+              <a:latin typeface="宋体" panose="02010600030101010101" pitchFamily="2" charset="-122"/>
+              <a:ea typeface="宋体" panose="02010600030101010101" pitchFamily="2" charset="-122"/>
+              <a:cs typeface="宋体" panose="02010600030101010101" pitchFamily="2" charset="-122"/>
+            </a:endParaRPr>
+          </a:p>
+          <a:p>
+            <a:r>
+              <a:rPr lang="zh-CN" altLang="en-US">
                 <a:latin typeface="宋体" panose="02010600030101010101" pitchFamily="2" charset="-122"/>
                 <a:ea typeface="宋体" panose="02010600030101010101" pitchFamily="2" charset="-122"/>
                 <a:cs typeface="宋体" panose="02010600030101010101" pitchFamily="2" charset="-122"/>
               </a:rPr>
               <a:t>字节数 : 1;编码：ISO-8859-1</a:t>
             </a:r>
-            <a:endParaRPr lang="zh-CN" altLang="en-US" sz="2000" b="1">
-              <a:latin typeface="宋体" panose="02010600030101010101" pitchFamily="2" charset="-122"/>
-              <a:ea typeface="宋体" panose="02010600030101010101" pitchFamily="2" charset="-122"/>
-              <a:cs typeface="宋体" panose="02010600030101010101" pitchFamily="2" charset="-122"/>
-            </a:endParaRPr>
-          </a:p>
-          <a:p>
-            <a:r>
-              <a:rPr lang="zh-CN" altLang="en-US" sz="2000" b="1">
+            <a:endParaRPr lang="zh-CN" altLang="en-US">
+              <a:latin typeface="宋体" panose="02010600030101010101" pitchFamily="2" charset="-122"/>
+              <a:ea typeface="宋体" panose="02010600030101010101" pitchFamily="2" charset="-122"/>
+              <a:cs typeface="宋体" panose="02010600030101010101" pitchFamily="2" charset="-122"/>
+            </a:endParaRPr>
+          </a:p>
+          <a:p>
+            <a:r>
+              <a:rPr lang="zh-CN" altLang="en-US">
                 <a:latin typeface="宋体" panose="02010600030101010101" pitchFamily="2" charset="-122"/>
                 <a:ea typeface="宋体" panose="02010600030101010101" pitchFamily="2" charset="-122"/>
                 <a:cs typeface="宋体" panose="02010600030101010101" pitchFamily="2" charset="-122"/>
               </a:rPr>
               <a:t>字节数 : 1;编码：UTF-8</a:t>
             </a:r>
-            <a:endParaRPr lang="zh-CN" altLang="en-US" sz="2000" b="1">
-              <a:latin typeface="宋体" panose="02010600030101010101" pitchFamily="2" charset="-122"/>
-              <a:ea typeface="宋体" panose="02010600030101010101" pitchFamily="2" charset="-122"/>
-              <a:cs typeface="宋体" panose="02010600030101010101" pitchFamily="2" charset="-122"/>
-            </a:endParaRPr>
-          </a:p>
-          <a:p>
-            <a:r>
-              <a:rPr lang="zh-CN" altLang="en-US" sz="2000" b="1">
+            <a:endParaRPr lang="zh-CN" altLang="en-US">
+              <a:latin typeface="宋体" panose="02010600030101010101" pitchFamily="2" charset="-122"/>
+              <a:ea typeface="宋体" panose="02010600030101010101" pitchFamily="2" charset="-122"/>
+              <a:cs typeface="宋体" panose="02010600030101010101" pitchFamily="2" charset="-122"/>
+            </a:endParaRPr>
+          </a:p>
+          <a:p>
+            <a:r>
+              <a:rPr lang="zh-CN" altLang="en-US">
                 <a:latin typeface="宋体" panose="02010600030101010101" pitchFamily="2" charset="-122"/>
                 <a:ea typeface="宋体" panose="02010600030101010101" pitchFamily="2" charset="-122"/>
                 <a:cs typeface="宋体" panose="02010600030101010101" pitchFamily="2" charset="-122"/>
               </a:rPr>
               <a:t>字节数 : 4;编码：UTF-16</a:t>
             </a:r>
-            <a:endParaRPr lang="zh-CN" altLang="en-US" sz="2000" b="1">
-              <a:latin typeface="宋体" panose="02010600030101010101" pitchFamily="2" charset="-122"/>
-              <a:ea typeface="宋体" panose="02010600030101010101" pitchFamily="2" charset="-122"/>
-              <a:cs typeface="宋体" panose="02010600030101010101" pitchFamily="2" charset="-122"/>
-            </a:endParaRPr>
-          </a:p>
-          <a:p>
-            <a:r>
-              <a:rPr lang="zh-CN" altLang="en-US" sz="2000" b="1">
+            <a:endParaRPr lang="zh-CN" altLang="en-US">
+              <a:latin typeface="宋体" panose="02010600030101010101" pitchFamily="2" charset="-122"/>
+              <a:ea typeface="宋体" panose="02010600030101010101" pitchFamily="2" charset="-122"/>
+              <a:cs typeface="宋体" panose="02010600030101010101" pitchFamily="2" charset="-122"/>
+            </a:endParaRPr>
+          </a:p>
+          <a:p>
+            <a:r>
+              <a:rPr lang="zh-CN" altLang="en-US">
                 <a:latin typeface="宋体" panose="02010600030101010101" pitchFamily="2" charset="-122"/>
                 <a:ea typeface="宋体" panose="02010600030101010101" pitchFamily="2" charset="-122"/>
                 <a:cs typeface="宋体" panose="02010600030101010101" pitchFamily="2" charset="-122"/>
               </a:rPr>
               <a:t>字节数 : 2;编码：UTF-16BE</a:t>
             </a:r>
-            <a:endParaRPr lang="zh-CN" altLang="en-US" sz="2000" b="1">
-              <a:latin typeface="宋体" panose="02010600030101010101" pitchFamily="2" charset="-122"/>
-              <a:ea typeface="宋体" panose="02010600030101010101" pitchFamily="2" charset="-122"/>
-              <a:cs typeface="宋体" panose="02010600030101010101" pitchFamily="2" charset="-122"/>
-            </a:endParaRPr>
-          </a:p>
-          <a:p>
-            <a:r>
-              <a:rPr lang="zh-CN" altLang="en-US" sz="2000" b="1">
+            <a:endParaRPr lang="zh-CN" altLang="en-US">
+              <a:latin typeface="宋体" panose="02010600030101010101" pitchFamily="2" charset="-122"/>
+              <a:ea typeface="宋体" panose="02010600030101010101" pitchFamily="2" charset="-122"/>
+              <a:cs typeface="宋体" panose="02010600030101010101" pitchFamily="2" charset="-122"/>
+            </a:endParaRPr>
+          </a:p>
+          <a:p>
+            <a:r>
+              <a:rPr lang="zh-CN" altLang="en-US">
                 <a:latin typeface="宋体" panose="02010600030101010101" pitchFamily="2" charset="-122"/>
                 <a:ea typeface="宋体" panose="02010600030101010101" pitchFamily="2" charset="-122"/>
                 <a:cs typeface="宋体" panose="02010600030101010101" pitchFamily="2" charset="-122"/>
               </a:rPr>
               <a:t>字节数 : 2;编码：UTF-16LE</a:t>
             </a:r>
-            <a:endParaRPr lang="zh-CN" altLang="en-US" sz="2000" b="1">
+            <a:endParaRPr lang="zh-CN" altLang="en-US">
               <a:latin typeface="宋体" panose="02010600030101010101" pitchFamily="2" charset="-122"/>
               <a:ea typeface="宋体" panose="02010600030101010101" pitchFamily="2" charset="-122"/>
               <a:cs typeface="宋体" panose="02010600030101010101" pitchFamily="2" charset="-122"/>
@@ -8546,7 +8790,7 @@
               <a:buSzTx/>
               <a:buNone/>
             </a:pPr>
-            <a:endParaRPr lang="zh-CN" altLang="en-US" sz="2000" b="1">
+            <a:endParaRPr lang="zh-CN" altLang="en-US">
               <a:latin typeface="宋体" panose="02010600030101010101" pitchFamily="2" charset="-122"/>
               <a:ea typeface="宋体" panose="02010600030101010101" pitchFamily="2" charset="-122"/>
               <a:cs typeface="宋体" panose="02010600030101010101" pitchFamily="2" charset="-122"/>
@@ -8559,14 +8803,14 @@
               <a:buNone/>
             </a:pPr>
             <a:r>
-              <a:rPr lang="zh-CN" altLang="en-US" sz="2000" b="1">
+              <a:rPr lang="zh-CN" altLang="en-US">
                 <a:latin typeface="宋体" panose="02010600030101010101" pitchFamily="2" charset="-122"/>
                 <a:ea typeface="宋体" panose="02010600030101010101" pitchFamily="2" charset="-122"/>
                 <a:cs typeface="宋体" panose="02010600030101010101" pitchFamily="2" charset="-122"/>
               </a:rPr>
               <a:t>中文汉字：</a:t>
             </a:r>
-            <a:endParaRPr lang="zh-CN" altLang="en-US" sz="2000" b="1">
+            <a:endParaRPr lang="zh-CN" altLang="en-US">
               <a:latin typeface="宋体" panose="02010600030101010101" pitchFamily="2" charset="-122"/>
               <a:ea typeface="宋体" panose="02010600030101010101" pitchFamily="2" charset="-122"/>
               <a:cs typeface="宋体" panose="02010600030101010101" pitchFamily="2" charset="-122"/>
@@ -8579,14 +8823,14 @@
               <a:buNone/>
             </a:pPr>
             <a:r>
-              <a:rPr lang="zh-CN" altLang="en-US" sz="2000" b="1">
+              <a:rPr lang="zh-CN" altLang="en-US">
                 <a:latin typeface="宋体" panose="02010600030101010101" pitchFamily="2" charset="-122"/>
                 <a:ea typeface="宋体" panose="02010600030101010101" pitchFamily="2" charset="-122"/>
                 <a:cs typeface="宋体" panose="02010600030101010101" pitchFamily="2" charset="-122"/>
               </a:rPr>
               <a:t>字节数 : 2;编码：GB2312</a:t>
             </a:r>
-            <a:endParaRPr lang="zh-CN" altLang="en-US" sz="2000" b="1">
+            <a:endParaRPr lang="zh-CN" altLang="en-US">
               <a:latin typeface="宋体" panose="02010600030101010101" pitchFamily="2" charset="-122"/>
               <a:ea typeface="宋体" panose="02010600030101010101" pitchFamily="2" charset="-122"/>
               <a:cs typeface="宋体" panose="02010600030101010101" pitchFamily="2" charset="-122"/>
@@ -8599,14 +8843,14 @@
               <a:buNone/>
             </a:pPr>
             <a:r>
-              <a:rPr lang="zh-CN" altLang="en-US" sz="2000" b="1">
+              <a:rPr lang="zh-CN" altLang="en-US">
                 <a:latin typeface="宋体" panose="02010600030101010101" pitchFamily="2" charset="-122"/>
                 <a:ea typeface="宋体" panose="02010600030101010101" pitchFamily="2" charset="-122"/>
                 <a:cs typeface="宋体" panose="02010600030101010101" pitchFamily="2" charset="-122"/>
               </a:rPr>
               <a:t>字节数 : 2;编码：GBK</a:t>
             </a:r>
-            <a:endParaRPr lang="zh-CN" altLang="en-US" sz="2000" b="1">
+            <a:endParaRPr lang="zh-CN" altLang="en-US">
               <a:latin typeface="宋体" panose="02010600030101010101" pitchFamily="2" charset="-122"/>
               <a:ea typeface="宋体" panose="02010600030101010101" pitchFamily="2" charset="-122"/>
               <a:cs typeface="宋体" panose="02010600030101010101" pitchFamily="2" charset="-122"/>
@@ -8619,14 +8863,14 @@
               <a:buNone/>
             </a:pPr>
             <a:r>
-              <a:rPr lang="zh-CN" altLang="en-US" sz="2000" b="1">
+              <a:rPr lang="zh-CN" altLang="en-US">
                 <a:latin typeface="宋体" panose="02010600030101010101" pitchFamily="2" charset="-122"/>
                 <a:ea typeface="宋体" panose="02010600030101010101" pitchFamily="2" charset="-122"/>
                 <a:cs typeface="宋体" panose="02010600030101010101" pitchFamily="2" charset="-122"/>
               </a:rPr>
               <a:t>字节数 : 2;编码：GB18030</a:t>
             </a:r>
-            <a:endParaRPr lang="zh-CN" altLang="en-US" sz="2000" b="1">
+            <a:endParaRPr lang="zh-CN" altLang="en-US">
               <a:latin typeface="宋体" panose="02010600030101010101" pitchFamily="2" charset="-122"/>
               <a:ea typeface="宋体" panose="02010600030101010101" pitchFamily="2" charset="-122"/>
               <a:cs typeface="宋体" panose="02010600030101010101" pitchFamily="2" charset="-122"/>
@@ -8639,14 +8883,14 @@
               <a:buNone/>
             </a:pPr>
             <a:r>
-              <a:rPr lang="zh-CN" altLang="en-US" sz="2000" b="1">
+              <a:rPr lang="zh-CN" altLang="en-US">
                 <a:latin typeface="宋体" panose="02010600030101010101" pitchFamily="2" charset="-122"/>
                 <a:ea typeface="宋体" panose="02010600030101010101" pitchFamily="2" charset="-122"/>
                 <a:cs typeface="宋体" panose="02010600030101010101" pitchFamily="2" charset="-122"/>
               </a:rPr>
               <a:t>字节数 : 1;编码：ISO-8859-1</a:t>
             </a:r>
-            <a:endParaRPr lang="zh-CN" altLang="en-US" sz="2000" b="1">
+            <a:endParaRPr lang="zh-CN" altLang="en-US">
               <a:latin typeface="宋体" panose="02010600030101010101" pitchFamily="2" charset="-122"/>
               <a:ea typeface="宋体" panose="02010600030101010101" pitchFamily="2" charset="-122"/>
               <a:cs typeface="宋体" panose="02010600030101010101" pitchFamily="2" charset="-122"/>
@@ -8659,14 +8903,14 @@
               <a:buNone/>
             </a:pPr>
             <a:r>
-              <a:rPr lang="zh-CN" altLang="en-US" sz="2000" b="1">
+              <a:rPr lang="zh-CN" altLang="en-US">
                 <a:latin typeface="宋体" panose="02010600030101010101" pitchFamily="2" charset="-122"/>
                 <a:ea typeface="宋体" panose="02010600030101010101" pitchFamily="2" charset="-122"/>
                 <a:cs typeface="宋体" panose="02010600030101010101" pitchFamily="2" charset="-122"/>
               </a:rPr>
               <a:t>字节数 : 3;编码：UTF-8</a:t>
             </a:r>
-            <a:endParaRPr lang="zh-CN" altLang="en-US" sz="2000" b="1">
+            <a:endParaRPr lang="zh-CN" altLang="en-US">
               <a:latin typeface="宋体" panose="02010600030101010101" pitchFamily="2" charset="-122"/>
               <a:ea typeface="宋体" panose="02010600030101010101" pitchFamily="2" charset="-122"/>
               <a:cs typeface="宋体" panose="02010600030101010101" pitchFamily="2" charset="-122"/>
@@ -8679,14 +8923,14 @@
               <a:buNone/>
             </a:pPr>
             <a:r>
-              <a:rPr lang="zh-CN" altLang="en-US" sz="2000" b="1">
+              <a:rPr lang="zh-CN" altLang="en-US">
                 <a:latin typeface="宋体" panose="02010600030101010101" pitchFamily="2" charset="-122"/>
                 <a:ea typeface="宋体" panose="02010600030101010101" pitchFamily="2" charset="-122"/>
                 <a:cs typeface="宋体" panose="02010600030101010101" pitchFamily="2" charset="-122"/>
               </a:rPr>
               <a:t>字节数 : 4;编码：UTF-16</a:t>
             </a:r>
-            <a:endParaRPr lang="zh-CN" altLang="en-US" sz="2000" b="1">
+            <a:endParaRPr lang="zh-CN" altLang="en-US">
               <a:latin typeface="宋体" panose="02010600030101010101" pitchFamily="2" charset="-122"/>
               <a:ea typeface="宋体" panose="02010600030101010101" pitchFamily="2" charset="-122"/>
               <a:cs typeface="宋体" panose="02010600030101010101" pitchFamily="2" charset="-122"/>
@@ -8699,14 +8943,14 @@
               <a:buNone/>
             </a:pPr>
             <a:r>
-              <a:rPr lang="zh-CN" altLang="en-US" sz="2000" b="1">
+              <a:rPr lang="zh-CN" altLang="en-US">
                 <a:latin typeface="宋体" panose="02010600030101010101" pitchFamily="2" charset="-122"/>
                 <a:ea typeface="宋体" panose="02010600030101010101" pitchFamily="2" charset="-122"/>
                 <a:cs typeface="宋体" panose="02010600030101010101" pitchFamily="2" charset="-122"/>
               </a:rPr>
               <a:t>字节数 : 2;编码：UTF-16BE</a:t>
             </a:r>
-            <a:endParaRPr lang="zh-CN" altLang="en-US" sz="2000" b="1">
+            <a:endParaRPr lang="zh-CN" altLang="en-US">
               <a:latin typeface="宋体" panose="02010600030101010101" pitchFamily="2" charset="-122"/>
               <a:ea typeface="宋体" panose="02010600030101010101" pitchFamily="2" charset="-122"/>
               <a:cs typeface="宋体" panose="02010600030101010101" pitchFamily="2" charset="-122"/>
@@ -8719,14 +8963,14 @@
               <a:buNone/>
             </a:pPr>
             <a:r>
-              <a:rPr lang="zh-CN" altLang="en-US" sz="2000" b="1">
+              <a:rPr lang="zh-CN" altLang="en-US">
                 <a:latin typeface="宋体" panose="02010600030101010101" pitchFamily="2" charset="-122"/>
                 <a:ea typeface="宋体" panose="02010600030101010101" pitchFamily="2" charset="-122"/>
                 <a:cs typeface="宋体" panose="02010600030101010101" pitchFamily="2" charset="-122"/>
               </a:rPr>
               <a:t>字节数 : 2;编码：UTF-16LE</a:t>
             </a:r>
-            <a:endParaRPr lang="zh-CN" altLang="en-US" sz="2000" b="1">
+            <a:endParaRPr lang="zh-CN" altLang="en-US">
               <a:latin typeface="宋体" panose="02010600030101010101" pitchFamily="2" charset="-122"/>
               <a:ea typeface="宋体" panose="02010600030101010101" pitchFamily="2" charset="-122"/>
               <a:cs typeface="宋体" panose="02010600030101010101" pitchFamily="2" charset="-122"/>
@@ -8765,7 +9009,14 @@
         <p:cNvGrpSpPr/>
         <p:nvPr/>
       </p:nvGrpSpPr>
-      <p:grpSpPr/>
+      <p:grpSpPr>
+        <a:xfrm>
+          <a:off x="0" y="0"/>
+          <a:ext cx="0" cy="0"/>
+          <a:chOff x="0" y="0"/>
+          <a:chExt cx="0" cy="0"/>
+        </a:xfrm>
+      </p:grpSpPr>
       <p:sp>
         <p:nvSpPr>
           <p:cNvPr id="6" name="文本框 5"/>
@@ -8786,6 +9037,7 @@
           <a:bodyPr wrap="square" rtlCol="0">
             <a:spAutoFit/>
           </a:bodyPr>
+          <a:lstStyle/>
           <a:p>
             <a:r>
               <a:rPr lang="zh-CN" altLang="en-US">
@@ -8975,7 +9227,14 @@
         <p:cNvGrpSpPr/>
         <p:nvPr/>
       </p:nvGrpSpPr>
-      <p:grpSpPr/>
+      <p:grpSpPr>
+        <a:xfrm>
+          <a:off x="0" y="0"/>
+          <a:ext cx="0" cy="0"/>
+          <a:chOff x="0" y="0"/>
+          <a:chExt cx="0" cy="0"/>
+        </a:xfrm>
+      </p:grpSpPr>
       <p:sp>
         <p:nvSpPr>
           <p:cNvPr id="3" name="文本框 2"/>
@@ -8996,6 +9255,7 @@
           <a:bodyPr wrap="square" rtlCol="0">
             <a:spAutoFit/>
           </a:bodyPr>
+          <a:lstStyle/>
           <a:p>
             <a:r>
               <a:rPr lang="en-US" altLang="zh-CN" sz="3200"/>
@@ -9029,6 +9289,7 @@
           <a:bodyPr wrap="square" rtlCol="0">
             <a:spAutoFit/>
           </a:bodyPr>
+          <a:lstStyle/>
           <a:p>
             <a:r>
               <a:rPr lang="en-US" altLang="zh-CN"/>
@@ -9232,6 +9493,7 @@
           <a:bodyPr wrap="square" rtlCol="0">
             <a:spAutoFit/>
           </a:bodyPr>
+          <a:lstStyle/>
           <a:p>
             <a:r>
               <a:rPr lang="zh-CN" altLang="en-US"/>
@@ -9332,7 +9594,14 @@
         <p:cNvGrpSpPr/>
         <p:nvPr/>
       </p:nvGrpSpPr>
-      <p:grpSpPr/>
+      <p:grpSpPr>
+        <a:xfrm>
+          <a:off x="0" y="0"/>
+          <a:ext cx="0" cy="0"/>
+          <a:chOff x="0" y="0"/>
+          <a:chExt cx="0" cy="0"/>
+        </a:xfrm>
+      </p:grpSpPr>
       <p:sp>
         <p:nvSpPr>
           <p:cNvPr id="3" name="文本框 2"/>
@@ -9353,6 +9622,7 @@
           <a:bodyPr wrap="square" rtlCol="0">
             <a:spAutoFit/>
           </a:bodyPr>
+          <a:lstStyle/>
           <a:p>
             <a:r>
               <a:rPr lang="zh-CN" altLang="en-US" sz="3200"/>
@@ -9382,6 +9652,7 @@
           <a:bodyPr wrap="square" rtlCol="0">
             <a:spAutoFit/>
           </a:bodyPr>
+          <a:lstStyle/>
           <a:p>
             <a:r>
               <a:rPr lang="zh-CN" altLang="en-US" sz="1400">
@@ -9661,7 +9932,14 @@
         <p:cNvGrpSpPr/>
         <p:nvPr/>
       </p:nvGrpSpPr>
-      <p:grpSpPr/>
+      <p:grpSpPr>
+        <a:xfrm>
+          <a:off x="0" y="0"/>
+          <a:ext cx="0" cy="0"/>
+          <a:chOff x="0" y="0"/>
+          <a:chExt cx="0" cy="0"/>
+        </a:xfrm>
+      </p:grpSpPr>
       <p:sp>
         <p:nvSpPr>
           <p:cNvPr id="3" name="文本框 2"/>
@@ -9682,6 +9960,7 @@
           <a:bodyPr wrap="square" rtlCol="0">
             <a:spAutoFit/>
           </a:bodyPr>
+          <a:lstStyle/>
           <a:p>
             <a:r>
               <a:rPr lang="zh-CN" altLang="en-US" sz="3200"/>
@@ -9746,7 +10025,14 @@
         <p:cNvGrpSpPr/>
         <p:nvPr/>
       </p:nvGrpSpPr>
-      <p:grpSpPr/>
+      <p:grpSpPr>
+        <a:xfrm>
+          <a:off x="0" y="0"/>
+          <a:ext cx="0" cy="0"/>
+          <a:chOff x="0" y="0"/>
+          <a:chExt cx="0" cy="0"/>
+        </a:xfrm>
+      </p:grpSpPr>
       <p:sp>
         <p:nvSpPr>
           <p:cNvPr id="3" name="文本框 2"/>
@@ -9767,6 +10053,7 @@
           <a:bodyPr wrap="square" rtlCol="0">
             <a:spAutoFit/>
           </a:bodyPr>
+          <a:lstStyle/>
           <a:p>
             <a:r>
               <a:rPr lang="en-US" altLang="zh-CN" sz="3200"/>
@@ -9800,6 +10087,7 @@
           <a:bodyPr wrap="square" rtlCol="0">
             <a:spAutoFit/>
           </a:bodyPr>
+          <a:lstStyle/>
           <a:p>
             <a:r>
               <a:rPr lang="zh-CN" altLang="en-US"/>
@@ -9996,7 +10284,14 @@
         <p:cNvGrpSpPr/>
         <p:nvPr/>
       </p:nvGrpSpPr>
-      <p:grpSpPr/>
+      <p:grpSpPr>
+        <a:xfrm>
+          <a:off x="0" y="0"/>
+          <a:ext cx="0" cy="0"/>
+          <a:chOff x="0" y="0"/>
+          <a:chExt cx="0" cy="0"/>
+        </a:xfrm>
+      </p:grpSpPr>
       <p:sp>
         <p:nvSpPr>
           <p:cNvPr id="59" name="文本框 58"/>
@@ -10017,6 +10312,7 @@
           <a:bodyPr wrap="square" rtlCol="0">
             <a:spAutoFit/>
           </a:bodyPr>
+          <a:lstStyle/>
           <a:p>
             <a:r>
               <a:rPr lang="zh-CN" altLang="en-US">
@@ -10052,6 +10348,7 @@
           <a:bodyPr wrap="square" rtlCol="0">
             <a:spAutoFit/>
           </a:bodyPr>
+          <a:lstStyle/>
           <a:p>
             <a:r>
               <a:rPr lang="zh-CN" altLang="en-US">
@@ -10087,6 +10384,7 @@
           <a:bodyPr wrap="square" rtlCol="0">
             <a:spAutoFit/>
           </a:bodyPr>
+          <a:lstStyle/>
           <a:p>
             <a:r>
               <a:rPr lang="zh-CN" altLang="en-US">
@@ -10122,6 +10420,7 @@
           <a:bodyPr wrap="square" rtlCol="0">
             <a:spAutoFit/>
           </a:bodyPr>
+          <a:lstStyle/>
           <a:p>
             <a:r>
               <a:rPr lang="zh-CN" altLang="en-US">
@@ -10157,6 +10456,7 @@
           <a:bodyPr wrap="square" rtlCol="0">
             <a:spAutoFit/>
           </a:bodyPr>
+          <a:lstStyle/>
           <a:p>
             <a:r>
               <a:rPr lang="zh-CN" altLang="en-US">
@@ -10199,6 +10499,7 @@
           <a:bodyPr wrap="square" rtlCol="0">
             <a:spAutoFit/>
           </a:bodyPr>
+          <a:lstStyle/>
           <a:p>
             <a:r>
               <a:rPr lang="zh-CN" altLang="en-US">
@@ -10212,14 +10513,7 @@
                 <a:latin typeface="宋体" panose="02010600030101010101" pitchFamily="2" charset="-122"/>
                 <a:ea typeface="宋体" panose="02010600030101010101" pitchFamily="2" charset="-122"/>
               </a:rPr>
-              <a:t>(</a:t>
-            </a:r>
-            <a:r>
-              <a:rPr lang="en-US" altLang="zh-CN">
-                <a:latin typeface="宋体" panose="02010600030101010101" pitchFamily="2" charset="-122"/>
-                <a:ea typeface="宋体" panose="02010600030101010101" pitchFamily="2" charset="-122"/>
-              </a:rPr>
-              <a:t>boolean)</a:t>
+              <a:t>(boolean)</a:t>
             </a:r>
             <a:endParaRPr lang="zh-CN" altLang="en-US">
               <a:latin typeface="宋体" panose="02010600030101010101" pitchFamily="2" charset="-122"/>
@@ -10248,6 +10542,7 @@
           <a:bodyPr wrap="square" rtlCol="0">
             <a:spAutoFit/>
           </a:bodyPr>
+          <a:lstStyle/>
           <a:p>
             <a:r>
               <a:rPr lang="zh-CN" altLang="en-US">
@@ -10303,14 +10598,7 @@
                 <a:latin typeface="宋体" panose="02010600030101010101" pitchFamily="2" charset="-122"/>
                 <a:ea typeface="宋体" panose="02010600030101010101" pitchFamily="2" charset="-122"/>
               </a:rPr>
-              <a:t>long</a:t>
-            </a:r>
-            <a:r>
-              <a:rPr lang="en-US" altLang="zh-CN">
-                <a:latin typeface="宋体" panose="02010600030101010101" pitchFamily="2" charset="-122"/>
-                <a:ea typeface="宋体" panose="02010600030101010101" pitchFamily="2" charset="-122"/>
-              </a:rPr>
-              <a:t>)</a:t>
+              <a:t>long)</a:t>
             </a:r>
             <a:endParaRPr lang="en-US" altLang="zh-CN">
               <a:latin typeface="宋体" panose="02010600030101010101" pitchFamily="2" charset="-122"/>
@@ -10339,6 +10627,7 @@
           <a:bodyPr wrap="square" rtlCol="0">
             <a:spAutoFit/>
           </a:bodyPr>
+          <a:lstStyle/>
           <a:p>
             <a:r>
               <a:rPr lang="zh-CN" altLang="en-US">
@@ -10366,14 +10655,7 @@
                 <a:latin typeface="宋体" panose="02010600030101010101" pitchFamily="2" charset="-122"/>
                 <a:ea typeface="宋体" panose="02010600030101010101" pitchFamily="2" charset="-122"/>
               </a:rPr>
-              <a:t>double</a:t>
-            </a:r>
-            <a:r>
-              <a:rPr lang="en-US" altLang="zh-CN">
-                <a:latin typeface="宋体" panose="02010600030101010101" pitchFamily="2" charset="-122"/>
-                <a:ea typeface="宋体" panose="02010600030101010101" pitchFamily="2" charset="-122"/>
-              </a:rPr>
-              <a:t>)</a:t>
+              <a:t>double)</a:t>
             </a:r>
             <a:endParaRPr lang="en-US" altLang="zh-CN">
               <a:latin typeface="宋体" panose="02010600030101010101" pitchFamily="2" charset="-122"/>
@@ -10402,6 +10684,7 @@
           <a:bodyPr wrap="square" rtlCol="0">
             <a:spAutoFit/>
           </a:bodyPr>
+          <a:lstStyle/>
           <a:p>
             <a:r>
               <a:rPr lang="zh-CN" altLang="en-US">
@@ -10444,6 +10727,7 @@
           <a:bodyPr wrap="square" rtlCol="0">
             <a:spAutoFit/>
           </a:bodyPr>
+          <a:lstStyle/>
           <a:p>
             <a:r>
               <a:rPr lang="zh-CN" altLang="en-US">
@@ -10457,14 +10741,7 @@
                 <a:latin typeface="宋体" panose="02010600030101010101" pitchFamily="2" charset="-122"/>
                 <a:ea typeface="宋体" panose="02010600030101010101" pitchFamily="2" charset="-122"/>
               </a:rPr>
-              <a:t>(interface</a:t>
-            </a:r>
-            <a:r>
-              <a:rPr lang="en-US" altLang="zh-CN">
-                <a:latin typeface="宋体" panose="02010600030101010101" pitchFamily="2" charset="-122"/>
-                <a:ea typeface="宋体" panose="02010600030101010101" pitchFamily="2" charset="-122"/>
-              </a:rPr>
-              <a:t>)</a:t>
+              <a:t>(interface)</a:t>
             </a:r>
             <a:endParaRPr lang="en-US" altLang="zh-CN">
               <a:latin typeface="宋体" panose="02010600030101010101" pitchFamily="2" charset="-122"/>
@@ -10493,6 +10770,7 @@
           <a:bodyPr wrap="square" rtlCol="0">
             <a:spAutoFit/>
           </a:bodyPr>
+          <a:lstStyle/>
           <a:p>
             <a:r>
               <a:rPr lang="zh-CN" altLang="en-US">
@@ -10506,14 +10784,7 @@
                 <a:latin typeface="宋体" panose="02010600030101010101" pitchFamily="2" charset="-122"/>
                 <a:ea typeface="宋体" panose="02010600030101010101" pitchFamily="2" charset="-122"/>
               </a:rPr>
-              <a:t>(Array</a:t>
-            </a:r>
-            <a:r>
-              <a:rPr lang="en-US" altLang="zh-CN">
-                <a:latin typeface="宋体" panose="02010600030101010101" pitchFamily="2" charset="-122"/>
-                <a:ea typeface="宋体" panose="02010600030101010101" pitchFamily="2" charset="-122"/>
-              </a:rPr>
-              <a:t>)</a:t>
+              <a:t>(Array)</a:t>
             </a:r>
             <a:endParaRPr lang="en-US" altLang="zh-CN">
               <a:latin typeface="宋体" panose="02010600030101010101" pitchFamily="2" charset="-122"/>
@@ -10553,6 +10824,7 @@
         </p:style>
         <p:txBody>
           <a:bodyPr rtlCol="0" anchor="ctr"/>
+          <a:lstStyle/>
           <a:p>
             <a:pPr algn="ctr"/>
             <a:endParaRPr lang="zh-CN" altLang="en-US"/>
@@ -10590,6 +10862,7 @@
         </p:style>
         <p:txBody>
           <a:bodyPr rtlCol="0" anchor="ctr"/>
+          <a:lstStyle/>
           <a:p>
             <a:pPr algn="ctr"/>
             <a:endParaRPr lang="zh-CN" altLang="en-US"/>
@@ -10627,6 +10900,7 @@
         </p:style>
         <p:txBody>
           <a:bodyPr rtlCol="0" anchor="ctr"/>
+          <a:lstStyle/>
           <a:p>
             <a:pPr algn="ctr"/>
             <a:endParaRPr lang="zh-CN" altLang="en-US"/>
@@ -10664,6 +10938,7 @@
         </p:style>
         <p:txBody>
           <a:bodyPr rtlCol="0" anchor="ctr"/>
+          <a:lstStyle/>
           <a:p>
             <a:pPr algn="ctr"/>
             <a:endParaRPr lang="zh-CN" altLang="en-US"/>
@@ -12171,7 +12446,14 @@
         <p:cNvGrpSpPr/>
         <p:nvPr/>
       </p:nvGrpSpPr>
-      <p:grpSpPr/>
+      <p:grpSpPr>
+        <a:xfrm>
+          <a:off x="0" y="0"/>
+          <a:ext cx="0" cy="0"/>
+          <a:chOff x="0" y="0"/>
+          <a:chExt cx="0" cy="0"/>
+        </a:xfrm>
+      </p:grpSpPr>
       <p:sp>
         <p:nvSpPr>
           <p:cNvPr id="2" name="文本框 1"/>
@@ -12192,6 +12474,7 @@
           <a:bodyPr wrap="square" rtlCol="0">
             <a:spAutoFit/>
           </a:bodyPr>
+          <a:lstStyle/>
           <a:p>
             <a:r>
               <a:rPr lang="zh-CN" altLang="en-US" sz="1200">
@@ -12729,7 +13012,14 @@
         <p:cNvGrpSpPr/>
         <p:nvPr/>
       </p:nvGrpSpPr>
-      <p:grpSpPr/>
+      <p:grpSpPr>
+        <a:xfrm>
+          <a:off x="0" y="0"/>
+          <a:ext cx="0" cy="0"/>
+          <a:chOff x="0" y="0"/>
+          <a:chExt cx="0" cy="0"/>
+        </a:xfrm>
+      </p:grpSpPr>
       <p:sp>
         <p:nvSpPr>
           <p:cNvPr id="2" name="文本框 1"/>
@@ -12750,6 +13040,7 @@
           <a:bodyPr wrap="square" rtlCol="0">
             <a:spAutoFit/>
           </a:bodyPr>
+          <a:lstStyle/>
           <a:p>
             <a:r>
               <a:rPr lang="zh-CN" altLang="en-US" sz="1200">
@@ -13224,7 +13515,14 @@
         <p:cNvGrpSpPr/>
         <p:nvPr/>
       </p:nvGrpSpPr>
-      <p:grpSpPr/>
+      <p:grpSpPr>
+        <a:xfrm>
+          <a:off x="0" y="0"/>
+          <a:ext cx="0" cy="0"/>
+          <a:chOff x="0" y="0"/>
+          <a:chExt cx="0" cy="0"/>
+        </a:xfrm>
+      </p:grpSpPr>
       <p:sp>
         <p:nvSpPr>
           <p:cNvPr id="3" name="文本框 2"/>
@@ -13245,14 +13543,11 @@
           <a:bodyPr wrap="square" rtlCol="0">
             <a:spAutoFit/>
           </a:bodyPr>
+          <a:lstStyle/>
           <a:p>
             <a:r>
               <a:rPr lang="zh-CN" altLang="en-US" sz="3200"/>
-              <a:t>练习：基本类型测试（边界打印</a:t>
-            </a:r>
-            <a:r>
-              <a:rPr lang="zh-CN" altLang="en-US" sz="3200"/>
-              <a:t>）</a:t>
+              <a:t>练习：基本类型测试（边界打印）</a:t>
             </a:r>
             <a:endParaRPr lang="zh-CN" altLang="en-US" sz="3200"/>
           </a:p>
@@ -13337,7 +13632,14 @@
         <p:cNvGrpSpPr/>
         <p:nvPr/>
       </p:nvGrpSpPr>
-      <p:grpSpPr/>
+      <p:grpSpPr>
+        <a:xfrm>
+          <a:off x="0" y="0"/>
+          <a:ext cx="0" cy="0"/>
+          <a:chOff x="0" y="0"/>
+          <a:chExt cx="0" cy="0"/>
+        </a:xfrm>
+      </p:grpSpPr>
       <p:pic>
         <p:nvPicPr>
           <p:cNvPr id="4" name="图片 3"/>
@@ -13382,6 +13684,7 @@
           <a:bodyPr wrap="square" rtlCol="0">
             <a:spAutoFit/>
           </a:bodyPr>
+          <a:lstStyle/>
           <a:p>
             <a:r>
               <a:rPr lang="zh-CN" altLang="en-US" sz="1600">
@@ -13534,7 +13837,14 @@
         <p:cNvGrpSpPr/>
         <p:nvPr/>
       </p:nvGrpSpPr>
-      <p:grpSpPr/>
+      <p:grpSpPr>
+        <a:xfrm>
+          <a:off x="0" y="0"/>
+          <a:ext cx="0" cy="0"/>
+          <a:chOff x="0" y="0"/>
+          <a:chExt cx="0" cy="0"/>
+        </a:xfrm>
+      </p:grpSpPr>
       <p:sp>
         <p:nvSpPr>
           <p:cNvPr id="10" name="文本框 9"/>
@@ -13555,10 +13865,11 @@
           <a:bodyPr wrap="square" rtlCol="0">
             <a:spAutoFit/>
           </a:bodyPr>
+          <a:lstStyle/>
           <a:p>
             <a:r>
               <a:rPr lang="en-US" altLang="zh-CN"/>
-              <a:t>1111</a:t>
+              <a:t>0111</a:t>
             </a:r>
             <a:endParaRPr lang="en-US" altLang="zh-CN"/>
           </a:p>
@@ -13584,6 +13895,7 @@
           <a:bodyPr wrap="square" rtlCol="0">
             <a:spAutoFit/>
           </a:bodyPr>
+          <a:lstStyle/>
           <a:p>
             <a:r>
               <a:rPr lang="en-US" altLang="zh-CN"/>
@@ -13613,10 +13925,11 @@
           <a:bodyPr wrap="square" rtlCol="0">
             <a:spAutoFit/>
           </a:bodyPr>
+          <a:lstStyle/>
           <a:p>
             <a:r>
               <a:rPr lang="en-US" altLang="zh-CN"/>
-              <a:t>0001</a:t>
+              <a:t>0000</a:t>
             </a:r>
             <a:endParaRPr lang="en-US" altLang="zh-CN"/>
           </a:p>
@@ -13642,10 +13955,11 @@
           <a:bodyPr wrap="square" rtlCol="0">
             <a:spAutoFit/>
           </a:bodyPr>
+          <a:lstStyle/>
           <a:p>
             <a:r>
               <a:rPr lang="en-US" altLang="zh-CN"/>
-              <a:t>0000</a:t>
+              <a:t>1000</a:t>
             </a:r>
             <a:endParaRPr lang="en-US" altLang="zh-CN"/>
           </a:p>
@@ -13671,6 +13985,7 @@
           <a:bodyPr wrap="square" rtlCol="0">
             <a:spAutoFit/>
           </a:bodyPr>
+          <a:lstStyle/>
           <a:p>
             <a:r>
               <a:rPr lang="en-US" altLang="zh-CN"/>
@@ -13728,6 +14043,7 @@
         </p:style>
         <p:txBody>
           <a:bodyPr rtlCol="0" anchor="ctr"/>
+          <a:lstStyle/>
           <a:p>
             <a:pPr algn="ctr"/>
             <a:endParaRPr lang="zh-CN" altLang="en-US"/>
@@ -13765,6 +14081,7 @@
         </p:style>
         <p:txBody>
           <a:bodyPr rtlCol="0" anchor="ctr"/>
+          <a:lstStyle/>
           <a:p>
             <a:pPr algn="ctr"/>
             <a:endParaRPr lang="zh-CN" altLang="en-US">
@@ -13795,6 +14112,7 @@
           <a:bodyPr wrap="square" rtlCol="0">
             <a:spAutoFit/>
           </a:bodyPr>
+          <a:lstStyle/>
           <a:p>
             <a:r>
               <a:rPr lang="zh-CN" altLang="en-US" sz="1600">
@@ -13837,10 +14155,11 @@
           <a:bodyPr wrap="square" rtlCol="0">
             <a:spAutoFit/>
           </a:bodyPr>
+          <a:lstStyle/>
           <a:p>
             <a:r>
               <a:rPr lang="en-US" altLang="zh-CN"/>
-              <a:t>1111</a:t>
+              <a:t>0111</a:t>
             </a:r>
             <a:endParaRPr lang="en-US" altLang="zh-CN"/>
           </a:p>
@@ -13866,6 +14185,7 @@
           <a:bodyPr wrap="square" rtlCol="0">
             <a:spAutoFit/>
           </a:bodyPr>
+          <a:lstStyle/>
           <a:p>
             <a:r>
               <a:rPr lang="en-US" altLang="zh-CN"/>
@@ -13895,6 +14215,7 @@
           <a:bodyPr wrap="square" rtlCol="0">
             <a:spAutoFit/>
           </a:bodyPr>
+          <a:lstStyle/>
           <a:p>
             <a:r>
               <a:rPr lang="en-US" altLang="zh-CN"/>
@@ -13924,6 +14245,7 @@
           <a:bodyPr wrap="square" rtlCol="0">
             <a:spAutoFit/>
           </a:bodyPr>
+          <a:lstStyle/>
           <a:p>
             <a:r>
               <a:rPr lang="en-US" altLang="zh-CN"/>
@@ -13953,10 +14275,11 @@
           <a:bodyPr wrap="square" rtlCol="0">
             <a:spAutoFit/>
           </a:bodyPr>
+          <a:lstStyle/>
           <a:p>
             <a:r>
               <a:rPr lang="en-US" altLang="zh-CN"/>
-              <a:t>0001</a:t>
+              <a:t>0000</a:t>
             </a:r>
             <a:endParaRPr lang="en-US" altLang="zh-CN"/>
           </a:p>
@@ -13982,10 +14305,11 @@
           <a:bodyPr wrap="square" rtlCol="0">
             <a:spAutoFit/>
           </a:bodyPr>
+          <a:lstStyle/>
           <a:p>
             <a:r>
               <a:rPr lang="en-US" altLang="zh-CN"/>
-              <a:t>0000</a:t>
+              <a:t>1000</a:t>
             </a:r>
             <a:endParaRPr lang="en-US" altLang="zh-CN"/>
           </a:p>
@@ -14011,6 +14335,7 @@
           <a:bodyPr wrap="square" rtlCol="0">
             <a:spAutoFit/>
           </a:bodyPr>
+          <a:lstStyle/>
           <a:p>
             <a:r>
               <a:rPr lang="en-US" altLang="zh-CN"/>
@@ -14040,6 +14365,7 @@
           <a:bodyPr wrap="square" rtlCol="0">
             <a:spAutoFit/>
           </a:bodyPr>
+          <a:lstStyle/>
           <a:p>
             <a:r>
               <a:rPr lang="en-US" altLang="zh-CN"/>
@@ -14069,6 +14395,7 @@
           <a:bodyPr wrap="square" rtlCol="0">
             <a:spAutoFit/>
           </a:bodyPr>
+          <a:lstStyle/>
           <a:p>
             <a:r>
               <a:rPr lang="en-US" altLang="zh-CN"/>
@@ -14126,6 +14453,7 @@
         </p:style>
         <p:txBody>
           <a:bodyPr rtlCol="0" anchor="ctr"/>
+          <a:lstStyle/>
           <a:p>
             <a:pPr algn="ctr"/>
             <a:endParaRPr lang="zh-CN" altLang="en-US"/>
@@ -14163,6 +14491,7 @@
         </p:style>
         <p:txBody>
           <a:bodyPr rtlCol="0" anchor="ctr"/>
+          <a:lstStyle/>
           <a:p>
             <a:pPr algn="ctr"/>
             <a:endParaRPr lang="zh-CN" altLang="en-US">
@@ -14193,6 +14522,7 @@
           <a:bodyPr wrap="square" rtlCol="0">
             <a:spAutoFit/>
           </a:bodyPr>
+          <a:lstStyle/>
           <a:p>
             <a:r>
               <a:rPr lang="zh-CN" altLang="en-US" sz="1600">
@@ -14235,10 +14565,11 @@
           <a:bodyPr wrap="square" rtlCol="0">
             <a:spAutoFit/>
           </a:bodyPr>
+          <a:lstStyle/>
           <a:p>
             <a:r>
               <a:rPr lang="en-US" altLang="zh-CN"/>
-              <a:t>0001</a:t>
+              <a:t>0000</a:t>
             </a:r>
             <a:endParaRPr lang="en-US" altLang="zh-CN"/>
           </a:p>
@@ -14264,10 +14595,11 @@
           <a:bodyPr wrap="square" rtlCol="0">
             <a:spAutoFit/>
           </a:bodyPr>
+          <a:lstStyle/>
           <a:p>
             <a:r>
               <a:rPr lang="en-US" altLang="zh-CN"/>
-              <a:t>1111</a:t>
+              <a:t>0111</a:t>
             </a:r>
             <a:endParaRPr lang="en-US" altLang="zh-CN"/>
           </a:p>
@@ -14293,6 +14625,7 @@
           <a:bodyPr wrap="square" rtlCol="0">
             <a:spAutoFit/>
           </a:bodyPr>
+          <a:lstStyle/>
           <a:p>
             <a:r>
               <a:rPr lang="en-US" altLang="zh-CN"/>
@@ -14322,6 +14655,7 @@
           <a:bodyPr wrap="square" rtlCol="0">
             <a:spAutoFit/>
           </a:bodyPr>
+          <a:lstStyle/>
           <a:p>
             <a:r>
               <a:rPr lang="en-US" altLang="zh-CN"/>
@@ -14351,6 +14685,7 @@
           <a:bodyPr wrap="square" rtlCol="0">
             <a:spAutoFit/>
           </a:bodyPr>
+          <a:lstStyle/>
           <a:p>
             <a:r>
               <a:rPr lang="en-US" altLang="zh-CN"/>
@@ -14380,6 +14715,7 @@
           <a:bodyPr wrap="square" rtlCol="0">
             <a:spAutoFit/>
           </a:bodyPr>
+          <a:lstStyle/>
           <a:p>
             <a:r>
               <a:rPr lang="en-US" altLang="zh-CN"/>
@@ -14409,6 +14745,7 @@
           <a:bodyPr wrap="square" rtlCol="0">
             <a:spAutoFit/>
           </a:bodyPr>
+          <a:lstStyle/>
           <a:p>
             <a:r>
               <a:rPr lang="en-US" altLang="zh-CN"/>
@@ -14438,6 +14775,7 @@
           <a:bodyPr wrap="square" rtlCol="0">
             <a:spAutoFit/>
           </a:bodyPr>
+          <a:lstStyle/>
           <a:p>
             <a:r>
               <a:rPr lang="en-US" altLang="zh-CN"/>
@@ -14467,6 +14805,7 @@
           <a:bodyPr wrap="square" rtlCol="0">
             <a:spAutoFit/>
           </a:bodyPr>
+          <a:lstStyle/>
           <a:p>
             <a:r>
               <a:rPr lang="en-US" altLang="zh-CN"/>
@@ -14496,10 +14835,11 @@
           <a:bodyPr wrap="square" rtlCol="0">
             <a:spAutoFit/>
           </a:bodyPr>
+          <a:lstStyle/>
           <a:p>
             <a:r>
               <a:rPr lang="en-US" altLang="zh-CN"/>
-              <a:t>0000</a:t>
+              <a:t>1000</a:t>
             </a:r>
             <a:endParaRPr lang="en-US" altLang="zh-CN"/>
           </a:p>
@@ -14525,6 +14865,7 @@
           <a:bodyPr wrap="square" rtlCol="0">
             <a:spAutoFit/>
           </a:bodyPr>
+          <a:lstStyle/>
           <a:p>
             <a:r>
               <a:rPr lang="en-US" altLang="zh-CN"/>
@@ -14554,6 +14895,7 @@
           <a:bodyPr wrap="square" rtlCol="0">
             <a:spAutoFit/>
           </a:bodyPr>
+          <a:lstStyle/>
           <a:p>
             <a:r>
               <a:rPr lang="en-US" altLang="zh-CN"/>
@@ -14583,6 +14925,7 @@
           <a:bodyPr wrap="square" rtlCol="0">
             <a:spAutoFit/>
           </a:bodyPr>
+          <a:lstStyle/>
           <a:p>
             <a:r>
               <a:rPr lang="en-US" altLang="zh-CN"/>
@@ -14612,6 +14955,7 @@
           <a:bodyPr wrap="square" rtlCol="0">
             <a:spAutoFit/>
           </a:bodyPr>
+          <a:lstStyle/>
           <a:p>
             <a:r>
               <a:rPr lang="en-US" altLang="zh-CN"/>
@@ -14641,6 +14985,7 @@
           <a:bodyPr wrap="square" rtlCol="0">
             <a:spAutoFit/>
           </a:bodyPr>
+          <a:lstStyle/>
           <a:p>
             <a:r>
               <a:rPr lang="en-US" altLang="zh-CN"/>
@@ -14670,6 +15015,7 @@
           <a:bodyPr wrap="square" rtlCol="0">
             <a:spAutoFit/>
           </a:bodyPr>
+          <a:lstStyle/>
           <a:p>
             <a:r>
               <a:rPr lang="en-US" altLang="zh-CN"/>
@@ -14699,6 +15045,7 @@
           <a:bodyPr wrap="square" rtlCol="0">
             <a:spAutoFit/>
           </a:bodyPr>
+          <a:lstStyle/>
           <a:p>
             <a:r>
               <a:rPr lang="en-US" altLang="zh-CN"/>
@@ -14756,6 +15103,7 @@
         </p:style>
         <p:txBody>
           <a:bodyPr rtlCol="0" anchor="ctr"/>
+          <a:lstStyle/>
           <a:p>
             <a:pPr algn="ctr"/>
             <a:endParaRPr lang="zh-CN" altLang="en-US"/>
@@ -14793,6 +15141,7 @@
         </p:style>
         <p:txBody>
           <a:bodyPr rtlCol="0" anchor="ctr"/>
+          <a:lstStyle/>
           <a:p>
             <a:pPr algn="ctr"/>
             <a:endParaRPr lang="zh-CN" altLang="en-US">
@@ -14823,6 +15172,7 @@
           <a:bodyPr wrap="square" rtlCol="0">
             <a:spAutoFit/>
           </a:bodyPr>
+          <a:lstStyle/>
           <a:p>
             <a:r>
               <a:rPr lang="zh-CN" altLang="en-US" sz="1600">
@@ -14865,6 +15215,7 @@
           <a:bodyPr wrap="square" rtlCol="0">
             <a:spAutoFit/>
           </a:bodyPr>
+          <a:lstStyle/>
           <a:p>
             <a:r>
               <a:rPr lang="en-US" altLang="zh-CN"/>
@@ -14894,6 +15245,7 @@
           <a:bodyPr wrap="square" rtlCol="0">
             <a:spAutoFit/>
           </a:bodyPr>
+          <a:lstStyle/>
           <a:p>
             <a:r>
               <a:rPr lang="en-US" altLang="zh-CN"/>
@@ -14923,6 +15275,7 @@
           <a:bodyPr wrap="square" rtlCol="0">
             <a:spAutoFit/>
           </a:bodyPr>
+          <a:lstStyle/>
           <a:p>
             <a:r>
               <a:rPr lang="en-US" altLang="zh-CN"/>
@@ -14952,6 +15305,7 @@
           <a:bodyPr wrap="square" rtlCol="0">
             <a:spAutoFit/>
           </a:bodyPr>
+          <a:lstStyle/>
           <a:p>
             <a:r>
               <a:rPr lang="en-US" altLang="zh-CN"/>
@@ -14981,6 +15335,7 @@
           <a:bodyPr wrap="square" rtlCol="0">
             <a:spAutoFit/>
           </a:bodyPr>
+          <a:lstStyle/>
           <a:p>
             <a:r>
               <a:rPr lang="en-US" altLang="zh-CN"/>
@@ -15010,6 +15365,7 @@
           <a:bodyPr wrap="square" rtlCol="0">
             <a:spAutoFit/>
           </a:bodyPr>
+          <a:lstStyle/>
           <a:p>
             <a:r>
               <a:rPr lang="en-US" altLang="zh-CN"/>
@@ -15039,6 +15395,7 @@
           <a:bodyPr wrap="square" rtlCol="0">
             <a:spAutoFit/>
           </a:bodyPr>
+          <a:lstStyle/>
           <a:p>
             <a:r>
               <a:rPr lang="en-US" altLang="zh-CN"/>
@@ -15068,6 +15425,7 @@
           <a:bodyPr wrap="square" rtlCol="0">
             <a:spAutoFit/>
           </a:bodyPr>
+          <a:lstStyle/>
           <a:p>
             <a:r>
               <a:rPr lang="en-US" altLang="zh-CN"/>
@@ -15097,6 +15455,7 @@
           <a:bodyPr wrap="square" rtlCol="0">
             <a:spAutoFit/>
           </a:bodyPr>
+          <a:lstStyle/>
           <a:p>
             <a:r>
               <a:rPr lang="en-US" altLang="zh-CN"/>
@@ -15126,6 +15485,7 @@
           <a:bodyPr wrap="square" rtlCol="0">
             <a:spAutoFit/>
           </a:bodyPr>
+          <a:lstStyle/>
           <a:p>
             <a:r>
               <a:rPr lang="en-US" altLang="zh-CN"/>
@@ -15155,6 +15515,7 @@
           <a:bodyPr wrap="square" rtlCol="0">
             <a:spAutoFit/>
           </a:bodyPr>
+          <a:lstStyle/>
           <a:p>
             <a:r>
               <a:rPr lang="en-US" altLang="zh-CN"/>
@@ -15184,6 +15545,7 @@
           <a:bodyPr wrap="square" rtlCol="0">
             <a:spAutoFit/>
           </a:bodyPr>
+          <a:lstStyle/>
           <a:p>
             <a:r>
               <a:rPr lang="en-US" altLang="zh-CN"/>
@@ -15213,6 +15575,7 @@
           <a:bodyPr wrap="square" rtlCol="0">
             <a:spAutoFit/>
           </a:bodyPr>
+          <a:lstStyle/>
           <a:p>
             <a:r>
               <a:rPr lang="en-US" altLang="zh-CN"/>
@@ -15242,6 +15605,7 @@
           <a:bodyPr wrap="square" rtlCol="0">
             <a:spAutoFit/>
           </a:bodyPr>
+          <a:lstStyle/>
           <a:p>
             <a:r>
               <a:rPr lang="en-US" altLang="zh-CN"/>
@@ -15271,6 +15635,7 @@
           <a:bodyPr wrap="square" rtlCol="0">
             <a:spAutoFit/>
           </a:bodyPr>
+          <a:lstStyle/>
           <a:p>
             <a:r>
               <a:rPr lang="en-US" altLang="zh-CN"/>
@@ -15300,6 +15665,7 @@
           <a:bodyPr wrap="square" rtlCol="0">
             <a:spAutoFit/>
           </a:bodyPr>
+          <a:lstStyle/>
           <a:p>
             <a:r>
               <a:rPr lang="en-US" altLang="zh-CN"/>
@@ -15329,6 +15695,7 @@
           <a:bodyPr wrap="square" rtlCol="0">
             <a:spAutoFit/>
           </a:bodyPr>
+          <a:lstStyle/>
           <a:p>
             <a:r>
               <a:rPr lang="en-US" altLang="zh-CN"/>
@@ -15386,6 +15753,7 @@
         </p:style>
         <p:txBody>
           <a:bodyPr rtlCol="0" anchor="ctr"/>
+          <a:lstStyle/>
           <a:p>
             <a:pPr algn="ctr"/>
             <a:endParaRPr lang="zh-CN" altLang="en-US"/>
@@ -15423,6 +15791,7 @@
         </p:style>
         <p:txBody>
           <a:bodyPr rtlCol="0" anchor="ctr"/>
+          <a:lstStyle/>
           <a:p>
             <a:pPr algn="ctr"/>
             <a:endParaRPr lang="zh-CN" altLang="en-US">
@@ -15453,6 +15822,7 @@
           <a:bodyPr wrap="square" rtlCol="0">
             <a:spAutoFit/>
           </a:bodyPr>
+          <a:lstStyle/>
           <a:p>
             <a:r>
               <a:rPr lang="zh-CN" altLang="en-US" sz="1600">
@@ -15495,6 +15865,7 @@
           <a:bodyPr wrap="square" rtlCol="0">
             <a:spAutoFit/>
           </a:bodyPr>
+          <a:lstStyle/>
           <a:p>
             <a:r>
               <a:rPr lang="en-US" altLang="zh-CN"/>
@@ -15537,6 +15908,7 @@
         </p:style>
         <p:txBody>
           <a:bodyPr rtlCol="0" anchor="ctr"/>
+          <a:lstStyle/>
           <a:p>
             <a:pPr algn="ctr"/>
             <a:endParaRPr lang="zh-CN" altLang="en-US">
@@ -15580,6 +15952,7 @@
         </p:style>
         <p:txBody>
           <a:bodyPr rtlCol="0" anchor="ctr"/>
+          <a:lstStyle/>
           <a:p>
             <a:pPr algn="ctr"/>
             <a:endParaRPr lang="zh-CN" altLang="en-US">
@@ -15610,6 +15983,7 @@
           <a:bodyPr wrap="square" rtlCol="0">
             <a:spAutoFit/>
           </a:bodyPr>
+          <a:lstStyle/>
           <a:p>
             <a:r>
               <a:rPr lang="zh-CN" altLang="en-US" sz="1600">
@@ -15673,6 +16047,7 @@
         </p:style>
         <p:txBody>
           <a:bodyPr rtlCol="0" anchor="ctr"/>
+          <a:lstStyle/>
           <a:p>
             <a:pPr algn="ctr"/>
             <a:endParaRPr lang="zh-CN" altLang="en-US"/>
@@ -15727,6 +16102,7 @@
         </p:style>
         <p:txBody>
           <a:bodyPr rtlCol="0" anchor="ctr"/>
+          <a:lstStyle/>
           <a:p>
             <a:pPr algn="ctr"/>
             <a:endParaRPr lang="zh-CN" altLang="en-US"/>
@@ -15764,7 +16140,14 @@
         <p:cNvGrpSpPr/>
         <p:nvPr/>
       </p:nvGrpSpPr>
-      <p:grpSpPr/>
+      <p:grpSpPr>
+        <a:xfrm>
+          <a:off x="0" y="0"/>
+          <a:ext cx="0" cy="0"/>
+          <a:chOff x="0" y="0"/>
+          <a:chExt cx="0" cy="0"/>
+        </a:xfrm>
+      </p:grpSpPr>
       <p:sp>
         <p:nvSpPr>
           <p:cNvPr id="3" name="文本框 2"/>
@@ -15785,6 +16168,7 @@
           <a:bodyPr wrap="square" rtlCol="0">
             <a:spAutoFit/>
           </a:bodyPr>
+          <a:lstStyle/>
           <a:p>
             <a:r>
               <a:rPr lang="zh-CN" altLang="en-US" sz="3200"/>
@@ -15814,6 +16198,7 @@
           <a:bodyPr wrap="square" rtlCol="0">
             <a:spAutoFit/>
           </a:bodyPr>
+          <a:lstStyle/>
           <a:p>
             <a:r>
               <a:rPr lang="zh-CN" altLang="en-US">
@@ -15972,6 +16357,7 @@
           <a:bodyPr wrap="none" rtlCol="0" anchor="t">
             <a:spAutoFit/>
           </a:bodyPr>
+          <a:lstStyle/>
           <a:p>
             <a:r>
               <a:rPr lang="zh-CN" altLang="en-US">
@@ -16042,7 +16428,14 @@
         <p:cNvGrpSpPr/>
         <p:nvPr/>
       </p:nvGrpSpPr>
-      <p:grpSpPr/>
+      <p:grpSpPr>
+        <a:xfrm>
+          <a:off x="0" y="0"/>
+          <a:ext cx="0" cy="0"/>
+          <a:chOff x="0" y="0"/>
+          <a:chExt cx="0" cy="0"/>
+        </a:xfrm>
+      </p:grpSpPr>
       <p:pic>
         <p:nvPicPr>
           <p:cNvPr id="10" name="图片 9"/>
@@ -16122,7 +16515,14 @@
         <p:cNvGrpSpPr/>
         <p:nvPr/>
       </p:nvGrpSpPr>
-      <p:grpSpPr/>
+      <p:grpSpPr>
+        <a:xfrm>
+          <a:off x="0" y="0"/>
+          <a:ext cx="0" cy="0"/>
+          <a:chOff x="0" y="0"/>
+          <a:chExt cx="0" cy="0"/>
+        </a:xfrm>
+      </p:grpSpPr>
       <p:pic>
         <p:nvPicPr>
           <p:cNvPr id="2" name="图片 1"/>
@@ -16167,6 +16567,7 @@
           <a:bodyPr wrap="none" rtlCol="0" anchor="t">
             <a:spAutoFit/>
           </a:bodyPr>
+          <a:lstStyle/>
           <a:p>
             <a:r>
               <a:rPr lang="zh-CN" altLang="en-US">
@@ -16250,6 +16651,7 @@
           <a:bodyPr wrap="none" rtlCol="0">
             <a:spAutoFit/>
           </a:bodyPr>
+          <a:lstStyle/>
           <a:p>
             <a:pPr algn="l"/>
             <a:r>
@@ -16317,7 +16719,14 @@
         <p:cNvGrpSpPr/>
         <p:nvPr/>
       </p:nvGrpSpPr>
-      <p:grpSpPr/>
+      <p:grpSpPr>
+        <a:xfrm>
+          <a:off x="0" y="0"/>
+          <a:ext cx="0" cy="0"/>
+          <a:chOff x="0" y="0"/>
+          <a:chExt cx="0" cy="0"/>
+        </a:xfrm>
+      </p:grpSpPr>
       <p:pic>
         <p:nvPicPr>
           <p:cNvPr id="6" name="图片 5"/>
@@ -16362,6 +16771,7 @@
           <a:bodyPr wrap="square" rtlCol="0">
             <a:spAutoFit/>
           </a:bodyPr>
+          <a:lstStyle/>
           <a:p>
             <a:r>
               <a:rPr lang="zh-CN" altLang="en-US">
@@ -16441,6 +16851,7 @@
           <a:bodyPr wrap="square" rtlCol="0">
             <a:spAutoFit/>
           </a:bodyPr>
+          <a:lstStyle/>
           <a:p>
             <a:r>
               <a:rPr lang="zh-CN" altLang="en-US">
@@ -16507,7 +16918,14 @@
         <p:cNvGrpSpPr/>
         <p:nvPr/>
       </p:nvGrpSpPr>
-      <p:grpSpPr/>
+      <p:grpSpPr>
+        <a:xfrm>
+          <a:off x="0" y="0"/>
+          <a:ext cx="0" cy="0"/>
+          <a:chOff x="0" y="0"/>
+          <a:chExt cx="0" cy="0"/>
+        </a:xfrm>
+      </p:grpSpPr>
       <p:pic>
         <p:nvPicPr>
           <p:cNvPr id="2" name="图片 1"/>
@@ -16565,6 +16983,7 @@
         </p:style>
         <p:txBody>
           <a:bodyPr rtlCol="0" anchor="ctr"/>
+          <a:lstStyle/>
           <a:p>
             <a:pPr algn="ctr"/>
             <a:endParaRPr lang="zh-CN" altLang="en-US"/>
@@ -16591,6 +17010,7 @@
           <a:bodyPr wrap="square" rtlCol="0">
             <a:spAutoFit/>
           </a:bodyPr>
+          <a:lstStyle/>
           <a:p>
             <a:r>
               <a:rPr lang="zh-CN" altLang="en-US"/>
@@ -16631,7 +17051,14 @@
         <p:cNvGrpSpPr/>
         <p:nvPr/>
       </p:nvGrpSpPr>
-      <p:grpSpPr/>
+      <p:grpSpPr>
+        <a:xfrm>
+          <a:off x="0" y="0"/>
+          <a:ext cx="0" cy="0"/>
+          <a:chOff x="0" y="0"/>
+          <a:chExt cx="0" cy="0"/>
+        </a:xfrm>
+      </p:grpSpPr>
       <p:sp>
         <p:nvSpPr>
           <p:cNvPr id="3" name="文本框 2"/>
@@ -16652,6 +17079,7 @@
           <a:bodyPr wrap="square" rtlCol="0">
             <a:spAutoFit/>
           </a:bodyPr>
+          <a:lstStyle/>
           <a:p>
             <a:r>
               <a:rPr lang="zh-CN" altLang="en-US" sz="3200"/>
@@ -16749,7 +17177,7 @@
         </p:blipFill>
         <p:spPr>
           <a:xfrm>
-            <a:off x="5300345" y="4046855"/>
+            <a:off x="5300345" y="4037965"/>
             <a:ext cx="5996940" cy="1988820"/>
           </a:xfrm>
           <a:prstGeom prst="rect">
@@ -16788,7 +17216,14 @@
         <p:cNvGrpSpPr/>
         <p:nvPr/>
       </p:nvGrpSpPr>
-      <p:grpSpPr/>
+      <p:grpSpPr>
+        <a:xfrm>
+          <a:off x="0" y="0"/>
+          <a:ext cx="0" cy="0"/>
+          <a:chOff x="0" y="0"/>
+          <a:chExt cx="0" cy="0"/>
+        </a:xfrm>
+      </p:grpSpPr>
       <p:pic>
         <p:nvPicPr>
           <p:cNvPr id="2" name="图片 1"/>
@@ -16844,7 +17279,14 @@
         <p:cNvGrpSpPr/>
         <p:nvPr/>
       </p:nvGrpSpPr>
-      <p:grpSpPr/>
+      <p:grpSpPr>
+        <a:xfrm>
+          <a:off x="0" y="0"/>
+          <a:ext cx="0" cy="0"/>
+          <a:chOff x="0" y="0"/>
+          <a:chExt cx="0" cy="0"/>
+        </a:xfrm>
+      </p:grpSpPr>
       <p:sp>
         <p:nvSpPr>
           <p:cNvPr id="2" name="文本框 1"/>
@@ -16865,6 +17307,7 @@
           <a:bodyPr wrap="square" rtlCol="0">
             <a:spAutoFit/>
           </a:bodyPr>
+          <a:lstStyle/>
           <a:p>
             <a:r>
               <a:rPr lang="zh-CN" altLang="en-US" sz="1200">
@@ -16872,7 +17315,15 @@
                 <a:ea typeface="宋体" panose="02010600030101010101" pitchFamily="2" charset="-122"/>
                 <a:cs typeface="宋体" panose="02010600030101010101" pitchFamily="2" charset="-122"/>
               </a:rPr>
-              <a:t>Float和Double的最小值和最大值都是以科学记数法的形式输出的，结尾的"E+数字"表示E之前的数字要乘以10的多少次方。比如3.14E3就是3.14 × 103 =3140，3.14E-3 就是 3.14 x 10-3 =0.00314。</a:t>
+              <a:t>Float和Double的最小值和最大值都是以科学记数法的形式输出的，结尾的"E+数字"表示E之前的数字要乘以10的多少次方。比如3.14E3就是3.14 × 10的3次方</a:t>
+            </a:r>
+            <a:r>
+              <a:rPr lang="zh-CN" altLang="en-US" sz="1200">
+                <a:latin typeface="宋体" panose="02010600030101010101" pitchFamily="2" charset="-122"/>
+                <a:ea typeface="宋体" panose="02010600030101010101" pitchFamily="2" charset="-122"/>
+                <a:cs typeface="宋体" panose="02010600030101010101" pitchFamily="2" charset="-122"/>
+              </a:rPr>
+              <a:t> =3140，3.14E-3 就是 3.14 x 10-3 =0.00314。</a:t>
             </a:r>
             <a:endParaRPr lang="zh-CN" altLang="en-US" sz="1200">
               <a:latin typeface="宋体" panose="02010600030101010101" pitchFamily="2" charset="-122"/>
@@ -16924,6 +17375,7 @@
           <a:bodyPr wrap="square" rtlCol="0">
             <a:spAutoFit/>
           </a:bodyPr>
+          <a:lstStyle/>
           <a:p>
             <a:r>
               <a:rPr lang="zh-CN" altLang="en-US"/>
@@ -17068,7 +17520,14 @@
         <p:cNvGrpSpPr/>
         <p:nvPr/>
       </p:nvGrpSpPr>
-      <p:grpSpPr/>
+      <p:grpSpPr>
+        <a:xfrm>
+          <a:off x="0" y="0"/>
+          <a:ext cx="0" cy="0"/>
+          <a:chOff x="0" y="0"/>
+          <a:chExt cx="0" cy="0"/>
+        </a:xfrm>
+      </p:grpSpPr>
       <p:sp>
         <p:nvSpPr>
           <p:cNvPr id="3" name="文本框 2"/>
@@ -17089,6 +17548,7 @@
           <a:bodyPr wrap="square" rtlCol="0">
             <a:spAutoFit/>
           </a:bodyPr>
+          <a:lstStyle/>
           <a:p>
             <a:r>
               <a:rPr lang="zh-CN" altLang="en-US" sz="3200"/>
@@ -17130,6 +17590,7 @@
           <a:bodyPr wrap="square" rtlCol="0">
             <a:spAutoFit/>
           </a:bodyPr>
+          <a:lstStyle/>
           <a:p>
             <a:r>
               <a:rPr lang="zh-CN" altLang="en-US" sz="1400">
@@ -17482,7 +17943,14 @@
         <p:cNvGrpSpPr/>
         <p:nvPr/>
       </p:nvGrpSpPr>
-      <p:grpSpPr/>
+      <p:grpSpPr>
+        <a:xfrm>
+          <a:off x="0" y="0"/>
+          <a:ext cx="0" cy="0"/>
+          <a:chOff x="0" y="0"/>
+          <a:chExt cx="0" cy="0"/>
+        </a:xfrm>
+      </p:grpSpPr>
       <p:sp>
         <p:nvSpPr>
           <p:cNvPr id="4" name="文本框 3"/>
@@ -17503,7 +17971,24 @@
           <a:bodyPr wrap="square" rtlCol="0">
             <a:spAutoFit/>
           </a:bodyPr>
-          <a:p>
+          <a:lstStyle/>
+          <a:p>
+            <a:r>
+              <a:rPr lang="en-US" altLang="zh-CN" sz="1400">
+                <a:latin typeface="宋体" panose="02010600030101010101" pitchFamily="2" charset="-122"/>
+                <a:ea typeface="宋体" panose="02010600030101010101" pitchFamily="2" charset="-122"/>
+                <a:cs typeface="宋体" panose="02010600030101010101" pitchFamily="2" charset="-122"/>
+              </a:rPr>
+              <a:t>1</a:t>
+            </a:r>
+            <a:r>
+              <a:rPr lang="zh-CN" altLang="en-US" sz="1400">
+                <a:latin typeface="宋体" panose="02010600030101010101" pitchFamily="2" charset="-122"/>
+                <a:ea typeface="宋体" panose="02010600030101010101" pitchFamily="2" charset="-122"/>
+                <a:cs typeface="宋体" panose="02010600030101010101" pitchFamily="2" charset="-122"/>
+              </a:rPr>
+              <a:t>、</a:t>
+            </a:r>
             <a:r>
               <a:rPr lang="zh-CN" altLang="en-US" sz="1400">
                 <a:latin typeface="宋体" panose="02010600030101010101" pitchFamily="2" charset="-122"/>
@@ -17574,7 +18059,24 @@
           <a:bodyPr wrap="square" rtlCol="0">
             <a:spAutoFit/>
           </a:bodyPr>
-          <a:p>
+          <a:lstStyle/>
+          <a:p>
+            <a:r>
+              <a:rPr lang="en-US" altLang="zh-CN" sz="1400">
+                <a:latin typeface="宋体" panose="02010600030101010101" pitchFamily="2" charset="-122"/>
+                <a:ea typeface="宋体" panose="02010600030101010101" pitchFamily="2" charset="-122"/>
+                <a:cs typeface="宋体" panose="02010600030101010101" pitchFamily="2" charset="-122"/>
+              </a:rPr>
+              <a:t>2</a:t>
+            </a:r>
+            <a:r>
+              <a:rPr lang="zh-CN" altLang="en-US" sz="1400">
+                <a:latin typeface="宋体" panose="02010600030101010101" pitchFamily="2" charset="-122"/>
+                <a:ea typeface="宋体" panose="02010600030101010101" pitchFamily="2" charset="-122"/>
+                <a:cs typeface="宋体" panose="02010600030101010101" pitchFamily="2" charset="-122"/>
+              </a:rPr>
+              <a:t>、</a:t>
+            </a:r>
             <a:r>
               <a:rPr lang="zh-CN" altLang="en-US" sz="1400">
                 <a:latin typeface="宋体" panose="02010600030101010101" pitchFamily="2" charset="-122"/>
@@ -17719,7 +18221,14 @@
         <p:cNvGrpSpPr/>
         <p:nvPr/>
       </p:nvGrpSpPr>
-      <p:grpSpPr/>
+      <p:grpSpPr>
+        <a:xfrm>
+          <a:off x="0" y="0"/>
+          <a:ext cx="0" cy="0"/>
+          <a:chOff x="0" y="0"/>
+          <a:chExt cx="0" cy="0"/>
+        </a:xfrm>
+      </p:grpSpPr>
       <p:sp>
         <p:nvSpPr>
           <p:cNvPr id="5" name="文本框 4"/>
@@ -17740,13 +18249,30 @@
           <a:bodyPr wrap="square" rtlCol="0">
             <a:spAutoFit/>
           </a:bodyPr>
-          <a:p>
+          <a:lstStyle/>
+          <a:p>
+            <a:r>
+              <a:rPr lang="en-US" altLang="zh-CN" sz="1400">
+                <a:latin typeface="宋体" panose="02010600030101010101" pitchFamily="2" charset="-122"/>
+                <a:ea typeface="宋体" panose="02010600030101010101" pitchFamily="2" charset="-122"/>
+                <a:cs typeface="宋体" panose="02010600030101010101" pitchFamily="2" charset="-122"/>
+              </a:rPr>
+              <a:t>3</a:t>
+            </a:r>
             <a:r>
               <a:rPr lang="zh-CN" altLang="en-US" sz="1400">
                 <a:latin typeface="宋体" panose="02010600030101010101" pitchFamily="2" charset="-122"/>
                 <a:ea typeface="宋体" panose="02010600030101010101" pitchFamily="2" charset="-122"/>
                 <a:cs typeface="宋体" panose="02010600030101010101" pitchFamily="2" charset="-122"/>
               </a:rPr>
+              <a:t>、</a:t>
+            </a:r>
+            <a:r>
+              <a:rPr lang="zh-CN" altLang="en-US" sz="1400">
+                <a:latin typeface="宋体" panose="02010600030101010101" pitchFamily="2" charset="-122"/>
+                <a:ea typeface="宋体" panose="02010600030101010101" pitchFamily="2" charset="-122"/>
+                <a:cs typeface="宋体" panose="02010600030101010101" pitchFamily="2" charset="-122"/>
+              </a:rPr>
               <a:t>隐含强制类型转换：顾名思义，看不见的强制类型转换，关于这个问题，我们先来读懂一句话：</a:t>
             </a:r>
             <a:endParaRPr lang="zh-CN" altLang="en-US" sz="1400">
@@ -17769,7 +18295,7 @@
                 <a:ea typeface="宋体" panose="02010600030101010101" pitchFamily="2" charset="-122"/>
                 <a:cs typeface="宋体" panose="02010600030101010101" pitchFamily="2" charset="-122"/>
               </a:rPr>
-              <a:t>byte b =3;</a:t>
+              <a:t>byte b = 3;</a:t>
             </a:r>
             <a:endParaRPr lang="zh-CN" altLang="en-US" sz="1400">
               <a:latin typeface="宋体" panose="02010600030101010101" pitchFamily="2" charset="-122"/>
@@ -17832,7 +18358,14 @@
         <p:cNvGrpSpPr/>
         <p:nvPr/>
       </p:nvGrpSpPr>
-      <p:grpSpPr/>
+      <p:grpSpPr>
+        <a:xfrm>
+          <a:off x="0" y="0"/>
+          <a:ext cx="0" cy="0"/>
+          <a:chOff x="0" y="0"/>
+          <a:chExt cx="0" cy="0"/>
+        </a:xfrm>
+      </p:grpSpPr>
       <p:sp>
         <p:nvSpPr>
           <p:cNvPr id="5" name="文本框 4"/>
@@ -17853,6 +18386,7 @@
           <a:bodyPr wrap="square" rtlCol="0">
             <a:spAutoFit/>
           </a:bodyPr>
+          <a:lstStyle/>
           <a:p>
             <a:r>
               <a:rPr lang="en-US" altLang="zh-CN" sz="3200"/>
@@ -17886,6 +18420,7 @@
           <a:bodyPr wrap="square" rtlCol="0">
             <a:spAutoFit/>
           </a:bodyPr>
+          <a:lstStyle/>
           <a:p>
             <a:pPr eaLnBrk="1" hangingPunct="1"/>
             <a:r>
@@ -17901,7 +18436,7 @@
               <a:t>if </a:t>
             </a:r>
             <a:r>
-              <a:rPr lang="zh-CN" altLang="en-US" sz="1600" dirty="0" smtClean="0">
+              <a:rPr lang="zh-CN" altLang="en-US" sz="1600" dirty="0">
                 <a:solidFill>
                   <a:schemeClr val="tx1"/>
                 </a:solidFill>
@@ -17910,33 +18445,9 @@
                 <a:cs typeface="宋体" panose="02010600030101010101" pitchFamily="2" charset="-122"/>
                 <a:sym typeface="+mn-ea"/>
               </a:rPr>
-              <a:t>语句三</a:t>
-            </a:r>
-            <a:r>
-              <a:rPr lang="zh-CN" altLang="en-US" sz="1600" dirty="0">
-                <a:solidFill>
-                  <a:schemeClr val="tx1"/>
-                </a:solidFill>
-                <a:latin typeface="宋体" panose="02010600030101010101" pitchFamily="2" charset="-122"/>
-                <a:ea typeface="宋体" panose="02010600030101010101" pitchFamily="2" charset="-122"/>
-                <a:cs typeface="宋体" panose="02010600030101010101" pitchFamily="2" charset="-122"/>
-                <a:sym typeface="+mn-ea"/>
-              </a:rPr>
-              <a:t>种格式</a:t>
-            </a:r>
-            <a:r>
-              <a:rPr lang="zh-CN" altLang="en-US" sz="1600" dirty="0" smtClean="0">
-                <a:solidFill>
-                  <a:schemeClr val="tx1"/>
-                </a:solidFill>
-                <a:latin typeface="宋体" panose="02010600030101010101" pitchFamily="2" charset="-122"/>
-                <a:ea typeface="宋体" panose="02010600030101010101" pitchFamily="2" charset="-122"/>
-                <a:cs typeface="宋体" panose="02010600030101010101" pitchFamily="2" charset="-122"/>
-                <a:sym typeface="+mn-ea"/>
-              </a:rPr>
-              <a:t>：</a:t>
-            </a:r>
-            <a:endParaRPr lang="zh-CN" altLang="en-US" sz="1600" dirty="0" smtClean="0">
+              <a:t>语句三种格式：</a:t>
+            </a:r>
+            <a:endParaRPr lang="zh-CN" altLang="en-US" sz="1600" dirty="0">
               <a:solidFill>
                 <a:schemeClr val="tx1"/>
               </a:solidFill>
@@ -17949,7 +18460,7 @@
           <a:p>
             <a:pPr eaLnBrk="1" hangingPunct="1"/>
             <a:r>
-              <a:rPr lang="zh-CN" altLang="en-US" sz="1600" dirty="0" smtClean="0">
+              <a:rPr lang="zh-CN" altLang="en-US" sz="1600" dirty="0">
                 <a:solidFill>
                   <a:schemeClr val="tx1"/>
                 </a:solidFill>
@@ -17960,7 +18471,7 @@
               </a:rPr>
               <a:t>1、单if语句 </a:t>
             </a:r>
-            <a:endParaRPr lang="zh-CN" altLang="en-US" sz="1600" dirty="0" smtClean="0">
+            <a:endParaRPr lang="zh-CN" altLang="en-US" sz="1600" dirty="0">
               <a:solidFill>
                 <a:schemeClr val="tx1"/>
               </a:solidFill>
@@ -17973,7 +18484,7 @@
           <a:p>
             <a:pPr eaLnBrk="1" hangingPunct="1"/>
             <a:r>
-              <a:rPr lang="zh-CN" altLang="en-US" sz="1600" dirty="0" smtClean="0">
+              <a:rPr lang="zh-CN" altLang="en-US" sz="1600" dirty="0">
                 <a:solidFill>
                   <a:schemeClr val="tx1"/>
                 </a:solidFill>
@@ -17985,7 +18496,7 @@
               <a:t>2、if </a:t>
             </a:r>
             <a:r>
-              <a:rPr lang="en-US" altLang="zh-CN" sz="1600" dirty="0" smtClean="0">
+              <a:rPr lang="en-US" altLang="zh-CN" sz="1600" dirty="0">
                 <a:solidFill>
                   <a:schemeClr val="tx1"/>
                 </a:solidFill>
@@ -17997,7 +18508,7 @@
               <a:t>... </a:t>
             </a:r>
             <a:r>
-              <a:rPr lang="zh-CN" altLang="en-US" sz="1600" dirty="0" smtClean="0">
+              <a:rPr lang="zh-CN" altLang="en-US" sz="1600" dirty="0">
                 <a:solidFill>
                   <a:schemeClr val="tx1"/>
                 </a:solidFill>
@@ -18008,7 +18519,7 @@
               </a:rPr>
               <a:t>else语句   </a:t>
             </a:r>
-            <a:endParaRPr lang="zh-CN" altLang="en-US" sz="1600" dirty="0" smtClean="0">
+            <a:endParaRPr lang="zh-CN" altLang="en-US" sz="1600" dirty="0">
               <a:solidFill>
                 <a:schemeClr val="tx1"/>
               </a:solidFill>
@@ -18021,7 +18532,7 @@
           <a:p>
             <a:pPr eaLnBrk="1" hangingPunct="1"/>
             <a:r>
-              <a:rPr lang="zh-CN" altLang="en-US" sz="1600" dirty="0" smtClean="0">
+              <a:rPr lang="zh-CN" altLang="en-US" sz="1600" dirty="0">
                 <a:solidFill>
                   <a:schemeClr val="tx1"/>
                 </a:solidFill>
@@ -18033,7 +18544,7 @@
               <a:t>3、i</a:t>
             </a:r>
             <a:r>
-              <a:rPr lang="en-US" altLang="zh-CN" sz="1600" dirty="0" smtClean="0">
+              <a:rPr lang="en-US" altLang="zh-CN" sz="1600" dirty="0">
                 <a:solidFill>
                   <a:schemeClr val="tx1"/>
                 </a:solidFill>
@@ -18045,7 +18556,7 @@
               <a:t>f ... </a:t>
             </a:r>
             <a:r>
-              <a:rPr lang="zh-CN" altLang="en-US" sz="1600" dirty="0" smtClean="0">
+              <a:rPr lang="zh-CN" altLang="en-US" sz="1600" dirty="0">
                 <a:solidFill>
                   <a:schemeClr val="tx1"/>
                 </a:solidFill>
@@ -18057,7 +18568,7 @@
               <a:t>elseif </a:t>
             </a:r>
             <a:r>
-              <a:rPr lang="en-US" altLang="zh-CN" sz="1600" dirty="0" smtClean="0">
+              <a:rPr lang="en-US" altLang="zh-CN" sz="1600" dirty="0">
                 <a:solidFill>
                   <a:schemeClr val="tx1"/>
                 </a:solidFill>
@@ -18069,7 +18580,7 @@
               <a:t>... </a:t>
             </a:r>
             <a:r>
-              <a:rPr lang="zh-CN" altLang="en-US" sz="1600" dirty="0" smtClean="0">
+              <a:rPr lang="zh-CN" altLang="en-US" sz="1600" dirty="0">
                 <a:solidFill>
                   <a:schemeClr val="tx1"/>
                 </a:solidFill>
@@ -18080,7 +18591,7 @@
               </a:rPr>
               <a:t>else 语句</a:t>
             </a:r>
-            <a:endParaRPr lang="zh-CN" altLang="en-US" sz="1600" dirty="0" smtClean="0">
+            <a:endParaRPr lang="zh-CN" altLang="en-US" sz="1600" dirty="0">
               <a:solidFill>
                 <a:schemeClr val="tx1"/>
               </a:solidFill>
@@ -18195,7 +18706,14 @@
         <p:cNvGrpSpPr/>
         <p:nvPr/>
       </p:nvGrpSpPr>
-      <p:grpSpPr/>
+      <p:grpSpPr>
+        <a:xfrm>
+          <a:off x="0" y="0"/>
+          <a:ext cx="0" cy="0"/>
+          <a:chOff x="0" y="0"/>
+          <a:chExt cx="0" cy="0"/>
+        </a:xfrm>
+      </p:grpSpPr>
       <p:grpSp>
         <p:nvGrpSpPr>
           <p:cNvPr id="30" name="图形 1"/>
@@ -18291,6 +18809,7 @@
             <a:bodyPr wrap="square" rtlCol="0" anchor="ctr">
               <a:normAutofit/>
             </a:bodyPr>
+            <a:lstStyle/>
             <a:p>
               <a:endParaRPr lang="zh-CN" altLang="en-US" dirty="0">
                 <a:solidFill>
@@ -18371,6 +18890,7 @@
             <a:bodyPr wrap="square" rtlCol="0" anchor="ctr">
               <a:normAutofit/>
             </a:bodyPr>
+            <a:lstStyle/>
             <a:p>
               <a:endParaRPr lang="zh-CN" altLang="en-US" dirty="0">
                 <a:solidFill>
@@ -18485,6 +19005,7 @@
             <a:bodyPr wrap="square" rtlCol="0" anchor="ctr">
               <a:normAutofit/>
             </a:bodyPr>
+            <a:lstStyle/>
             <a:p>
               <a:endParaRPr lang="zh-CN" altLang="en-US" dirty="0">
                 <a:solidFill>
@@ -18592,6 +19113,7 @@
           <a:bodyPr wrap="square" rtlCol="0">
             <a:spAutoFit/>
           </a:bodyPr>
+          <a:lstStyle/>
           <a:p>
             <a:r>
               <a:rPr lang="en-US" altLang="zh-CN"/>
@@ -18636,7 +19158,14 @@
         <p:cNvGrpSpPr/>
         <p:nvPr/>
       </p:nvGrpSpPr>
-      <p:grpSpPr/>
+      <p:grpSpPr>
+        <a:xfrm>
+          <a:off x="0" y="0"/>
+          <a:ext cx="0" cy="0"/>
+          <a:chOff x="0" y="0"/>
+          <a:chExt cx="0" cy="0"/>
+        </a:xfrm>
+      </p:grpSpPr>
       <p:pic>
         <p:nvPicPr>
           <p:cNvPr id="9" name="图片 8"/>
@@ -18716,7 +19245,14 @@
         <p:cNvGrpSpPr/>
         <p:nvPr/>
       </p:nvGrpSpPr>
-      <p:grpSpPr/>
+      <p:grpSpPr>
+        <a:xfrm>
+          <a:off x="0" y="0"/>
+          <a:ext cx="0" cy="0"/>
+          <a:chOff x="0" y="0"/>
+          <a:chExt cx="0" cy="0"/>
+        </a:xfrm>
+      </p:grpSpPr>
       <p:sp>
         <p:nvSpPr>
           <p:cNvPr id="5" name="文本框 4"/>
@@ -18737,6 +19273,7 @@
           <a:bodyPr wrap="square" rtlCol="0">
             <a:spAutoFit/>
           </a:bodyPr>
+          <a:lstStyle/>
           <a:p>
             <a:r>
               <a:rPr sz="3200"/>
@@ -18766,6 +19303,7 @@
           <a:bodyPr wrap="square" rtlCol="0">
             <a:spAutoFit/>
           </a:bodyPr>
+          <a:lstStyle/>
           <a:p>
             <a:r>
               <a:rPr lang="zh-CN" altLang="en-US" sz="1600">
@@ -19042,7 +19580,14 @@
         <p:cNvGrpSpPr/>
         <p:nvPr/>
       </p:nvGrpSpPr>
-      <p:grpSpPr/>
+      <p:grpSpPr>
+        <a:xfrm>
+          <a:off x="0" y="0"/>
+          <a:ext cx="0" cy="0"/>
+          <a:chOff x="0" y="0"/>
+          <a:chExt cx="0" cy="0"/>
+        </a:xfrm>
+      </p:grpSpPr>
       <p:pic>
         <p:nvPicPr>
           <p:cNvPr id="3" name="图片 2"/>
@@ -19170,7 +19715,14 @@
         <p:cNvGrpSpPr/>
         <p:nvPr/>
       </p:nvGrpSpPr>
-      <p:grpSpPr/>
+      <p:grpSpPr>
+        <a:xfrm>
+          <a:off x="0" y="0"/>
+          <a:ext cx="0" cy="0"/>
+          <a:chOff x="0" y="0"/>
+          <a:chExt cx="0" cy="0"/>
+        </a:xfrm>
+      </p:grpSpPr>
       <p:sp>
         <p:nvSpPr>
           <p:cNvPr id="7" name="文本框 6"/>
@@ -19191,6 +19743,7 @@
           <a:bodyPr wrap="square" rtlCol="0">
             <a:spAutoFit/>
           </a:bodyPr>
+          <a:lstStyle/>
           <a:p>
             <a:r>
               <a:rPr lang="zh-CN" altLang="en-US" sz="1600">
@@ -19384,7 +19937,14 @@
         <p:cNvGrpSpPr/>
         <p:nvPr/>
       </p:nvGrpSpPr>
-      <p:grpSpPr/>
+      <p:grpSpPr>
+        <a:xfrm>
+          <a:off x="0" y="0"/>
+          <a:ext cx="0" cy="0"/>
+          <a:chOff x="0" y="0"/>
+          <a:chExt cx="0" cy="0"/>
+        </a:xfrm>
+      </p:grpSpPr>
       <p:pic>
         <p:nvPicPr>
           <p:cNvPr id="3" name="图片 2"/>
@@ -19464,7 +20024,14 @@
         <p:cNvGrpSpPr/>
         <p:nvPr/>
       </p:nvGrpSpPr>
-      <p:grpSpPr/>
+      <p:grpSpPr>
+        <a:xfrm>
+          <a:off x="0" y="0"/>
+          <a:ext cx="0" cy="0"/>
+          <a:chOff x="0" y="0"/>
+          <a:chExt cx="0" cy="0"/>
+        </a:xfrm>
+      </p:grpSpPr>
       <p:sp>
         <p:nvSpPr>
           <p:cNvPr id="2" name="文本框 1"/>
@@ -19485,6 +20052,7 @@
           <a:bodyPr wrap="square" rtlCol="0">
             <a:spAutoFit/>
           </a:bodyPr>
+          <a:lstStyle/>
           <a:p>
             <a:r>
               <a:rPr lang="zh-CN" altLang="en-US" sz="1600">
@@ -19590,6 +20158,7 @@
           <a:bodyPr wrap="square" rtlCol="0">
             <a:spAutoFit/>
           </a:bodyPr>
+          <a:lstStyle/>
           <a:p>
             <a:r>
               <a:rPr lang="zh-CN" altLang="en-US" sz="1600">
@@ -19682,7 +20251,14 @@
         <p:cNvGrpSpPr/>
         <p:nvPr/>
       </p:nvGrpSpPr>
-      <p:grpSpPr/>
+      <p:grpSpPr>
+        <a:xfrm>
+          <a:off x="0" y="0"/>
+          <a:ext cx="0" cy="0"/>
+          <a:chOff x="0" y="0"/>
+          <a:chExt cx="0" cy="0"/>
+        </a:xfrm>
+      </p:grpSpPr>
       <p:sp>
         <p:nvSpPr>
           <p:cNvPr id="3" name="文本框 2"/>
@@ -19703,6 +20279,7 @@
           <a:bodyPr wrap="square" rtlCol="0">
             <a:spAutoFit/>
           </a:bodyPr>
+          <a:lstStyle/>
           <a:p>
             <a:r>
               <a:rPr lang="zh-CN" altLang="en-US" sz="3200"/>
@@ -19732,6 +20309,7 @@
           <a:bodyPr wrap="square" rtlCol="0">
             <a:spAutoFit/>
           </a:bodyPr>
+          <a:lstStyle/>
           <a:p>
             <a:r>
               <a:rPr lang="zh-CN" altLang="en-US" sz="1600">
@@ -19953,7 +20531,14 @@
         <p:cNvGrpSpPr/>
         <p:nvPr/>
       </p:nvGrpSpPr>
-      <p:grpSpPr/>
+      <p:grpSpPr>
+        <a:xfrm>
+          <a:off x="0" y="0"/>
+          <a:ext cx="0" cy="0"/>
+          <a:chOff x="0" y="0"/>
+          <a:chExt cx="0" cy="0"/>
+        </a:xfrm>
+      </p:grpSpPr>
       <p:pic>
         <p:nvPicPr>
           <p:cNvPr id="2" name="图片 1"/>
@@ -20033,7 +20618,14 @@
         <p:cNvGrpSpPr/>
         <p:nvPr/>
       </p:nvGrpSpPr>
-      <p:grpSpPr/>
+      <p:grpSpPr>
+        <a:xfrm>
+          <a:off x="0" y="0"/>
+          <a:ext cx="0" cy="0"/>
+          <a:chOff x="0" y="0"/>
+          <a:chExt cx="0" cy="0"/>
+        </a:xfrm>
+      </p:grpSpPr>
       <p:sp>
         <p:nvSpPr>
           <p:cNvPr id="3" name="文本框 2"/>
@@ -20054,6 +20646,7 @@
           <a:bodyPr wrap="square" rtlCol="0">
             <a:spAutoFit/>
           </a:bodyPr>
+          <a:lstStyle/>
           <a:p>
             <a:r>
               <a:rPr lang="zh-CN" altLang="en-US" sz="3200"/>
@@ -20083,6 +20676,7 @@
           <a:bodyPr wrap="square" rtlCol="0">
             <a:spAutoFit/>
           </a:bodyPr>
+          <a:lstStyle/>
           <a:p>
             <a:r>
               <a:rPr lang="zh-CN" altLang="en-US" sz="1600">
@@ -20243,7 +20837,14 @@
         <p:cNvGrpSpPr/>
         <p:nvPr/>
       </p:nvGrpSpPr>
-      <p:grpSpPr/>
+      <p:grpSpPr>
+        <a:xfrm>
+          <a:off x="0" y="0"/>
+          <a:ext cx="0" cy="0"/>
+          <a:chOff x="0" y="0"/>
+          <a:chExt cx="0" cy="0"/>
+        </a:xfrm>
+      </p:grpSpPr>
       <p:sp>
         <p:nvSpPr>
           <p:cNvPr id="2" name="文本框 1"/>
@@ -20264,6 +20865,7 @@
           <a:bodyPr wrap="square" rtlCol="0">
             <a:spAutoFit/>
           </a:bodyPr>
+          <a:lstStyle/>
           <a:p>
             <a:r>
               <a:rPr lang="zh-CN" altLang="en-US" sz="1600">
@@ -20415,7 +21017,14 @@
         <p:cNvGrpSpPr/>
         <p:nvPr/>
       </p:nvGrpSpPr>
-      <p:grpSpPr/>
+      <p:grpSpPr>
+        <a:xfrm>
+          <a:off x="0" y="0"/>
+          <a:ext cx="0" cy="0"/>
+          <a:chOff x="0" y="0"/>
+          <a:chExt cx="0" cy="0"/>
+        </a:xfrm>
+      </p:grpSpPr>
       <p:sp>
         <p:nvSpPr>
           <p:cNvPr id="2" name="文本框 1"/>
@@ -20436,6 +21045,7 @@
           <a:bodyPr wrap="square" rtlCol="0">
             <a:spAutoFit/>
           </a:bodyPr>
+          <a:lstStyle/>
           <a:p>
             <a:r>
               <a:rPr lang="zh-CN" altLang="en-US"/>
@@ -20554,7 +21164,14 @@
         <p:cNvGrpSpPr/>
         <p:nvPr/>
       </p:nvGrpSpPr>
-      <p:grpSpPr/>
+      <p:grpSpPr>
+        <a:xfrm>
+          <a:off x="0" y="0"/>
+          <a:ext cx="0" cy="0"/>
+          <a:chOff x="0" y="0"/>
+          <a:chExt cx="0" cy="0"/>
+        </a:xfrm>
+      </p:grpSpPr>
       <p:sp>
         <p:nvSpPr>
           <p:cNvPr id="3" name="文本框 2"/>
@@ -20575,6 +21192,7 @@
           <a:bodyPr wrap="square" rtlCol="0">
             <a:spAutoFit/>
           </a:bodyPr>
+          <a:lstStyle/>
           <a:p>
             <a:r>
               <a:rPr lang="en-US" altLang="zh-CN" sz="3200"/>
@@ -20608,6 +21226,7 @@
           <a:bodyPr wrap="square" rtlCol="0">
             <a:spAutoFit/>
           </a:bodyPr>
+          <a:lstStyle/>
           <a:p>
             <a:r>
               <a:rPr lang="zh-CN" altLang="en-US" sz="1600">
@@ -20792,7 +21411,14 @@
         <p:cNvGrpSpPr/>
         <p:nvPr/>
       </p:nvGrpSpPr>
-      <p:grpSpPr/>
+      <p:grpSpPr>
+        <a:xfrm>
+          <a:off x="0" y="0"/>
+          <a:ext cx="0" cy="0"/>
+          <a:chOff x="0" y="0"/>
+          <a:chExt cx="0" cy="0"/>
+        </a:xfrm>
+      </p:grpSpPr>
       <p:sp>
         <p:nvSpPr>
           <p:cNvPr id="4" name="文本框 3"/>
@@ -20813,6 +21439,7 @@
           <a:bodyPr wrap="square" rtlCol="0">
             <a:spAutoFit/>
           </a:bodyPr>
+          <a:lstStyle/>
           <a:p>
             <a:r>
               <a:rPr lang="zh-CN" altLang="en-US" sz="1600">
@@ -20971,7 +21598,14 @@
         <p:cNvGrpSpPr/>
         <p:nvPr/>
       </p:nvGrpSpPr>
-      <p:grpSpPr/>
+      <p:grpSpPr>
+        <a:xfrm>
+          <a:off x="0" y="0"/>
+          <a:ext cx="0" cy="0"/>
+          <a:chOff x="0" y="0"/>
+          <a:chExt cx="0" cy="0"/>
+        </a:xfrm>
+      </p:grpSpPr>
       <p:sp>
         <p:nvSpPr>
           <p:cNvPr id="2" name="文本框 1"/>
@@ -20992,6 +21626,7 @@
           <a:bodyPr wrap="square" rtlCol="0">
             <a:spAutoFit/>
           </a:bodyPr>
+          <a:lstStyle/>
           <a:p>
             <a:r>
               <a:rPr lang="zh-CN" altLang="en-US" sz="1600">
@@ -21268,7 +21903,14 @@
         <p:cNvGrpSpPr/>
         <p:nvPr/>
       </p:nvGrpSpPr>
-      <p:grpSpPr/>
+      <p:grpSpPr>
+        <a:xfrm>
+          <a:off x="0" y="0"/>
+          <a:ext cx="0" cy="0"/>
+          <a:chOff x="0" y="0"/>
+          <a:chExt cx="0" cy="0"/>
+        </a:xfrm>
+      </p:grpSpPr>
     </p:spTree>
     <p:custDataLst>
       <p:tags r:id="rId2"/>
@@ -21300,7 +21942,14 @@
         <p:cNvGrpSpPr/>
         <p:nvPr/>
       </p:nvGrpSpPr>
-      <p:grpSpPr/>
+      <p:grpSpPr>
+        <a:xfrm>
+          <a:off x="0" y="0"/>
+          <a:ext cx="0" cy="0"/>
+          <a:chOff x="0" y="0"/>
+          <a:chExt cx="0" cy="0"/>
+        </a:xfrm>
+      </p:grpSpPr>
     </p:spTree>
     <p:custDataLst>
       <p:tags r:id="rId2"/>
@@ -21332,7 +21981,14 @@
         <p:cNvGrpSpPr/>
         <p:nvPr/>
       </p:nvGrpSpPr>
-      <p:grpSpPr/>
+      <p:grpSpPr>
+        <a:xfrm>
+          <a:off x="0" y="0"/>
+          <a:ext cx="0" cy="0"/>
+          <a:chOff x="0" y="0"/>
+          <a:chExt cx="0" cy="0"/>
+        </a:xfrm>
+      </p:grpSpPr>
       <p:pic>
         <p:nvPicPr>
           <p:cNvPr id="3" name="图片 2"/>
@@ -21488,6 +22144,7 @@
           <a:bodyPr wrap="square" rtlCol="0">
             <a:spAutoFit/>
           </a:bodyPr>
+          <a:lstStyle/>
           <a:p>
             <a:r>
               <a:rPr lang="en-US" altLang="zh-CN">
@@ -21560,7 +22217,14 @@
         <p:cNvGrpSpPr/>
         <p:nvPr/>
       </p:nvGrpSpPr>
-      <p:grpSpPr/>
+      <p:grpSpPr>
+        <a:xfrm>
+          <a:off x="0" y="0"/>
+          <a:ext cx="0" cy="0"/>
+          <a:chOff x="0" y="0"/>
+          <a:chExt cx="0" cy="0"/>
+        </a:xfrm>
+      </p:grpSpPr>
       <p:sp>
         <p:nvSpPr>
           <p:cNvPr id="2" name="文本框 1"/>
@@ -21581,6 +22245,7 @@
           <a:bodyPr wrap="square" rtlCol="0">
             <a:spAutoFit/>
           </a:bodyPr>
+          <a:lstStyle/>
           <a:p>
             <a:r>
               <a:rPr lang="en-US" altLang="zh-CN" sz="3200"/>
@@ -21614,6 +22279,7 @@
           <a:bodyPr wrap="square" rtlCol="0">
             <a:spAutoFit/>
           </a:bodyPr>
+          <a:lstStyle/>
           <a:p>
             <a:r>
               <a:rPr lang="zh-CN" altLang="en-US"/>
@@ -21792,7 +22458,14 @@
         <p:cNvGrpSpPr/>
         <p:nvPr/>
       </p:nvGrpSpPr>
-      <p:grpSpPr/>
+      <p:grpSpPr>
+        <a:xfrm>
+          <a:off x="0" y="0"/>
+          <a:ext cx="0" cy="0"/>
+          <a:chOff x="0" y="0"/>
+          <a:chExt cx="0" cy="0"/>
+        </a:xfrm>
+      </p:grpSpPr>
       <p:sp>
         <p:nvSpPr>
           <p:cNvPr id="3" name="文本框 2"/>
@@ -21813,6 +22486,7 @@
           <a:bodyPr wrap="square" rtlCol="0">
             <a:spAutoFit/>
           </a:bodyPr>
+          <a:lstStyle/>
           <a:p>
             <a:r>
               <a:rPr lang="en-US" altLang="zh-CN" sz="3200"/>
@@ -21846,6 +22520,7 @@
           <a:bodyPr wrap="square" rtlCol="0">
             <a:spAutoFit/>
           </a:bodyPr>
+          <a:lstStyle/>
           <a:p>
             <a:r>
               <a:rPr sz="1600">
@@ -22185,6 +22860,7 @@
           <a:bodyPr wrap="square" rtlCol="0">
             <a:spAutoFit/>
           </a:bodyPr>
+          <a:lstStyle/>
           <a:p>
             <a:r>
               <a:rPr sz="1600">
@@ -22537,7 +23213,14 @@
         <p:cNvGrpSpPr/>
         <p:nvPr/>
       </p:nvGrpSpPr>
-      <p:grpSpPr/>
+      <p:grpSpPr>
+        <a:xfrm>
+          <a:off x="0" y="0"/>
+          <a:ext cx="0" cy="0"/>
+          <a:chOff x="0" y="0"/>
+          <a:chExt cx="0" cy="0"/>
+        </a:xfrm>
+      </p:grpSpPr>
       <p:sp>
         <p:nvSpPr>
           <p:cNvPr id="3" name="文本框 2"/>
@@ -22558,6 +23241,7 @@
           <a:bodyPr wrap="square" rtlCol="0">
             <a:spAutoFit/>
           </a:bodyPr>
+          <a:lstStyle/>
           <a:p>
             <a:r>
               <a:rPr lang="en-US" altLang="zh-CN" sz="3200"/>
